--- a/docs/prezentacia.pptx
+++ b/docs/prezentacia.pptx
@@ -3,11 +3,19 @@
 <p:presentation xmlns:a="http://schemas.openxmlformats.org/drawingml/2006/main" xmlns:p="http://schemas.openxmlformats.org/presentationml/2006/main" xmlns:r="http://schemas.openxmlformats.org/officeDocument/2006/relationships" xmlns:p14="http://schemas.microsoft.com/office/powerpoint/2010/main" xmlns:p15="http://schemas.microsoft.com/office/powerpoint/2012/main" xmlns:mc="http://schemas.openxmlformats.org/markup-compatibility/2006">
   <p:sldMasterIdLst>
     <p:sldMasterId id="2147483648" r:id="rId2"/>
+    <p:sldMasterId id="2147483661" r:id="rId3"/>
   </p:sldMasterIdLst>
   <p:sldIdLst>
-    <p:sldId id="256" r:id="rId3"/>
-    <p:sldId id="257" r:id="rId4"/>
-    <p:sldId id="258" r:id="rId5"/>
+    <p:sldId id="256" r:id="rId4"/>
+    <p:sldId id="257" r:id="rId5"/>
+    <p:sldId id="258" r:id="rId6"/>
+    <p:sldId id="259" r:id="rId7"/>
+    <p:sldId id="260" r:id="rId8"/>
+    <p:sldId id="261" r:id="rId9"/>
+    <p:sldId id="262" r:id="rId10"/>
+    <p:sldId id="263" r:id="rId11"/>
+    <p:sldId id="264" r:id="rId12"/>
+    <p:sldId id="265" r:id="rId13"/>
   </p:sldIdLst>
   <p:sldSz cx="10080625" cy="5670550"/>
   <p:notesSz cx="7772400" cy="10058400"/>
@@ -38,7 +46,7 @@
             <a:spLocks noGrp="1"/>
           </p:cNvSpPr>
           <p:nvPr>
-            <p:ph type="ftr" idx="2"/>
+            <p:ph type="ftr" idx="1"/>
           </p:nvPr>
         </p:nvSpPr>
         <p:spPr/>
@@ -58,14 +66,14 @@
             <a:spLocks noGrp="1"/>
           </p:cNvSpPr>
           <p:nvPr>
-            <p:ph type="sldNum" idx="3"/>
+            <p:ph type="sldNum" idx="2"/>
           </p:nvPr>
         </p:nvSpPr>
         <p:spPr/>
         <p:txBody>
           <a:bodyPr/>
           <a:p>
-            <a:fld id="{04814B9F-6B26-48DD-AAFA-E3AA5C345A1A}" type="slidenum">
+            <a:fld id="{00BC9384-80BC-43CB-B263-7071A382C15A}" type="slidenum">
               <a:t>&lt;#&gt;</a:t>
             </a:fld>
           </a:p>
@@ -78,7 +86,7 @@
             <a:spLocks noGrp="1"/>
           </p:cNvSpPr>
           <p:nvPr>
-            <p:ph type="dt" idx="1"/>
+            <p:ph type="dt" idx="3"/>
           </p:nvPr>
         </p:nvSpPr>
         <p:spPr/>
@@ -127,7 +135,7 @@
         <p:spPr>
           <a:xfrm>
             <a:off x="504000" y="226080"/>
-            <a:ext cx="9071640" cy="946440"/>
+            <a:ext cx="9071280" cy="946080"/>
           </a:xfrm>
           <a:prstGeom prst="rect">
             <a:avLst/>
@@ -167,7 +175,7 @@
         <p:spPr>
           <a:xfrm>
             <a:off x="504000" y="1326600"/>
-            <a:ext cx="9071640" cy="1568160"/>
+            <a:ext cx="9071280" cy="1568160"/>
           </a:xfrm>
           <a:prstGeom prst="rect">
             <a:avLst/>
@@ -210,7 +218,7 @@
         <p:spPr>
           <a:xfrm>
             <a:off x="504000" y="3044160"/>
-            <a:ext cx="9071640" cy="1568160"/>
+            <a:ext cx="9071280" cy="1568160"/>
           </a:xfrm>
           <a:prstGeom prst="rect">
             <a:avLst/>
@@ -247,7 +255,7 @@
             <a:spLocks noGrp="1"/>
           </p:cNvSpPr>
           <p:nvPr>
-            <p:ph type="ftr" idx="2"/>
+            <p:ph type="ftr" idx="1"/>
           </p:nvPr>
         </p:nvSpPr>
         <p:spPr/>
@@ -267,14 +275,14 @@
             <a:spLocks noGrp="1"/>
           </p:cNvSpPr>
           <p:nvPr>
-            <p:ph type="sldNum" idx="3"/>
+            <p:ph type="sldNum" idx="2"/>
           </p:nvPr>
         </p:nvSpPr>
         <p:spPr/>
         <p:txBody>
           <a:bodyPr/>
           <a:p>
-            <a:fld id="{827346A5-362C-46BD-826D-D29F112FFFA1}" type="slidenum">
+            <a:fld id="{EBB8F3A9-A250-40D1-804F-0550B78DABA0}" type="slidenum">
               <a:t>&lt;#&gt;</a:t>
             </a:fld>
           </a:p>
@@ -287,7 +295,7 @@
             <a:spLocks noGrp="1"/>
           </p:cNvSpPr>
           <p:nvPr>
-            <p:ph type="dt" idx="1"/>
+            <p:ph type="dt" idx="3"/>
           </p:nvPr>
         </p:nvSpPr>
         <p:spPr/>
@@ -336,7 +344,7 @@
         <p:spPr>
           <a:xfrm>
             <a:off x="504000" y="226080"/>
-            <a:ext cx="9071640" cy="946440"/>
+            <a:ext cx="9071280" cy="946080"/>
           </a:xfrm>
           <a:prstGeom prst="rect">
             <a:avLst/>
@@ -376,7 +384,7 @@
         <p:spPr>
           <a:xfrm>
             <a:off x="504000" y="1326600"/>
-            <a:ext cx="4426920" cy="1568160"/>
+            <a:ext cx="4426560" cy="1568160"/>
           </a:xfrm>
           <a:prstGeom prst="rect">
             <a:avLst/>
@@ -418,8 +426,8 @@
         </p:nvSpPr>
         <p:spPr>
           <a:xfrm>
-            <a:off x="5152680" y="1326600"/>
-            <a:ext cx="4426920" cy="1568160"/>
+            <a:off x="5152320" y="1326600"/>
+            <a:ext cx="4426560" cy="1568160"/>
           </a:xfrm>
           <a:prstGeom prst="rect">
             <a:avLst/>
@@ -462,7 +470,7 @@
         <p:spPr>
           <a:xfrm>
             <a:off x="504000" y="3044160"/>
-            <a:ext cx="4426920" cy="1568160"/>
+            <a:ext cx="4426560" cy="1568160"/>
           </a:xfrm>
           <a:prstGeom prst="rect">
             <a:avLst/>
@@ -504,8 +512,8 @@
         </p:nvSpPr>
         <p:spPr>
           <a:xfrm>
-            <a:off x="5152680" y="3044160"/>
-            <a:ext cx="4426920" cy="1568160"/>
+            <a:off x="5152320" y="3044160"/>
+            <a:ext cx="4426560" cy="1568160"/>
           </a:xfrm>
           <a:prstGeom prst="rect">
             <a:avLst/>
@@ -542,7 +550,7 @@
             <a:spLocks noGrp="1"/>
           </p:cNvSpPr>
           <p:nvPr>
-            <p:ph type="ftr" idx="2"/>
+            <p:ph type="ftr" idx="1"/>
           </p:nvPr>
         </p:nvSpPr>
         <p:spPr/>
@@ -562,14 +570,14 @@
             <a:spLocks noGrp="1"/>
           </p:cNvSpPr>
           <p:nvPr>
-            <p:ph type="sldNum" idx="3"/>
+            <p:ph type="sldNum" idx="2"/>
           </p:nvPr>
         </p:nvSpPr>
         <p:spPr/>
         <p:txBody>
           <a:bodyPr/>
           <a:p>
-            <a:fld id="{781C929A-67CF-4918-849D-A5C4F65563EA}" type="slidenum">
+            <a:fld id="{4BCF40B9-03CD-4AFB-B6FB-7355ECF45F47}" type="slidenum">
               <a:t>&lt;#&gt;</a:t>
             </a:fld>
           </a:p>
@@ -582,7 +590,7 @@
             <a:spLocks noGrp="1"/>
           </p:cNvSpPr>
           <p:nvPr>
-            <p:ph type="dt" idx="1"/>
+            <p:ph type="dt" idx="3"/>
           </p:nvPr>
         </p:nvSpPr>
         <p:spPr/>
@@ -631,7 +639,7 @@
         <p:spPr>
           <a:xfrm>
             <a:off x="504000" y="226080"/>
-            <a:ext cx="9071640" cy="946440"/>
+            <a:ext cx="9071280" cy="946080"/>
           </a:xfrm>
           <a:prstGeom prst="rect">
             <a:avLst/>
@@ -923,7 +931,7 @@
             <a:spLocks noGrp="1"/>
           </p:cNvSpPr>
           <p:nvPr>
-            <p:ph type="ftr" idx="2"/>
+            <p:ph type="ftr" idx="1"/>
           </p:nvPr>
         </p:nvSpPr>
         <p:spPr/>
@@ -943,14 +951,14 @@
             <a:spLocks noGrp="1"/>
           </p:cNvSpPr>
           <p:nvPr>
-            <p:ph type="sldNum" idx="3"/>
+            <p:ph type="sldNum" idx="2"/>
           </p:nvPr>
         </p:nvSpPr>
         <p:spPr/>
         <p:txBody>
           <a:bodyPr/>
           <a:p>
-            <a:fld id="{CB72C707-7168-4DE7-A74D-D2BF450ED480}" type="slidenum">
+            <a:fld id="{9612D850-EDE4-4E80-86E1-4BD80451D548}" type="slidenum">
               <a:t>&lt;#&gt;</a:t>
             </a:fld>
           </a:p>
@@ -963,7 +971,1124 @@
             <a:spLocks noGrp="1"/>
           </p:cNvSpPr>
           <p:nvPr>
-            <p:ph type="dt" idx="1"/>
+            <p:ph type="dt" idx="3"/>
+          </p:nvPr>
+        </p:nvSpPr>
+        <p:spPr/>
+        <p:txBody>
+          <a:bodyPr/>
+          <a:p>
+            <a:r>
+              <a:rPr lang="en-US"/>
+              <a:t/>
+            </a:r>
+          </a:p>
+        </p:txBody>
+      </p:sp>
+    </p:spTree>
+  </p:cSld>
+</p:sldLayout>
+</file>
+
+<file path=ppt/slideLayouts/slideLayout13.xml><?xml version="1.0" encoding="utf-8"?>
+<p:sldLayout xmlns:a="http://schemas.openxmlformats.org/drawingml/2006/main" xmlns:p="http://schemas.openxmlformats.org/presentationml/2006/main" xmlns:r="http://schemas.openxmlformats.org/officeDocument/2006/relationships" xmlns:p14="http://schemas.microsoft.com/office/powerpoint/2010/main" xmlns:p15="http://schemas.microsoft.com/office/powerpoint/2012/main" xmlns:mc="http://schemas.openxmlformats.org/markup-compatibility/2006" type="blank" preserve="1">
+  <p:cSld name="Blank Slide">
+    <p:spTree>
+      <p:nvGrpSpPr>
+        <p:cNvPr id="1" name=""/>
+        <p:cNvGrpSpPr/>
+        <p:nvPr/>
+      </p:nvGrpSpPr>
+      <p:grpSpPr>
+        <a:xfrm>
+          <a:off x="0" y="0"/>
+          <a:ext cx="0" cy="0"/>
+          <a:chOff x="0" y="0"/>
+          <a:chExt cx="0" cy="0"/>
+        </a:xfrm>
+      </p:grpSpPr>
+      <p:sp>
+        <p:nvSpPr>
+          <p:cNvPr id="2" name="PlaceHolder 1"/>
+          <p:cNvSpPr>
+            <a:spLocks noGrp="1"/>
+          </p:cNvSpPr>
+          <p:nvPr>
+            <p:ph type="ftr" idx="4"/>
+          </p:nvPr>
+        </p:nvSpPr>
+        <p:spPr/>
+        <p:txBody>
+          <a:bodyPr/>
+          <a:p>
+            <a:r>
+              <a:t>Footer</a:t>
+            </a:r>
+          </a:p>
+        </p:txBody>
+      </p:sp>
+      <p:sp>
+        <p:nvSpPr>
+          <p:cNvPr id="3" name="PlaceHolder 2"/>
+          <p:cNvSpPr>
+            <a:spLocks noGrp="1"/>
+          </p:cNvSpPr>
+          <p:nvPr>
+            <p:ph type="sldNum" idx="5"/>
+          </p:nvPr>
+        </p:nvSpPr>
+        <p:spPr/>
+        <p:txBody>
+          <a:bodyPr/>
+          <a:p>
+            <a:fld id="{E01D59C1-5E46-423D-9768-0F14B0BF2E22}" type="slidenum">
+              <a:t>&lt;#&gt;</a:t>
+            </a:fld>
+          </a:p>
+        </p:txBody>
+      </p:sp>
+      <p:sp>
+        <p:nvSpPr>
+          <p:cNvPr id="4" name="PlaceHolder 3"/>
+          <p:cNvSpPr>
+            <a:spLocks noGrp="1"/>
+          </p:cNvSpPr>
+          <p:nvPr>
+            <p:ph type="dt" idx="6"/>
+          </p:nvPr>
+        </p:nvSpPr>
+        <p:spPr/>
+        <p:txBody>
+          <a:bodyPr/>
+          <a:p>
+            <a:r>
+              <a:rPr lang="en-US"/>
+              <a:t/>
+            </a:r>
+          </a:p>
+        </p:txBody>
+      </p:sp>
+    </p:spTree>
+  </p:cSld>
+</p:sldLayout>
+</file>
+
+<file path=ppt/slideLayouts/slideLayout14.xml><?xml version="1.0" encoding="utf-8"?>
+<p:sldLayout xmlns:a="http://schemas.openxmlformats.org/drawingml/2006/main" xmlns:p="http://schemas.openxmlformats.org/presentationml/2006/main" xmlns:r="http://schemas.openxmlformats.org/officeDocument/2006/relationships" xmlns:p14="http://schemas.microsoft.com/office/powerpoint/2010/main" xmlns:p15="http://schemas.microsoft.com/office/powerpoint/2012/main" xmlns:mc="http://schemas.openxmlformats.org/markup-compatibility/2006" type="tx" preserve="1">
+  <p:cSld name="Title Slide">
+    <p:spTree>
+      <p:nvGrpSpPr>
+        <p:cNvPr id="1" name=""/>
+        <p:cNvGrpSpPr/>
+        <p:nvPr/>
+      </p:nvGrpSpPr>
+      <p:grpSpPr>
+        <a:xfrm>
+          <a:off x="0" y="0"/>
+          <a:ext cx="0" cy="0"/>
+          <a:chOff x="0" y="0"/>
+          <a:chExt cx="0" cy="0"/>
+        </a:xfrm>
+      </p:grpSpPr>
+      <p:sp>
+        <p:nvSpPr>
+          <p:cNvPr id="46" name="PlaceHolder 1"/>
+          <p:cNvSpPr>
+            <a:spLocks noGrp="1"/>
+          </p:cNvSpPr>
+          <p:nvPr>
+            <p:ph type="title"/>
+          </p:nvPr>
+        </p:nvSpPr>
+        <p:spPr>
+          <a:xfrm>
+            <a:off x="504000" y="226080"/>
+            <a:ext cx="9071280" cy="946080"/>
+          </a:xfrm>
+          <a:prstGeom prst="rect">
+            <a:avLst/>
+          </a:prstGeom>
+          <a:noFill/>
+          <a:ln w="0">
+            <a:noFill/>
+          </a:ln>
+        </p:spPr>
+        <p:txBody>
+          <a:bodyPr lIns="0" rIns="0" tIns="0" bIns="0" anchor="ctr">
+            <a:noAutofit/>
+          </a:bodyPr>
+          <a:p>
+            <a:pPr indent="0" algn="ctr">
+              <a:buNone/>
+            </a:pPr>
+            <a:endParaRPr b="0" lang="en-US" sz="4400" spc="-1" strike="noStrike">
+              <a:solidFill>
+                <a:srgbClr val="000000"/>
+              </a:solidFill>
+              <a:latin typeface="Arial"/>
+            </a:endParaRPr>
+          </a:p>
+        </p:txBody>
+      </p:sp>
+      <p:sp>
+        <p:nvSpPr>
+          <p:cNvPr id="47" name="PlaceHolder 2"/>
+          <p:cNvSpPr>
+            <a:spLocks noGrp="1"/>
+          </p:cNvSpPr>
+          <p:nvPr>
+            <p:ph type="subTitle"/>
+          </p:nvPr>
+        </p:nvSpPr>
+        <p:spPr>
+          <a:xfrm>
+            <a:off x="504000" y="1326600"/>
+            <a:ext cx="9071280" cy="3287880"/>
+          </a:xfrm>
+          <a:prstGeom prst="rect">
+            <a:avLst/>
+          </a:prstGeom>
+          <a:noFill/>
+          <a:ln w="0">
+            <a:noFill/>
+          </a:ln>
+        </p:spPr>
+        <p:txBody>
+          <a:bodyPr lIns="0" rIns="0" tIns="0" bIns="0" anchor="ctr">
+            <a:noAutofit/>
+          </a:bodyPr>
+          <a:p>
+            <a:pPr indent="0" algn="ctr">
+              <a:buNone/>
+            </a:pPr>
+            <a:endParaRPr b="0" lang="en-US" sz="3200" spc="-1" strike="noStrike">
+              <a:solidFill>
+                <a:srgbClr val="000000"/>
+              </a:solidFill>
+              <a:latin typeface="Arial"/>
+            </a:endParaRPr>
+          </a:p>
+        </p:txBody>
+      </p:sp>
+      <p:sp>
+        <p:nvSpPr>
+          <p:cNvPr id="4" name="PlaceHolder 3"/>
+          <p:cNvSpPr>
+            <a:spLocks noGrp="1"/>
+          </p:cNvSpPr>
+          <p:nvPr>
+            <p:ph type="ftr" idx="4"/>
+          </p:nvPr>
+        </p:nvSpPr>
+        <p:spPr/>
+        <p:txBody>
+          <a:bodyPr/>
+          <a:p>
+            <a:r>
+              <a:t>Footer</a:t>
+            </a:r>
+          </a:p>
+        </p:txBody>
+      </p:sp>
+      <p:sp>
+        <p:nvSpPr>
+          <p:cNvPr id="5" name="PlaceHolder 4"/>
+          <p:cNvSpPr>
+            <a:spLocks noGrp="1"/>
+          </p:cNvSpPr>
+          <p:nvPr>
+            <p:ph type="sldNum" idx="5"/>
+          </p:nvPr>
+        </p:nvSpPr>
+        <p:spPr/>
+        <p:txBody>
+          <a:bodyPr/>
+          <a:p>
+            <a:fld id="{F6932C7A-C117-41C1-B143-1BB03CDB56A5}" type="slidenum">
+              <a:t>&lt;#&gt;</a:t>
+            </a:fld>
+          </a:p>
+        </p:txBody>
+      </p:sp>
+      <p:sp>
+        <p:nvSpPr>
+          <p:cNvPr id="6" name="PlaceHolder 5"/>
+          <p:cNvSpPr>
+            <a:spLocks noGrp="1"/>
+          </p:cNvSpPr>
+          <p:nvPr>
+            <p:ph type="dt" idx="6"/>
+          </p:nvPr>
+        </p:nvSpPr>
+        <p:spPr/>
+        <p:txBody>
+          <a:bodyPr/>
+          <a:p>
+            <a:r>
+              <a:rPr lang="en-US"/>
+              <a:t/>
+            </a:r>
+          </a:p>
+        </p:txBody>
+      </p:sp>
+    </p:spTree>
+  </p:cSld>
+</p:sldLayout>
+</file>
+
+<file path=ppt/slideLayouts/slideLayout15.xml><?xml version="1.0" encoding="utf-8"?>
+<p:sldLayout xmlns:a="http://schemas.openxmlformats.org/drawingml/2006/main" xmlns:p="http://schemas.openxmlformats.org/presentationml/2006/main" xmlns:r="http://schemas.openxmlformats.org/officeDocument/2006/relationships" xmlns:p14="http://schemas.microsoft.com/office/powerpoint/2010/main" xmlns:p15="http://schemas.microsoft.com/office/powerpoint/2012/main" xmlns:mc="http://schemas.openxmlformats.org/markup-compatibility/2006" type="obj" preserve="1">
+  <p:cSld name="Title, Content">
+    <p:spTree>
+      <p:nvGrpSpPr>
+        <p:cNvPr id="1" name=""/>
+        <p:cNvGrpSpPr/>
+        <p:nvPr/>
+      </p:nvGrpSpPr>
+      <p:grpSpPr>
+        <a:xfrm>
+          <a:off x="0" y="0"/>
+          <a:ext cx="0" cy="0"/>
+          <a:chOff x="0" y="0"/>
+          <a:chExt cx="0" cy="0"/>
+        </a:xfrm>
+      </p:grpSpPr>
+      <p:sp>
+        <p:nvSpPr>
+          <p:cNvPr id="48" name="PlaceHolder 1"/>
+          <p:cNvSpPr>
+            <a:spLocks noGrp="1"/>
+          </p:cNvSpPr>
+          <p:nvPr>
+            <p:ph type="title"/>
+          </p:nvPr>
+        </p:nvSpPr>
+        <p:spPr>
+          <a:xfrm>
+            <a:off x="504000" y="226080"/>
+            <a:ext cx="9071280" cy="946080"/>
+          </a:xfrm>
+          <a:prstGeom prst="rect">
+            <a:avLst/>
+          </a:prstGeom>
+          <a:noFill/>
+          <a:ln w="0">
+            <a:noFill/>
+          </a:ln>
+        </p:spPr>
+        <p:txBody>
+          <a:bodyPr lIns="0" rIns="0" tIns="0" bIns="0" anchor="ctr">
+            <a:noAutofit/>
+          </a:bodyPr>
+          <a:p>
+            <a:pPr indent="0" algn="ctr">
+              <a:buNone/>
+            </a:pPr>
+            <a:endParaRPr b="0" lang="en-US" sz="4400" spc="-1" strike="noStrike">
+              <a:solidFill>
+                <a:srgbClr val="000000"/>
+              </a:solidFill>
+              <a:latin typeface="Arial"/>
+            </a:endParaRPr>
+          </a:p>
+        </p:txBody>
+      </p:sp>
+      <p:sp>
+        <p:nvSpPr>
+          <p:cNvPr id="49" name="PlaceHolder 2"/>
+          <p:cNvSpPr>
+            <a:spLocks noGrp="1"/>
+          </p:cNvSpPr>
+          <p:nvPr>
+            <p:ph/>
+          </p:nvPr>
+        </p:nvSpPr>
+        <p:spPr>
+          <a:xfrm>
+            <a:off x="504000" y="1326600"/>
+            <a:ext cx="9071280" cy="3287880"/>
+          </a:xfrm>
+          <a:prstGeom prst="rect">
+            <a:avLst/>
+          </a:prstGeom>
+          <a:noFill/>
+          <a:ln w="0">
+            <a:noFill/>
+          </a:ln>
+        </p:spPr>
+        <p:txBody>
+          <a:bodyPr lIns="0" rIns="0" tIns="0" bIns="0" anchor="t">
+            <a:normAutofit/>
+          </a:bodyPr>
+          <a:p>
+            <a:pPr indent="0">
+              <a:spcBef>
+                <a:spcPts val="1417"/>
+              </a:spcBef>
+              <a:buNone/>
+            </a:pPr>
+            <a:endParaRPr b="0" lang="en-US" sz="3200" spc="-1" strike="noStrike">
+              <a:solidFill>
+                <a:srgbClr val="000000"/>
+              </a:solidFill>
+              <a:latin typeface="Arial"/>
+            </a:endParaRPr>
+          </a:p>
+        </p:txBody>
+      </p:sp>
+      <p:sp>
+        <p:nvSpPr>
+          <p:cNvPr id="4" name="PlaceHolder 3"/>
+          <p:cNvSpPr>
+            <a:spLocks noGrp="1"/>
+          </p:cNvSpPr>
+          <p:nvPr>
+            <p:ph type="ftr" idx="4"/>
+          </p:nvPr>
+        </p:nvSpPr>
+        <p:spPr/>
+        <p:txBody>
+          <a:bodyPr/>
+          <a:p>
+            <a:r>
+              <a:t>Footer</a:t>
+            </a:r>
+          </a:p>
+        </p:txBody>
+      </p:sp>
+      <p:sp>
+        <p:nvSpPr>
+          <p:cNvPr id="5" name="PlaceHolder 4"/>
+          <p:cNvSpPr>
+            <a:spLocks noGrp="1"/>
+          </p:cNvSpPr>
+          <p:nvPr>
+            <p:ph type="sldNum" idx="5"/>
+          </p:nvPr>
+        </p:nvSpPr>
+        <p:spPr/>
+        <p:txBody>
+          <a:bodyPr/>
+          <a:p>
+            <a:fld id="{18369D0E-CDE3-4FD8-9391-3541A1BDD8A7}" type="slidenum">
+              <a:t>&lt;#&gt;</a:t>
+            </a:fld>
+          </a:p>
+        </p:txBody>
+      </p:sp>
+      <p:sp>
+        <p:nvSpPr>
+          <p:cNvPr id="6" name="PlaceHolder 5"/>
+          <p:cNvSpPr>
+            <a:spLocks noGrp="1"/>
+          </p:cNvSpPr>
+          <p:nvPr>
+            <p:ph type="dt" idx="6"/>
+          </p:nvPr>
+        </p:nvSpPr>
+        <p:spPr/>
+        <p:txBody>
+          <a:bodyPr/>
+          <a:p>
+            <a:r>
+              <a:rPr lang="en-US"/>
+              <a:t/>
+            </a:r>
+          </a:p>
+        </p:txBody>
+      </p:sp>
+    </p:spTree>
+  </p:cSld>
+</p:sldLayout>
+</file>
+
+<file path=ppt/slideLayouts/slideLayout16.xml><?xml version="1.0" encoding="utf-8"?>
+<p:sldLayout xmlns:a="http://schemas.openxmlformats.org/drawingml/2006/main" xmlns:p="http://schemas.openxmlformats.org/presentationml/2006/main" xmlns:r="http://schemas.openxmlformats.org/officeDocument/2006/relationships" xmlns:p14="http://schemas.microsoft.com/office/powerpoint/2010/main" xmlns:p15="http://schemas.microsoft.com/office/powerpoint/2012/main" xmlns:mc="http://schemas.openxmlformats.org/markup-compatibility/2006" type="twoObj" preserve="1">
+  <p:cSld name="Title, 2 Content">
+    <p:spTree>
+      <p:nvGrpSpPr>
+        <p:cNvPr id="1" name=""/>
+        <p:cNvGrpSpPr/>
+        <p:nvPr/>
+      </p:nvGrpSpPr>
+      <p:grpSpPr>
+        <a:xfrm>
+          <a:off x="0" y="0"/>
+          <a:ext cx="0" cy="0"/>
+          <a:chOff x="0" y="0"/>
+          <a:chExt cx="0" cy="0"/>
+        </a:xfrm>
+      </p:grpSpPr>
+      <p:sp>
+        <p:nvSpPr>
+          <p:cNvPr id="50" name="PlaceHolder 1"/>
+          <p:cNvSpPr>
+            <a:spLocks noGrp="1"/>
+          </p:cNvSpPr>
+          <p:nvPr>
+            <p:ph type="title"/>
+          </p:nvPr>
+        </p:nvSpPr>
+        <p:spPr>
+          <a:xfrm>
+            <a:off x="504000" y="226080"/>
+            <a:ext cx="9071280" cy="946080"/>
+          </a:xfrm>
+          <a:prstGeom prst="rect">
+            <a:avLst/>
+          </a:prstGeom>
+          <a:noFill/>
+          <a:ln w="0">
+            <a:noFill/>
+          </a:ln>
+        </p:spPr>
+        <p:txBody>
+          <a:bodyPr lIns="0" rIns="0" tIns="0" bIns="0" anchor="ctr">
+            <a:noAutofit/>
+          </a:bodyPr>
+          <a:p>
+            <a:pPr indent="0" algn="ctr">
+              <a:buNone/>
+            </a:pPr>
+            <a:endParaRPr b="0" lang="en-US" sz="4400" spc="-1" strike="noStrike">
+              <a:solidFill>
+                <a:srgbClr val="000000"/>
+              </a:solidFill>
+              <a:latin typeface="Arial"/>
+            </a:endParaRPr>
+          </a:p>
+        </p:txBody>
+      </p:sp>
+      <p:sp>
+        <p:nvSpPr>
+          <p:cNvPr id="51" name="PlaceHolder 2"/>
+          <p:cNvSpPr>
+            <a:spLocks noGrp="1"/>
+          </p:cNvSpPr>
+          <p:nvPr>
+            <p:ph/>
+          </p:nvPr>
+        </p:nvSpPr>
+        <p:spPr>
+          <a:xfrm>
+            <a:off x="504000" y="1326600"/>
+            <a:ext cx="4426560" cy="3287880"/>
+          </a:xfrm>
+          <a:prstGeom prst="rect">
+            <a:avLst/>
+          </a:prstGeom>
+          <a:noFill/>
+          <a:ln w="0">
+            <a:noFill/>
+          </a:ln>
+        </p:spPr>
+        <p:txBody>
+          <a:bodyPr lIns="0" rIns="0" tIns="0" bIns="0" anchor="t">
+            <a:normAutofit/>
+          </a:bodyPr>
+          <a:p>
+            <a:pPr indent="0">
+              <a:spcBef>
+                <a:spcPts val="1417"/>
+              </a:spcBef>
+              <a:buNone/>
+            </a:pPr>
+            <a:endParaRPr b="0" lang="en-US" sz="3200" spc="-1" strike="noStrike">
+              <a:solidFill>
+                <a:srgbClr val="000000"/>
+              </a:solidFill>
+              <a:latin typeface="Arial"/>
+            </a:endParaRPr>
+          </a:p>
+        </p:txBody>
+      </p:sp>
+      <p:sp>
+        <p:nvSpPr>
+          <p:cNvPr id="52" name="PlaceHolder 3"/>
+          <p:cNvSpPr>
+            <a:spLocks noGrp="1"/>
+          </p:cNvSpPr>
+          <p:nvPr>
+            <p:ph/>
+          </p:nvPr>
+        </p:nvSpPr>
+        <p:spPr>
+          <a:xfrm>
+            <a:off x="5152320" y="1326600"/>
+            <a:ext cx="4426560" cy="3287880"/>
+          </a:xfrm>
+          <a:prstGeom prst="rect">
+            <a:avLst/>
+          </a:prstGeom>
+          <a:noFill/>
+          <a:ln w="0">
+            <a:noFill/>
+          </a:ln>
+        </p:spPr>
+        <p:txBody>
+          <a:bodyPr lIns="0" rIns="0" tIns="0" bIns="0" anchor="t">
+            <a:normAutofit/>
+          </a:bodyPr>
+          <a:p>
+            <a:pPr indent="0">
+              <a:spcBef>
+                <a:spcPts val="1417"/>
+              </a:spcBef>
+              <a:buNone/>
+            </a:pPr>
+            <a:endParaRPr b="0" lang="en-US" sz="3200" spc="-1" strike="noStrike">
+              <a:solidFill>
+                <a:srgbClr val="000000"/>
+              </a:solidFill>
+              <a:latin typeface="Arial"/>
+            </a:endParaRPr>
+          </a:p>
+        </p:txBody>
+      </p:sp>
+      <p:sp>
+        <p:nvSpPr>
+          <p:cNvPr id="5" name="PlaceHolder 4"/>
+          <p:cNvSpPr>
+            <a:spLocks noGrp="1"/>
+          </p:cNvSpPr>
+          <p:nvPr>
+            <p:ph type="ftr" idx="4"/>
+          </p:nvPr>
+        </p:nvSpPr>
+        <p:spPr/>
+        <p:txBody>
+          <a:bodyPr/>
+          <a:p>
+            <a:r>
+              <a:t>Footer</a:t>
+            </a:r>
+          </a:p>
+        </p:txBody>
+      </p:sp>
+      <p:sp>
+        <p:nvSpPr>
+          <p:cNvPr id="6" name="PlaceHolder 5"/>
+          <p:cNvSpPr>
+            <a:spLocks noGrp="1"/>
+          </p:cNvSpPr>
+          <p:nvPr>
+            <p:ph type="sldNum" idx="5"/>
+          </p:nvPr>
+        </p:nvSpPr>
+        <p:spPr/>
+        <p:txBody>
+          <a:bodyPr/>
+          <a:p>
+            <a:fld id="{A5A91EAB-172D-4B5F-8F45-2C0D96981A47}" type="slidenum">
+              <a:t>&lt;#&gt;</a:t>
+            </a:fld>
+          </a:p>
+        </p:txBody>
+      </p:sp>
+      <p:sp>
+        <p:nvSpPr>
+          <p:cNvPr id="7" name="PlaceHolder 6"/>
+          <p:cNvSpPr>
+            <a:spLocks noGrp="1"/>
+          </p:cNvSpPr>
+          <p:nvPr>
+            <p:ph type="dt" idx="6"/>
+          </p:nvPr>
+        </p:nvSpPr>
+        <p:spPr/>
+        <p:txBody>
+          <a:bodyPr/>
+          <a:p>
+            <a:r>
+              <a:rPr lang="en-US"/>
+              <a:t/>
+            </a:r>
+          </a:p>
+        </p:txBody>
+      </p:sp>
+    </p:spTree>
+  </p:cSld>
+</p:sldLayout>
+</file>
+
+<file path=ppt/slideLayouts/slideLayout17.xml><?xml version="1.0" encoding="utf-8"?>
+<p:sldLayout xmlns:a="http://schemas.openxmlformats.org/drawingml/2006/main" xmlns:p="http://schemas.openxmlformats.org/presentationml/2006/main" xmlns:r="http://schemas.openxmlformats.org/officeDocument/2006/relationships" xmlns:p14="http://schemas.microsoft.com/office/powerpoint/2010/main" xmlns:p15="http://schemas.microsoft.com/office/powerpoint/2012/main" xmlns:mc="http://schemas.openxmlformats.org/markup-compatibility/2006" type="titleOnly" preserve="1">
+  <p:cSld name="Title Only">
+    <p:spTree>
+      <p:nvGrpSpPr>
+        <p:cNvPr id="1" name=""/>
+        <p:cNvGrpSpPr/>
+        <p:nvPr/>
+      </p:nvGrpSpPr>
+      <p:grpSpPr>
+        <a:xfrm>
+          <a:off x="0" y="0"/>
+          <a:ext cx="0" cy="0"/>
+          <a:chOff x="0" y="0"/>
+          <a:chExt cx="0" cy="0"/>
+        </a:xfrm>
+      </p:grpSpPr>
+      <p:sp>
+        <p:nvSpPr>
+          <p:cNvPr id="53" name="PlaceHolder 1"/>
+          <p:cNvSpPr>
+            <a:spLocks noGrp="1"/>
+          </p:cNvSpPr>
+          <p:nvPr>
+            <p:ph type="title"/>
+          </p:nvPr>
+        </p:nvSpPr>
+        <p:spPr>
+          <a:xfrm>
+            <a:off x="504000" y="226080"/>
+            <a:ext cx="9071280" cy="946080"/>
+          </a:xfrm>
+          <a:prstGeom prst="rect">
+            <a:avLst/>
+          </a:prstGeom>
+          <a:noFill/>
+          <a:ln w="0">
+            <a:noFill/>
+          </a:ln>
+        </p:spPr>
+        <p:txBody>
+          <a:bodyPr lIns="0" rIns="0" tIns="0" bIns="0" anchor="ctr">
+            <a:noAutofit/>
+          </a:bodyPr>
+          <a:p>
+            <a:pPr indent="0" algn="ctr">
+              <a:buNone/>
+            </a:pPr>
+            <a:endParaRPr b="0" lang="en-US" sz="4400" spc="-1" strike="noStrike">
+              <a:solidFill>
+                <a:srgbClr val="000000"/>
+              </a:solidFill>
+              <a:latin typeface="Arial"/>
+            </a:endParaRPr>
+          </a:p>
+        </p:txBody>
+      </p:sp>
+      <p:sp>
+        <p:nvSpPr>
+          <p:cNvPr id="3" name="PlaceHolder 2"/>
+          <p:cNvSpPr>
+            <a:spLocks noGrp="1"/>
+          </p:cNvSpPr>
+          <p:nvPr>
+            <p:ph type="ftr" idx="4"/>
+          </p:nvPr>
+        </p:nvSpPr>
+        <p:spPr/>
+        <p:txBody>
+          <a:bodyPr/>
+          <a:p>
+            <a:r>
+              <a:t>Footer</a:t>
+            </a:r>
+          </a:p>
+        </p:txBody>
+      </p:sp>
+      <p:sp>
+        <p:nvSpPr>
+          <p:cNvPr id="4" name="PlaceHolder 3"/>
+          <p:cNvSpPr>
+            <a:spLocks noGrp="1"/>
+          </p:cNvSpPr>
+          <p:nvPr>
+            <p:ph type="sldNum" idx="5"/>
+          </p:nvPr>
+        </p:nvSpPr>
+        <p:spPr/>
+        <p:txBody>
+          <a:bodyPr/>
+          <a:p>
+            <a:fld id="{F1C49E31-7880-491A-9300-86C1A8A2426E}" type="slidenum">
+              <a:t>&lt;#&gt;</a:t>
+            </a:fld>
+          </a:p>
+        </p:txBody>
+      </p:sp>
+      <p:sp>
+        <p:nvSpPr>
+          <p:cNvPr id="5" name="PlaceHolder 4"/>
+          <p:cNvSpPr>
+            <a:spLocks noGrp="1"/>
+          </p:cNvSpPr>
+          <p:nvPr>
+            <p:ph type="dt" idx="6"/>
+          </p:nvPr>
+        </p:nvSpPr>
+        <p:spPr/>
+        <p:txBody>
+          <a:bodyPr/>
+          <a:p>
+            <a:r>
+              <a:rPr lang="en-US"/>
+              <a:t/>
+            </a:r>
+          </a:p>
+        </p:txBody>
+      </p:sp>
+    </p:spTree>
+  </p:cSld>
+</p:sldLayout>
+</file>
+
+<file path=ppt/slideLayouts/slideLayout18.xml><?xml version="1.0" encoding="utf-8"?>
+<p:sldLayout xmlns:a="http://schemas.openxmlformats.org/drawingml/2006/main" xmlns:p="http://schemas.openxmlformats.org/presentationml/2006/main" xmlns:r="http://schemas.openxmlformats.org/officeDocument/2006/relationships" xmlns:p14="http://schemas.microsoft.com/office/powerpoint/2010/main" xmlns:p15="http://schemas.microsoft.com/office/powerpoint/2012/main" xmlns:mc="http://schemas.openxmlformats.org/markup-compatibility/2006" type="objOnly" preserve="1">
+  <p:cSld name="Centered Text">
+    <p:spTree>
+      <p:nvGrpSpPr>
+        <p:cNvPr id="1" name=""/>
+        <p:cNvGrpSpPr/>
+        <p:nvPr/>
+      </p:nvGrpSpPr>
+      <p:grpSpPr>
+        <a:xfrm>
+          <a:off x="0" y="0"/>
+          <a:ext cx="0" cy="0"/>
+          <a:chOff x="0" y="0"/>
+          <a:chExt cx="0" cy="0"/>
+        </a:xfrm>
+      </p:grpSpPr>
+      <p:sp>
+        <p:nvSpPr>
+          <p:cNvPr id="54" name="PlaceHolder 1"/>
+          <p:cNvSpPr>
+            <a:spLocks noGrp="1"/>
+          </p:cNvSpPr>
+          <p:nvPr>
+            <p:ph type="subTitle"/>
+          </p:nvPr>
+        </p:nvSpPr>
+        <p:spPr>
+          <a:xfrm>
+            <a:off x="504000" y="226080"/>
+            <a:ext cx="9071280" cy="4386600"/>
+          </a:xfrm>
+          <a:prstGeom prst="rect">
+            <a:avLst/>
+          </a:prstGeom>
+          <a:noFill/>
+          <a:ln w="0">
+            <a:noFill/>
+          </a:ln>
+        </p:spPr>
+        <p:txBody>
+          <a:bodyPr lIns="0" rIns="0" tIns="0" bIns="0" anchor="ctr">
+            <a:noAutofit/>
+          </a:bodyPr>
+          <a:p>
+            <a:pPr algn="ctr"/>
+            <a:endParaRPr b="0" lang="en-US" sz="3200" spc="-1" strike="noStrike">
+              <a:solidFill>
+                <a:srgbClr val="000000"/>
+              </a:solidFill>
+              <a:latin typeface="Arial"/>
+            </a:endParaRPr>
+          </a:p>
+        </p:txBody>
+      </p:sp>
+      <p:sp>
+        <p:nvSpPr>
+          <p:cNvPr id="3" name="PlaceHolder 2"/>
+          <p:cNvSpPr>
+            <a:spLocks noGrp="1"/>
+          </p:cNvSpPr>
+          <p:nvPr>
+            <p:ph type="ftr" idx="4"/>
+          </p:nvPr>
+        </p:nvSpPr>
+        <p:spPr/>
+        <p:txBody>
+          <a:bodyPr/>
+          <a:p>
+            <a:r>
+              <a:t>Footer</a:t>
+            </a:r>
+          </a:p>
+        </p:txBody>
+      </p:sp>
+      <p:sp>
+        <p:nvSpPr>
+          <p:cNvPr id="4" name="PlaceHolder 3"/>
+          <p:cNvSpPr>
+            <a:spLocks noGrp="1"/>
+          </p:cNvSpPr>
+          <p:nvPr>
+            <p:ph type="sldNum" idx="5"/>
+          </p:nvPr>
+        </p:nvSpPr>
+        <p:spPr/>
+        <p:txBody>
+          <a:bodyPr/>
+          <a:p>
+            <a:fld id="{BB8888D2-3BBA-4D21-B87C-83530A69052F}" type="slidenum">
+              <a:t>&lt;#&gt;</a:t>
+            </a:fld>
+          </a:p>
+        </p:txBody>
+      </p:sp>
+      <p:sp>
+        <p:nvSpPr>
+          <p:cNvPr id="5" name="PlaceHolder 4"/>
+          <p:cNvSpPr>
+            <a:spLocks noGrp="1"/>
+          </p:cNvSpPr>
+          <p:nvPr>
+            <p:ph type="dt" idx="6"/>
+          </p:nvPr>
+        </p:nvSpPr>
+        <p:spPr/>
+        <p:txBody>
+          <a:bodyPr/>
+          <a:p>
+            <a:r>
+              <a:rPr lang="en-US"/>
+              <a:t/>
+            </a:r>
+          </a:p>
+        </p:txBody>
+      </p:sp>
+    </p:spTree>
+  </p:cSld>
+</p:sldLayout>
+</file>
+
+<file path=ppt/slideLayouts/slideLayout19.xml><?xml version="1.0" encoding="utf-8"?>
+<p:sldLayout xmlns:a="http://schemas.openxmlformats.org/drawingml/2006/main" xmlns:p="http://schemas.openxmlformats.org/presentationml/2006/main" xmlns:r="http://schemas.openxmlformats.org/officeDocument/2006/relationships" xmlns:p14="http://schemas.microsoft.com/office/powerpoint/2010/main" xmlns:p15="http://schemas.microsoft.com/office/powerpoint/2012/main" xmlns:mc="http://schemas.openxmlformats.org/markup-compatibility/2006" type="twoObjAndObj" preserve="1">
+  <p:cSld name="Title, 2 Content and Content">
+    <p:spTree>
+      <p:nvGrpSpPr>
+        <p:cNvPr id="1" name=""/>
+        <p:cNvGrpSpPr/>
+        <p:nvPr/>
+      </p:nvGrpSpPr>
+      <p:grpSpPr>
+        <a:xfrm>
+          <a:off x="0" y="0"/>
+          <a:ext cx="0" cy="0"/>
+          <a:chOff x="0" y="0"/>
+          <a:chExt cx="0" cy="0"/>
+        </a:xfrm>
+      </p:grpSpPr>
+      <p:sp>
+        <p:nvSpPr>
+          <p:cNvPr id="55" name="PlaceHolder 1"/>
+          <p:cNvSpPr>
+            <a:spLocks noGrp="1"/>
+          </p:cNvSpPr>
+          <p:nvPr>
+            <p:ph type="title"/>
+          </p:nvPr>
+        </p:nvSpPr>
+        <p:spPr>
+          <a:xfrm>
+            <a:off x="504000" y="226080"/>
+            <a:ext cx="9071280" cy="946080"/>
+          </a:xfrm>
+          <a:prstGeom prst="rect">
+            <a:avLst/>
+          </a:prstGeom>
+          <a:noFill/>
+          <a:ln w="0">
+            <a:noFill/>
+          </a:ln>
+        </p:spPr>
+        <p:txBody>
+          <a:bodyPr lIns="0" rIns="0" tIns="0" bIns="0" anchor="ctr">
+            <a:noAutofit/>
+          </a:bodyPr>
+          <a:p>
+            <a:pPr indent="0" algn="ctr">
+              <a:buNone/>
+            </a:pPr>
+            <a:endParaRPr b="0" lang="en-US" sz="4400" spc="-1" strike="noStrike">
+              <a:solidFill>
+                <a:srgbClr val="000000"/>
+              </a:solidFill>
+              <a:latin typeface="Arial"/>
+            </a:endParaRPr>
+          </a:p>
+        </p:txBody>
+      </p:sp>
+      <p:sp>
+        <p:nvSpPr>
+          <p:cNvPr id="56" name="PlaceHolder 2"/>
+          <p:cNvSpPr>
+            <a:spLocks noGrp="1"/>
+          </p:cNvSpPr>
+          <p:nvPr>
+            <p:ph/>
+          </p:nvPr>
+        </p:nvSpPr>
+        <p:spPr>
+          <a:xfrm>
+            <a:off x="504000" y="1326600"/>
+            <a:ext cx="4426560" cy="1568160"/>
+          </a:xfrm>
+          <a:prstGeom prst="rect">
+            <a:avLst/>
+          </a:prstGeom>
+          <a:noFill/>
+          <a:ln w="0">
+            <a:noFill/>
+          </a:ln>
+        </p:spPr>
+        <p:txBody>
+          <a:bodyPr lIns="0" rIns="0" tIns="0" bIns="0" anchor="t">
+            <a:normAutofit/>
+          </a:bodyPr>
+          <a:p>
+            <a:pPr indent="0">
+              <a:spcBef>
+                <a:spcPts val="1417"/>
+              </a:spcBef>
+              <a:buNone/>
+            </a:pPr>
+            <a:endParaRPr b="0" lang="en-US" sz="3200" spc="-1" strike="noStrike">
+              <a:solidFill>
+                <a:srgbClr val="000000"/>
+              </a:solidFill>
+              <a:latin typeface="Arial"/>
+            </a:endParaRPr>
+          </a:p>
+        </p:txBody>
+      </p:sp>
+      <p:sp>
+        <p:nvSpPr>
+          <p:cNvPr id="57" name="PlaceHolder 3"/>
+          <p:cNvSpPr>
+            <a:spLocks noGrp="1"/>
+          </p:cNvSpPr>
+          <p:nvPr>
+            <p:ph/>
+          </p:nvPr>
+        </p:nvSpPr>
+        <p:spPr>
+          <a:xfrm>
+            <a:off x="5152320" y="1326600"/>
+            <a:ext cx="4426560" cy="3287880"/>
+          </a:xfrm>
+          <a:prstGeom prst="rect">
+            <a:avLst/>
+          </a:prstGeom>
+          <a:noFill/>
+          <a:ln w="0">
+            <a:noFill/>
+          </a:ln>
+        </p:spPr>
+        <p:txBody>
+          <a:bodyPr lIns="0" rIns="0" tIns="0" bIns="0" anchor="t">
+            <a:normAutofit/>
+          </a:bodyPr>
+          <a:p>
+            <a:pPr indent="0">
+              <a:spcBef>
+                <a:spcPts val="1417"/>
+              </a:spcBef>
+              <a:buNone/>
+            </a:pPr>
+            <a:endParaRPr b="0" lang="en-US" sz="3200" spc="-1" strike="noStrike">
+              <a:solidFill>
+                <a:srgbClr val="000000"/>
+              </a:solidFill>
+              <a:latin typeface="Arial"/>
+            </a:endParaRPr>
+          </a:p>
+        </p:txBody>
+      </p:sp>
+      <p:sp>
+        <p:nvSpPr>
+          <p:cNvPr id="58" name="PlaceHolder 4"/>
+          <p:cNvSpPr>
+            <a:spLocks noGrp="1"/>
+          </p:cNvSpPr>
+          <p:nvPr>
+            <p:ph/>
+          </p:nvPr>
+        </p:nvSpPr>
+        <p:spPr>
+          <a:xfrm>
+            <a:off x="504000" y="3044160"/>
+            <a:ext cx="4426560" cy="1568160"/>
+          </a:xfrm>
+          <a:prstGeom prst="rect">
+            <a:avLst/>
+          </a:prstGeom>
+          <a:noFill/>
+          <a:ln w="0">
+            <a:noFill/>
+          </a:ln>
+        </p:spPr>
+        <p:txBody>
+          <a:bodyPr lIns="0" rIns="0" tIns="0" bIns="0" anchor="t">
+            <a:normAutofit/>
+          </a:bodyPr>
+          <a:p>
+            <a:pPr indent="0">
+              <a:spcBef>
+                <a:spcPts val="1417"/>
+              </a:spcBef>
+              <a:buNone/>
+            </a:pPr>
+            <a:endParaRPr b="0" lang="en-US" sz="3200" spc="-1" strike="noStrike">
+              <a:solidFill>
+                <a:srgbClr val="000000"/>
+              </a:solidFill>
+              <a:latin typeface="Arial"/>
+            </a:endParaRPr>
+          </a:p>
+        </p:txBody>
+      </p:sp>
+      <p:sp>
+        <p:nvSpPr>
+          <p:cNvPr id="6" name="PlaceHolder 5"/>
+          <p:cNvSpPr>
+            <a:spLocks noGrp="1"/>
+          </p:cNvSpPr>
+          <p:nvPr>
+            <p:ph type="ftr" idx="4"/>
+          </p:nvPr>
+        </p:nvSpPr>
+        <p:spPr/>
+        <p:txBody>
+          <a:bodyPr/>
+          <a:p>
+            <a:r>
+              <a:t>Footer</a:t>
+            </a:r>
+          </a:p>
+        </p:txBody>
+      </p:sp>
+      <p:sp>
+        <p:nvSpPr>
+          <p:cNvPr id="7" name="PlaceHolder 6"/>
+          <p:cNvSpPr>
+            <a:spLocks noGrp="1"/>
+          </p:cNvSpPr>
+          <p:nvPr>
+            <p:ph type="sldNum" idx="5"/>
+          </p:nvPr>
+        </p:nvSpPr>
+        <p:spPr/>
+        <p:txBody>
+          <a:bodyPr/>
+          <a:p>
+            <a:fld id="{64FFF42F-6872-4AAF-AE72-653763F26370}" type="slidenum">
+              <a:t>&lt;#&gt;</a:t>
+            </a:fld>
+          </a:p>
+        </p:txBody>
+      </p:sp>
+      <p:sp>
+        <p:nvSpPr>
+          <p:cNvPr id="8" name="PlaceHolder 7"/>
+          <p:cNvSpPr>
+            <a:spLocks noGrp="1"/>
+          </p:cNvSpPr>
+          <p:nvPr>
+            <p:ph type="dt" idx="6"/>
           </p:nvPr>
         </p:nvSpPr>
         <p:spPr/>
@@ -1012,7 +2137,7 @@
         <p:spPr>
           <a:xfrm>
             <a:off x="504000" y="226080"/>
-            <a:ext cx="9071640" cy="946440"/>
+            <a:ext cx="9071280" cy="946080"/>
           </a:xfrm>
           <a:prstGeom prst="rect">
             <a:avLst/>
@@ -1052,7 +2177,7 @@
         <p:spPr>
           <a:xfrm>
             <a:off x="504000" y="1326600"/>
-            <a:ext cx="9071640" cy="3288240"/>
+            <a:ext cx="9071280" cy="3287880"/>
           </a:xfrm>
           <a:prstGeom prst="rect">
             <a:avLst/>
@@ -1086,7 +2211,7 @@
             <a:spLocks noGrp="1"/>
           </p:cNvSpPr>
           <p:nvPr>
-            <p:ph type="ftr" idx="2"/>
+            <p:ph type="ftr" idx="1"/>
           </p:nvPr>
         </p:nvSpPr>
         <p:spPr/>
@@ -1106,14 +2231,14 @@
             <a:spLocks noGrp="1"/>
           </p:cNvSpPr>
           <p:nvPr>
-            <p:ph type="sldNum" idx="3"/>
+            <p:ph type="sldNum" idx="2"/>
           </p:nvPr>
         </p:nvSpPr>
         <p:spPr/>
         <p:txBody>
           <a:bodyPr/>
           <a:p>
-            <a:fld id="{7E1B3074-E323-4C25-A111-CF74E49FD4F1}" type="slidenum">
+            <a:fld id="{28E48A52-6059-474E-83F9-1230DCE6D6BE}" type="slidenum">
               <a:t>&lt;#&gt;</a:t>
             </a:fld>
           </a:p>
@@ -1126,7 +2251,1396 @@
             <a:spLocks noGrp="1"/>
           </p:cNvSpPr>
           <p:nvPr>
-            <p:ph type="dt" idx="1"/>
+            <p:ph type="dt" idx="3"/>
+          </p:nvPr>
+        </p:nvSpPr>
+        <p:spPr/>
+        <p:txBody>
+          <a:bodyPr/>
+          <a:p>
+            <a:r>
+              <a:rPr lang="en-US"/>
+              <a:t/>
+            </a:r>
+          </a:p>
+        </p:txBody>
+      </p:sp>
+    </p:spTree>
+  </p:cSld>
+</p:sldLayout>
+</file>
+
+<file path=ppt/slideLayouts/slideLayout20.xml><?xml version="1.0" encoding="utf-8"?>
+<p:sldLayout xmlns:a="http://schemas.openxmlformats.org/drawingml/2006/main" xmlns:p="http://schemas.openxmlformats.org/presentationml/2006/main" xmlns:r="http://schemas.openxmlformats.org/officeDocument/2006/relationships" xmlns:p14="http://schemas.microsoft.com/office/powerpoint/2010/main" xmlns:p15="http://schemas.microsoft.com/office/powerpoint/2012/main" xmlns:mc="http://schemas.openxmlformats.org/markup-compatibility/2006" type="objAndTwoObj" preserve="1">
+  <p:cSld name="Title Content and 2 Content">
+    <p:spTree>
+      <p:nvGrpSpPr>
+        <p:cNvPr id="1" name=""/>
+        <p:cNvGrpSpPr/>
+        <p:nvPr/>
+      </p:nvGrpSpPr>
+      <p:grpSpPr>
+        <a:xfrm>
+          <a:off x="0" y="0"/>
+          <a:ext cx="0" cy="0"/>
+          <a:chOff x="0" y="0"/>
+          <a:chExt cx="0" cy="0"/>
+        </a:xfrm>
+      </p:grpSpPr>
+      <p:sp>
+        <p:nvSpPr>
+          <p:cNvPr id="59" name="PlaceHolder 1"/>
+          <p:cNvSpPr>
+            <a:spLocks noGrp="1"/>
+          </p:cNvSpPr>
+          <p:nvPr>
+            <p:ph type="title"/>
+          </p:nvPr>
+        </p:nvSpPr>
+        <p:spPr>
+          <a:xfrm>
+            <a:off x="504000" y="226080"/>
+            <a:ext cx="9071280" cy="946080"/>
+          </a:xfrm>
+          <a:prstGeom prst="rect">
+            <a:avLst/>
+          </a:prstGeom>
+          <a:noFill/>
+          <a:ln w="0">
+            <a:noFill/>
+          </a:ln>
+        </p:spPr>
+        <p:txBody>
+          <a:bodyPr lIns="0" rIns="0" tIns="0" bIns="0" anchor="ctr">
+            <a:noAutofit/>
+          </a:bodyPr>
+          <a:p>
+            <a:pPr indent="0" algn="ctr">
+              <a:buNone/>
+            </a:pPr>
+            <a:endParaRPr b="0" lang="en-US" sz="4400" spc="-1" strike="noStrike">
+              <a:solidFill>
+                <a:srgbClr val="000000"/>
+              </a:solidFill>
+              <a:latin typeface="Arial"/>
+            </a:endParaRPr>
+          </a:p>
+        </p:txBody>
+      </p:sp>
+      <p:sp>
+        <p:nvSpPr>
+          <p:cNvPr id="60" name="PlaceHolder 2"/>
+          <p:cNvSpPr>
+            <a:spLocks noGrp="1"/>
+          </p:cNvSpPr>
+          <p:nvPr>
+            <p:ph/>
+          </p:nvPr>
+        </p:nvSpPr>
+        <p:spPr>
+          <a:xfrm>
+            <a:off x="504000" y="1326600"/>
+            <a:ext cx="4426560" cy="3287880"/>
+          </a:xfrm>
+          <a:prstGeom prst="rect">
+            <a:avLst/>
+          </a:prstGeom>
+          <a:noFill/>
+          <a:ln w="0">
+            <a:noFill/>
+          </a:ln>
+        </p:spPr>
+        <p:txBody>
+          <a:bodyPr lIns="0" rIns="0" tIns="0" bIns="0" anchor="t">
+            <a:normAutofit/>
+          </a:bodyPr>
+          <a:p>
+            <a:pPr indent="0">
+              <a:spcBef>
+                <a:spcPts val="1417"/>
+              </a:spcBef>
+              <a:buNone/>
+            </a:pPr>
+            <a:endParaRPr b="0" lang="en-US" sz="3200" spc="-1" strike="noStrike">
+              <a:solidFill>
+                <a:srgbClr val="000000"/>
+              </a:solidFill>
+              <a:latin typeface="Arial"/>
+            </a:endParaRPr>
+          </a:p>
+        </p:txBody>
+      </p:sp>
+      <p:sp>
+        <p:nvSpPr>
+          <p:cNvPr id="61" name="PlaceHolder 3"/>
+          <p:cNvSpPr>
+            <a:spLocks noGrp="1"/>
+          </p:cNvSpPr>
+          <p:nvPr>
+            <p:ph/>
+          </p:nvPr>
+        </p:nvSpPr>
+        <p:spPr>
+          <a:xfrm>
+            <a:off x="5152320" y="1326600"/>
+            <a:ext cx="4426560" cy="1568160"/>
+          </a:xfrm>
+          <a:prstGeom prst="rect">
+            <a:avLst/>
+          </a:prstGeom>
+          <a:noFill/>
+          <a:ln w="0">
+            <a:noFill/>
+          </a:ln>
+        </p:spPr>
+        <p:txBody>
+          <a:bodyPr lIns="0" rIns="0" tIns="0" bIns="0" anchor="t">
+            <a:normAutofit/>
+          </a:bodyPr>
+          <a:p>
+            <a:pPr indent="0">
+              <a:spcBef>
+                <a:spcPts val="1417"/>
+              </a:spcBef>
+              <a:buNone/>
+            </a:pPr>
+            <a:endParaRPr b="0" lang="en-US" sz="3200" spc="-1" strike="noStrike">
+              <a:solidFill>
+                <a:srgbClr val="000000"/>
+              </a:solidFill>
+              <a:latin typeface="Arial"/>
+            </a:endParaRPr>
+          </a:p>
+        </p:txBody>
+      </p:sp>
+      <p:sp>
+        <p:nvSpPr>
+          <p:cNvPr id="62" name="PlaceHolder 4"/>
+          <p:cNvSpPr>
+            <a:spLocks noGrp="1"/>
+          </p:cNvSpPr>
+          <p:nvPr>
+            <p:ph/>
+          </p:nvPr>
+        </p:nvSpPr>
+        <p:spPr>
+          <a:xfrm>
+            <a:off x="5152320" y="3044160"/>
+            <a:ext cx="4426560" cy="1568160"/>
+          </a:xfrm>
+          <a:prstGeom prst="rect">
+            <a:avLst/>
+          </a:prstGeom>
+          <a:noFill/>
+          <a:ln w="0">
+            <a:noFill/>
+          </a:ln>
+        </p:spPr>
+        <p:txBody>
+          <a:bodyPr lIns="0" rIns="0" tIns="0" bIns="0" anchor="t">
+            <a:normAutofit/>
+          </a:bodyPr>
+          <a:p>
+            <a:pPr indent="0">
+              <a:spcBef>
+                <a:spcPts val="1417"/>
+              </a:spcBef>
+              <a:buNone/>
+            </a:pPr>
+            <a:endParaRPr b="0" lang="en-US" sz="3200" spc="-1" strike="noStrike">
+              <a:solidFill>
+                <a:srgbClr val="000000"/>
+              </a:solidFill>
+              <a:latin typeface="Arial"/>
+            </a:endParaRPr>
+          </a:p>
+        </p:txBody>
+      </p:sp>
+      <p:sp>
+        <p:nvSpPr>
+          <p:cNvPr id="6" name="PlaceHolder 5"/>
+          <p:cNvSpPr>
+            <a:spLocks noGrp="1"/>
+          </p:cNvSpPr>
+          <p:nvPr>
+            <p:ph type="ftr" idx="4"/>
+          </p:nvPr>
+        </p:nvSpPr>
+        <p:spPr/>
+        <p:txBody>
+          <a:bodyPr/>
+          <a:p>
+            <a:r>
+              <a:t>Footer</a:t>
+            </a:r>
+          </a:p>
+        </p:txBody>
+      </p:sp>
+      <p:sp>
+        <p:nvSpPr>
+          <p:cNvPr id="7" name="PlaceHolder 6"/>
+          <p:cNvSpPr>
+            <a:spLocks noGrp="1"/>
+          </p:cNvSpPr>
+          <p:nvPr>
+            <p:ph type="sldNum" idx="5"/>
+          </p:nvPr>
+        </p:nvSpPr>
+        <p:spPr/>
+        <p:txBody>
+          <a:bodyPr/>
+          <a:p>
+            <a:fld id="{4D1FA1BF-90AB-4020-82A6-CC0D5C08B459}" type="slidenum">
+              <a:t>&lt;#&gt;</a:t>
+            </a:fld>
+          </a:p>
+        </p:txBody>
+      </p:sp>
+      <p:sp>
+        <p:nvSpPr>
+          <p:cNvPr id="8" name="PlaceHolder 7"/>
+          <p:cNvSpPr>
+            <a:spLocks noGrp="1"/>
+          </p:cNvSpPr>
+          <p:nvPr>
+            <p:ph type="dt" idx="6"/>
+          </p:nvPr>
+        </p:nvSpPr>
+        <p:spPr/>
+        <p:txBody>
+          <a:bodyPr/>
+          <a:p>
+            <a:r>
+              <a:rPr lang="en-US"/>
+              <a:t/>
+            </a:r>
+          </a:p>
+        </p:txBody>
+      </p:sp>
+    </p:spTree>
+  </p:cSld>
+</p:sldLayout>
+</file>
+
+<file path=ppt/slideLayouts/slideLayout21.xml><?xml version="1.0" encoding="utf-8"?>
+<p:sldLayout xmlns:a="http://schemas.openxmlformats.org/drawingml/2006/main" xmlns:p="http://schemas.openxmlformats.org/presentationml/2006/main" xmlns:r="http://schemas.openxmlformats.org/officeDocument/2006/relationships" xmlns:p14="http://schemas.microsoft.com/office/powerpoint/2010/main" xmlns:p15="http://schemas.microsoft.com/office/powerpoint/2012/main" xmlns:mc="http://schemas.openxmlformats.org/markup-compatibility/2006" type="twoObjOverTx" preserve="1">
+  <p:cSld name="Title, 2 Content over Content">
+    <p:spTree>
+      <p:nvGrpSpPr>
+        <p:cNvPr id="1" name=""/>
+        <p:cNvGrpSpPr/>
+        <p:nvPr/>
+      </p:nvGrpSpPr>
+      <p:grpSpPr>
+        <a:xfrm>
+          <a:off x="0" y="0"/>
+          <a:ext cx="0" cy="0"/>
+          <a:chOff x="0" y="0"/>
+          <a:chExt cx="0" cy="0"/>
+        </a:xfrm>
+      </p:grpSpPr>
+      <p:sp>
+        <p:nvSpPr>
+          <p:cNvPr id="63" name="PlaceHolder 1"/>
+          <p:cNvSpPr>
+            <a:spLocks noGrp="1"/>
+          </p:cNvSpPr>
+          <p:nvPr>
+            <p:ph type="title"/>
+          </p:nvPr>
+        </p:nvSpPr>
+        <p:spPr>
+          <a:xfrm>
+            <a:off x="504000" y="226080"/>
+            <a:ext cx="9071280" cy="946080"/>
+          </a:xfrm>
+          <a:prstGeom prst="rect">
+            <a:avLst/>
+          </a:prstGeom>
+          <a:noFill/>
+          <a:ln w="0">
+            <a:noFill/>
+          </a:ln>
+        </p:spPr>
+        <p:txBody>
+          <a:bodyPr lIns="0" rIns="0" tIns="0" bIns="0" anchor="ctr">
+            <a:noAutofit/>
+          </a:bodyPr>
+          <a:p>
+            <a:pPr indent="0" algn="ctr">
+              <a:buNone/>
+            </a:pPr>
+            <a:endParaRPr b="0" lang="en-US" sz="4400" spc="-1" strike="noStrike">
+              <a:solidFill>
+                <a:srgbClr val="000000"/>
+              </a:solidFill>
+              <a:latin typeface="Arial"/>
+            </a:endParaRPr>
+          </a:p>
+        </p:txBody>
+      </p:sp>
+      <p:sp>
+        <p:nvSpPr>
+          <p:cNvPr id="64" name="PlaceHolder 2"/>
+          <p:cNvSpPr>
+            <a:spLocks noGrp="1"/>
+          </p:cNvSpPr>
+          <p:nvPr>
+            <p:ph/>
+          </p:nvPr>
+        </p:nvSpPr>
+        <p:spPr>
+          <a:xfrm>
+            <a:off x="504000" y="1326600"/>
+            <a:ext cx="4426560" cy="1568160"/>
+          </a:xfrm>
+          <a:prstGeom prst="rect">
+            <a:avLst/>
+          </a:prstGeom>
+          <a:noFill/>
+          <a:ln w="0">
+            <a:noFill/>
+          </a:ln>
+        </p:spPr>
+        <p:txBody>
+          <a:bodyPr lIns="0" rIns="0" tIns="0" bIns="0" anchor="t">
+            <a:normAutofit/>
+          </a:bodyPr>
+          <a:p>
+            <a:pPr indent="0">
+              <a:spcBef>
+                <a:spcPts val="1417"/>
+              </a:spcBef>
+              <a:buNone/>
+            </a:pPr>
+            <a:endParaRPr b="0" lang="en-US" sz="3200" spc="-1" strike="noStrike">
+              <a:solidFill>
+                <a:srgbClr val="000000"/>
+              </a:solidFill>
+              <a:latin typeface="Arial"/>
+            </a:endParaRPr>
+          </a:p>
+        </p:txBody>
+      </p:sp>
+      <p:sp>
+        <p:nvSpPr>
+          <p:cNvPr id="65" name="PlaceHolder 3"/>
+          <p:cNvSpPr>
+            <a:spLocks noGrp="1"/>
+          </p:cNvSpPr>
+          <p:nvPr>
+            <p:ph/>
+          </p:nvPr>
+        </p:nvSpPr>
+        <p:spPr>
+          <a:xfrm>
+            <a:off x="5152320" y="1326600"/>
+            <a:ext cx="4426560" cy="1568160"/>
+          </a:xfrm>
+          <a:prstGeom prst="rect">
+            <a:avLst/>
+          </a:prstGeom>
+          <a:noFill/>
+          <a:ln w="0">
+            <a:noFill/>
+          </a:ln>
+        </p:spPr>
+        <p:txBody>
+          <a:bodyPr lIns="0" rIns="0" tIns="0" bIns="0" anchor="t">
+            <a:normAutofit/>
+          </a:bodyPr>
+          <a:p>
+            <a:pPr indent="0">
+              <a:spcBef>
+                <a:spcPts val="1417"/>
+              </a:spcBef>
+              <a:buNone/>
+            </a:pPr>
+            <a:endParaRPr b="0" lang="en-US" sz="3200" spc="-1" strike="noStrike">
+              <a:solidFill>
+                <a:srgbClr val="000000"/>
+              </a:solidFill>
+              <a:latin typeface="Arial"/>
+            </a:endParaRPr>
+          </a:p>
+        </p:txBody>
+      </p:sp>
+      <p:sp>
+        <p:nvSpPr>
+          <p:cNvPr id="66" name="PlaceHolder 4"/>
+          <p:cNvSpPr>
+            <a:spLocks noGrp="1"/>
+          </p:cNvSpPr>
+          <p:nvPr>
+            <p:ph/>
+          </p:nvPr>
+        </p:nvSpPr>
+        <p:spPr>
+          <a:xfrm>
+            <a:off x="504000" y="3044160"/>
+            <a:ext cx="9071280" cy="1568160"/>
+          </a:xfrm>
+          <a:prstGeom prst="rect">
+            <a:avLst/>
+          </a:prstGeom>
+          <a:noFill/>
+          <a:ln w="0">
+            <a:noFill/>
+          </a:ln>
+        </p:spPr>
+        <p:txBody>
+          <a:bodyPr lIns="0" rIns="0" tIns="0" bIns="0" anchor="t">
+            <a:normAutofit/>
+          </a:bodyPr>
+          <a:p>
+            <a:pPr indent="0">
+              <a:spcBef>
+                <a:spcPts val="1417"/>
+              </a:spcBef>
+              <a:buNone/>
+            </a:pPr>
+            <a:endParaRPr b="0" lang="en-US" sz="3200" spc="-1" strike="noStrike">
+              <a:solidFill>
+                <a:srgbClr val="000000"/>
+              </a:solidFill>
+              <a:latin typeface="Arial"/>
+            </a:endParaRPr>
+          </a:p>
+        </p:txBody>
+      </p:sp>
+      <p:sp>
+        <p:nvSpPr>
+          <p:cNvPr id="6" name="PlaceHolder 5"/>
+          <p:cNvSpPr>
+            <a:spLocks noGrp="1"/>
+          </p:cNvSpPr>
+          <p:nvPr>
+            <p:ph type="ftr" idx="4"/>
+          </p:nvPr>
+        </p:nvSpPr>
+        <p:spPr/>
+        <p:txBody>
+          <a:bodyPr/>
+          <a:p>
+            <a:r>
+              <a:t>Footer</a:t>
+            </a:r>
+          </a:p>
+        </p:txBody>
+      </p:sp>
+      <p:sp>
+        <p:nvSpPr>
+          <p:cNvPr id="7" name="PlaceHolder 6"/>
+          <p:cNvSpPr>
+            <a:spLocks noGrp="1"/>
+          </p:cNvSpPr>
+          <p:nvPr>
+            <p:ph type="sldNum" idx="5"/>
+          </p:nvPr>
+        </p:nvSpPr>
+        <p:spPr/>
+        <p:txBody>
+          <a:bodyPr/>
+          <a:p>
+            <a:fld id="{A2AB5800-0FD8-4FCE-9035-5C8B47BF4204}" type="slidenum">
+              <a:t>&lt;#&gt;</a:t>
+            </a:fld>
+          </a:p>
+        </p:txBody>
+      </p:sp>
+      <p:sp>
+        <p:nvSpPr>
+          <p:cNvPr id="8" name="PlaceHolder 7"/>
+          <p:cNvSpPr>
+            <a:spLocks noGrp="1"/>
+          </p:cNvSpPr>
+          <p:nvPr>
+            <p:ph type="dt" idx="6"/>
+          </p:nvPr>
+        </p:nvSpPr>
+        <p:spPr/>
+        <p:txBody>
+          <a:bodyPr/>
+          <a:p>
+            <a:r>
+              <a:rPr lang="en-US"/>
+              <a:t/>
+            </a:r>
+          </a:p>
+        </p:txBody>
+      </p:sp>
+    </p:spTree>
+  </p:cSld>
+</p:sldLayout>
+</file>
+
+<file path=ppt/slideLayouts/slideLayout22.xml><?xml version="1.0" encoding="utf-8"?>
+<p:sldLayout xmlns:a="http://schemas.openxmlformats.org/drawingml/2006/main" xmlns:p="http://schemas.openxmlformats.org/presentationml/2006/main" xmlns:r="http://schemas.openxmlformats.org/officeDocument/2006/relationships" xmlns:p14="http://schemas.microsoft.com/office/powerpoint/2010/main" xmlns:p15="http://schemas.microsoft.com/office/powerpoint/2012/main" xmlns:mc="http://schemas.openxmlformats.org/markup-compatibility/2006" type="objOverTx" preserve="1">
+  <p:cSld name="Title, Content over Content">
+    <p:spTree>
+      <p:nvGrpSpPr>
+        <p:cNvPr id="1" name=""/>
+        <p:cNvGrpSpPr/>
+        <p:nvPr/>
+      </p:nvGrpSpPr>
+      <p:grpSpPr>
+        <a:xfrm>
+          <a:off x="0" y="0"/>
+          <a:ext cx="0" cy="0"/>
+          <a:chOff x="0" y="0"/>
+          <a:chExt cx="0" cy="0"/>
+        </a:xfrm>
+      </p:grpSpPr>
+      <p:sp>
+        <p:nvSpPr>
+          <p:cNvPr id="67" name="PlaceHolder 1"/>
+          <p:cNvSpPr>
+            <a:spLocks noGrp="1"/>
+          </p:cNvSpPr>
+          <p:nvPr>
+            <p:ph type="title"/>
+          </p:nvPr>
+        </p:nvSpPr>
+        <p:spPr>
+          <a:xfrm>
+            <a:off x="504000" y="226080"/>
+            <a:ext cx="9071280" cy="946080"/>
+          </a:xfrm>
+          <a:prstGeom prst="rect">
+            <a:avLst/>
+          </a:prstGeom>
+          <a:noFill/>
+          <a:ln w="0">
+            <a:noFill/>
+          </a:ln>
+        </p:spPr>
+        <p:txBody>
+          <a:bodyPr lIns="0" rIns="0" tIns="0" bIns="0" anchor="ctr">
+            <a:noAutofit/>
+          </a:bodyPr>
+          <a:p>
+            <a:pPr indent="0" algn="ctr">
+              <a:buNone/>
+            </a:pPr>
+            <a:endParaRPr b="0" lang="en-US" sz="4400" spc="-1" strike="noStrike">
+              <a:solidFill>
+                <a:srgbClr val="000000"/>
+              </a:solidFill>
+              <a:latin typeface="Arial"/>
+            </a:endParaRPr>
+          </a:p>
+        </p:txBody>
+      </p:sp>
+      <p:sp>
+        <p:nvSpPr>
+          <p:cNvPr id="68" name="PlaceHolder 2"/>
+          <p:cNvSpPr>
+            <a:spLocks noGrp="1"/>
+          </p:cNvSpPr>
+          <p:nvPr>
+            <p:ph/>
+          </p:nvPr>
+        </p:nvSpPr>
+        <p:spPr>
+          <a:xfrm>
+            <a:off x="504000" y="1326600"/>
+            <a:ext cx="9071280" cy="1568160"/>
+          </a:xfrm>
+          <a:prstGeom prst="rect">
+            <a:avLst/>
+          </a:prstGeom>
+          <a:noFill/>
+          <a:ln w="0">
+            <a:noFill/>
+          </a:ln>
+        </p:spPr>
+        <p:txBody>
+          <a:bodyPr lIns="0" rIns="0" tIns="0" bIns="0" anchor="t">
+            <a:normAutofit/>
+          </a:bodyPr>
+          <a:p>
+            <a:pPr indent="0">
+              <a:spcBef>
+                <a:spcPts val="1417"/>
+              </a:spcBef>
+              <a:buNone/>
+            </a:pPr>
+            <a:endParaRPr b="0" lang="en-US" sz="3200" spc="-1" strike="noStrike">
+              <a:solidFill>
+                <a:srgbClr val="000000"/>
+              </a:solidFill>
+              <a:latin typeface="Arial"/>
+            </a:endParaRPr>
+          </a:p>
+        </p:txBody>
+      </p:sp>
+      <p:sp>
+        <p:nvSpPr>
+          <p:cNvPr id="69" name="PlaceHolder 3"/>
+          <p:cNvSpPr>
+            <a:spLocks noGrp="1"/>
+          </p:cNvSpPr>
+          <p:nvPr>
+            <p:ph/>
+          </p:nvPr>
+        </p:nvSpPr>
+        <p:spPr>
+          <a:xfrm>
+            <a:off x="504000" y="3044160"/>
+            <a:ext cx="9071280" cy="1568160"/>
+          </a:xfrm>
+          <a:prstGeom prst="rect">
+            <a:avLst/>
+          </a:prstGeom>
+          <a:noFill/>
+          <a:ln w="0">
+            <a:noFill/>
+          </a:ln>
+        </p:spPr>
+        <p:txBody>
+          <a:bodyPr lIns="0" rIns="0" tIns="0" bIns="0" anchor="t">
+            <a:normAutofit/>
+          </a:bodyPr>
+          <a:p>
+            <a:pPr indent="0">
+              <a:spcBef>
+                <a:spcPts val="1417"/>
+              </a:spcBef>
+              <a:buNone/>
+            </a:pPr>
+            <a:endParaRPr b="0" lang="en-US" sz="3200" spc="-1" strike="noStrike">
+              <a:solidFill>
+                <a:srgbClr val="000000"/>
+              </a:solidFill>
+              <a:latin typeface="Arial"/>
+            </a:endParaRPr>
+          </a:p>
+        </p:txBody>
+      </p:sp>
+      <p:sp>
+        <p:nvSpPr>
+          <p:cNvPr id="5" name="PlaceHolder 4"/>
+          <p:cNvSpPr>
+            <a:spLocks noGrp="1"/>
+          </p:cNvSpPr>
+          <p:nvPr>
+            <p:ph type="ftr" idx="4"/>
+          </p:nvPr>
+        </p:nvSpPr>
+        <p:spPr/>
+        <p:txBody>
+          <a:bodyPr/>
+          <a:p>
+            <a:r>
+              <a:t>Footer</a:t>
+            </a:r>
+          </a:p>
+        </p:txBody>
+      </p:sp>
+      <p:sp>
+        <p:nvSpPr>
+          <p:cNvPr id="6" name="PlaceHolder 5"/>
+          <p:cNvSpPr>
+            <a:spLocks noGrp="1"/>
+          </p:cNvSpPr>
+          <p:nvPr>
+            <p:ph type="sldNum" idx="5"/>
+          </p:nvPr>
+        </p:nvSpPr>
+        <p:spPr/>
+        <p:txBody>
+          <a:bodyPr/>
+          <a:p>
+            <a:fld id="{F7ACADC1-3810-442D-B716-8073713348A7}" type="slidenum">
+              <a:t>&lt;#&gt;</a:t>
+            </a:fld>
+          </a:p>
+        </p:txBody>
+      </p:sp>
+      <p:sp>
+        <p:nvSpPr>
+          <p:cNvPr id="7" name="PlaceHolder 6"/>
+          <p:cNvSpPr>
+            <a:spLocks noGrp="1"/>
+          </p:cNvSpPr>
+          <p:nvPr>
+            <p:ph type="dt" idx="6"/>
+          </p:nvPr>
+        </p:nvSpPr>
+        <p:spPr/>
+        <p:txBody>
+          <a:bodyPr/>
+          <a:p>
+            <a:r>
+              <a:rPr lang="en-US"/>
+              <a:t/>
+            </a:r>
+          </a:p>
+        </p:txBody>
+      </p:sp>
+    </p:spTree>
+  </p:cSld>
+</p:sldLayout>
+</file>
+
+<file path=ppt/slideLayouts/slideLayout23.xml><?xml version="1.0" encoding="utf-8"?>
+<p:sldLayout xmlns:a="http://schemas.openxmlformats.org/drawingml/2006/main" xmlns:p="http://schemas.openxmlformats.org/presentationml/2006/main" xmlns:r="http://schemas.openxmlformats.org/officeDocument/2006/relationships" xmlns:p14="http://schemas.microsoft.com/office/powerpoint/2010/main" xmlns:p15="http://schemas.microsoft.com/office/powerpoint/2012/main" xmlns:mc="http://schemas.openxmlformats.org/markup-compatibility/2006" type="fourObj" preserve="1">
+  <p:cSld name="Title, 4 Content">
+    <p:spTree>
+      <p:nvGrpSpPr>
+        <p:cNvPr id="1" name=""/>
+        <p:cNvGrpSpPr/>
+        <p:nvPr/>
+      </p:nvGrpSpPr>
+      <p:grpSpPr>
+        <a:xfrm>
+          <a:off x="0" y="0"/>
+          <a:ext cx="0" cy="0"/>
+          <a:chOff x="0" y="0"/>
+          <a:chExt cx="0" cy="0"/>
+        </a:xfrm>
+      </p:grpSpPr>
+      <p:sp>
+        <p:nvSpPr>
+          <p:cNvPr id="70" name="PlaceHolder 1"/>
+          <p:cNvSpPr>
+            <a:spLocks noGrp="1"/>
+          </p:cNvSpPr>
+          <p:nvPr>
+            <p:ph type="title"/>
+          </p:nvPr>
+        </p:nvSpPr>
+        <p:spPr>
+          <a:xfrm>
+            <a:off x="504000" y="226080"/>
+            <a:ext cx="9071280" cy="946080"/>
+          </a:xfrm>
+          <a:prstGeom prst="rect">
+            <a:avLst/>
+          </a:prstGeom>
+          <a:noFill/>
+          <a:ln w="0">
+            <a:noFill/>
+          </a:ln>
+        </p:spPr>
+        <p:txBody>
+          <a:bodyPr lIns="0" rIns="0" tIns="0" bIns="0" anchor="ctr">
+            <a:noAutofit/>
+          </a:bodyPr>
+          <a:p>
+            <a:pPr indent="0" algn="ctr">
+              <a:buNone/>
+            </a:pPr>
+            <a:endParaRPr b="0" lang="en-US" sz="4400" spc="-1" strike="noStrike">
+              <a:solidFill>
+                <a:srgbClr val="000000"/>
+              </a:solidFill>
+              <a:latin typeface="Arial"/>
+            </a:endParaRPr>
+          </a:p>
+        </p:txBody>
+      </p:sp>
+      <p:sp>
+        <p:nvSpPr>
+          <p:cNvPr id="71" name="PlaceHolder 2"/>
+          <p:cNvSpPr>
+            <a:spLocks noGrp="1"/>
+          </p:cNvSpPr>
+          <p:nvPr>
+            <p:ph/>
+          </p:nvPr>
+        </p:nvSpPr>
+        <p:spPr>
+          <a:xfrm>
+            <a:off x="504000" y="1326600"/>
+            <a:ext cx="4426560" cy="1568160"/>
+          </a:xfrm>
+          <a:prstGeom prst="rect">
+            <a:avLst/>
+          </a:prstGeom>
+          <a:noFill/>
+          <a:ln w="0">
+            <a:noFill/>
+          </a:ln>
+        </p:spPr>
+        <p:txBody>
+          <a:bodyPr lIns="0" rIns="0" tIns="0" bIns="0" anchor="t">
+            <a:normAutofit/>
+          </a:bodyPr>
+          <a:p>
+            <a:pPr indent="0">
+              <a:spcBef>
+                <a:spcPts val="1417"/>
+              </a:spcBef>
+              <a:buNone/>
+            </a:pPr>
+            <a:endParaRPr b="0" lang="en-US" sz="3200" spc="-1" strike="noStrike">
+              <a:solidFill>
+                <a:srgbClr val="000000"/>
+              </a:solidFill>
+              <a:latin typeface="Arial"/>
+            </a:endParaRPr>
+          </a:p>
+        </p:txBody>
+      </p:sp>
+      <p:sp>
+        <p:nvSpPr>
+          <p:cNvPr id="72" name="PlaceHolder 3"/>
+          <p:cNvSpPr>
+            <a:spLocks noGrp="1"/>
+          </p:cNvSpPr>
+          <p:nvPr>
+            <p:ph/>
+          </p:nvPr>
+        </p:nvSpPr>
+        <p:spPr>
+          <a:xfrm>
+            <a:off x="5152320" y="1326600"/>
+            <a:ext cx="4426560" cy="1568160"/>
+          </a:xfrm>
+          <a:prstGeom prst="rect">
+            <a:avLst/>
+          </a:prstGeom>
+          <a:noFill/>
+          <a:ln w="0">
+            <a:noFill/>
+          </a:ln>
+        </p:spPr>
+        <p:txBody>
+          <a:bodyPr lIns="0" rIns="0" tIns="0" bIns="0" anchor="t">
+            <a:normAutofit/>
+          </a:bodyPr>
+          <a:p>
+            <a:pPr indent="0">
+              <a:spcBef>
+                <a:spcPts val="1417"/>
+              </a:spcBef>
+              <a:buNone/>
+            </a:pPr>
+            <a:endParaRPr b="0" lang="en-US" sz="3200" spc="-1" strike="noStrike">
+              <a:solidFill>
+                <a:srgbClr val="000000"/>
+              </a:solidFill>
+              <a:latin typeface="Arial"/>
+            </a:endParaRPr>
+          </a:p>
+        </p:txBody>
+      </p:sp>
+      <p:sp>
+        <p:nvSpPr>
+          <p:cNvPr id="73" name="PlaceHolder 4"/>
+          <p:cNvSpPr>
+            <a:spLocks noGrp="1"/>
+          </p:cNvSpPr>
+          <p:nvPr>
+            <p:ph/>
+          </p:nvPr>
+        </p:nvSpPr>
+        <p:spPr>
+          <a:xfrm>
+            <a:off x="504000" y="3044160"/>
+            <a:ext cx="4426560" cy="1568160"/>
+          </a:xfrm>
+          <a:prstGeom prst="rect">
+            <a:avLst/>
+          </a:prstGeom>
+          <a:noFill/>
+          <a:ln w="0">
+            <a:noFill/>
+          </a:ln>
+        </p:spPr>
+        <p:txBody>
+          <a:bodyPr lIns="0" rIns="0" tIns="0" bIns="0" anchor="t">
+            <a:normAutofit/>
+          </a:bodyPr>
+          <a:p>
+            <a:pPr indent="0">
+              <a:spcBef>
+                <a:spcPts val="1417"/>
+              </a:spcBef>
+              <a:buNone/>
+            </a:pPr>
+            <a:endParaRPr b="0" lang="en-US" sz="3200" spc="-1" strike="noStrike">
+              <a:solidFill>
+                <a:srgbClr val="000000"/>
+              </a:solidFill>
+              <a:latin typeface="Arial"/>
+            </a:endParaRPr>
+          </a:p>
+        </p:txBody>
+      </p:sp>
+      <p:sp>
+        <p:nvSpPr>
+          <p:cNvPr id="74" name="PlaceHolder 5"/>
+          <p:cNvSpPr>
+            <a:spLocks noGrp="1"/>
+          </p:cNvSpPr>
+          <p:nvPr>
+            <p:ph/>
+          </p:nvPr>
+        </p:nvSpPr>
+        <p:spPr>
+          <a:xfrm>
+            <a:off x="5152320" y="3044160"/>
+            <a:ext cx="4426560" cy="1568160"/>
+          </a:xfrm>
+          <a:prstGeom prst="rect">
+            <a:avLst/>
+          </a:prstGeom>
+          <a:noFill/>
+          <a:ln w="0">
+            <a:noFill/>
+          </a:ln>
+        </p:spPr>
+        <p:txBody>
+          <a:bodyPr lIns="0" rIns="0" tIns="0" bIns="0" anchor="t">
+            <a:normAutofit/>
+          </a:bodyPr>
+          <a:p>
+            <a:pPr indent="0">
+              <a:spcBef>
+                <a:spcPts val="1417"/>
+              </a:spcBef>
+              <a:buNone/>
+            </a:pPr>
+            <a:endParaRPr b="0" lang="en-US" sz="3200" spc="-1" strike="noStrike">
+              <a:solidFill>
+                <a:srgbClr val="000000"/>
+              </a:solidFill>
+              <a:latin typeface="Arial"/>
+            </a:endParaRPr>
+          </a:p>
+        </p:txBody>
+      </p:sp>
+      <p:sp>
+        <p:nvSpPr>
+          <p:cNvPr id="7" name="PlaceHolder 6"/>
+          <p:cNvSpPr>
+            <a:spLocks noGrp="1"/>
+          </p:cNvSpPr>
+          <p:nvPr>
+            <p:ph type="ftr" idx="4"/>
+          </p:nvPr>
+        </p:nvSpPr>
+        <p:spPr/>
+        <p:txBody>
+          <a:bodyPr/>
+          <a:p>
+            <a:r>
+              <a:t>Footer</a:t>
+            </a:r>
+          </a:p>
+        </p:txBody>
+      </p:sp>
+      <p:sp>
+        <p:nvSpPr>
+          <p:cNvPr id="8" name="PlaceHolder 7"/>
+          <p:cNvSpPr>
+            <a:spLocks noGrp="1"/>
+          </p:cNvSpPr>
+          <p:nvPr>
+            <p:ph type="sldNum" idx="5"/>
+          </p:nvPr>
+        </p:nvSpPr>
+        <p:spPr/>
+        <p:txBody>
+          <a:bodyPr/>
+          <a:p>
+            <a:fld id="{6D000469-4994-45FB-AE62-5C8FD7A5AEF0}" type="slidenum">
+              <a:t>&lt;#&gt;</a:t>
+            </a:fld>
+          </a:p>
+        </p:txBody>
+      </p:sp>
+      <p:sp>
+        <p:nvSpPr>
+          <p:cNvPr id="9" name="PlaceHolder 8"/>
+          <p:cNvSpPr>
+            <a:spLocks noGrp="1"/>
+          </p:cNvSpPr>
+          <p:nvPr>
+            <p:ph type="dt" idx="6"/>
+          </p:nvPr>
+        </p:nvSpPr>
+        <p:spPr/>
+        <p:txBody>
+          <a:bodyPr/>
+          <a:p>
+            <a:r>
+              <a:rPr lang="en-US"/>
+              <a:t/>
+            </a:r>
+          </a:p>
+        </p:txBody>
+      </p:sp>
+    </p:spTree>
+  </p:cSld>
+</p:sldLayout>
+</file>
+
+<file path=ppt/slideLayouts/slideLayout24.xml><?xml version="1.0" encoding="utf-8"?>
+<p:sldLayout xmlns:a="http://schemas.openxmlformats.org/drawingml/2006/main" xmlns:p="http://schemas.openxmlformats.org/presentationml/2006/main" xmlns:r="http://schemas.openxmlformats.org/officeDocument/2006/relationships" xmlns:p14="http://schemas.microsoft.com/office/powerpoint/2010/main" xmlns:p15="http://schemas.microsoft.com/office/powerpoint/2012/main" xmlns:mc="http://schemas.openxmlformats.org/markup-compatibility/2006" type="blank" preserve="1">
+  <p:cSld name="Title, 6 Content">
+    <p:spTree>
+      <p:nvGrpSpPr>
+        <p:cNvPr id="1" name=""/>
+        <p:cNvGrpSpPr/>
+        <p:nvPr/>
+      </p:nvGrpSpPr>
+      <p:grpSpPr>
+        <a:xfrm>
+          <a:off x="0" y="0"/>
+          <a:ext cx="0" cy="0"/>
+          <a:chOff x="0" y="0"/>
+          <a:chExt cx="0" cy="0"/>
+        </a:xfrm>
+      </p:grpSpPr>
+      <p:sp>
+        <p:nvSpPr>
+          <p:cNvPr id="75" name="PlaceHolder 1"/>
+          <p:cNvSpPr>
+            <a:spLocks noGrp="1"/>
+          </p:cNvSpPr>
+          <p:nvPr>
+            <p:ph type="title"/>
+          </p:nvPr>
+        </p:nvSpPr>
+        <p:spPr>
+          <a:xfrm>
+            <a:off x="504000" y="226080"/>
+            <a:ext cx="9071280" cy="946080"/>
+          </a:xfrm>
+          <a:prstGeom prst="rect">
+            <a:avLst/>
+          </a:prstGeom>
+          <a:noFill/>
+          <a:ln w="0">
+            <a:noFill/>
+          </a:ln>
+        </p:spPr>
+        <p:txBody>
+          <a:bodyPr lIns="0" rIns="0" tIns="0" bIns="0" anchor="ctr">
+            <a:noAutofit/>
+          </a:bodyPr>
+          <a:p>
+            <a:pPr indent="0" algn="ctr">
+              <a:buNone/>
+            </a:pPr>
+            <a:endParaRPr b="0" lang="en-US" sz="4400" spc="-1" strike="noStrike">
+              <a:solidFill>
+                <a:srgbClr val="000000"/>
+              </a:solidFill>
+              <a:latin typeface="Arial"/>
+            </a:endParaRPr>
+          </a:p>
+        </p:txBody>
+      </p:sp>
+      <p:sp>
+        <p:nvSpPr>
+          <p:cNvPr id="76" name="PlaceHolder 2"/>
+          <p:cNvSpPr>
+            <a:spLocks noGrp="1"/>
+          </p:cNvSpPr>
+          <p:nvPr>
+            <p:ph/>
+          </p:nvPr>
+        </p:nvSpPr>
+        <p:spPr>
+          <a:xfrm>
+            <a:off x="504000" y="1326600"/>
+            <a:ext cx="2920680" cy="1568160"/>
+          </a:xfrm>
+          <a:prstGeom prst="rect">
+            <a:avLst/>
+          </a:prstGeom>
+          <a:noFill/>
+          <a:ln w="0">
+            <a:noFill/>
+          </a:ln>
+        </p:spPr>
+        <p:txBody>
+          <a:bodyPr lIns="0" rIns="0" tIns="0" bIns="0" anchor="t">
+            <a:normAutofit/>
+          </a:bodyPr>
+          <a:p>
+            <a:pPr indent="0">
+              <a:spcBef>
+                <a:spcPts val="1417"/>
+              </a:spcBef>
+              <a:buNone/>
+            </a:pPr>
+            <a:endParaRPr b="0" lang="en-US" sz="3200" spc="-1" strike="noStrike">
+              <a:solidFill>
+                <a:srgbClr val="000000"/>
+              </a:solidFill>
+              <a:latin typeface="Arial"/>
+            </a:endParaRPr>
+          </a:p>
+        </p:txBody>
+      </p:sp>
+      <p:sp>
+        <p:nvSpPr>
+          <p:cNvPr id="77" name="PlaceHolder 3"/>
+          <p:cNvSpPr>
+            <a:spLocks noGrp="1"/>
+          </p:cNvSpPr>
+          <p:nvPr>
+            <p:ph/>
+          </p:nvPr>
+        </p:nvSpPr>
+        <p:spPr>
+          <a:xfrm>
+            <a:off x="3571200" y="1326600"/>
+            <a:ext cx="2920680" cy="1568160"/>
+          </a:xfrm>
+          <a:prstGeom prst="rect">
+            <a:avLst/>
+          </a:prstGeom>
+          <a:noFill/>
+          <a:ln w="0">
+            <a:noFill/>
+          </a:ln>
+        </p:spPr>
+        <p:txBody>
+          <a:bodyPr lIns="0" rIns="0" tIns="0" bIns="0" anchor="t">
+            <a:normAutofit/>
+          </a:bodyPr>
+          <a:p>
+            <a:pPr indent="0">
+              <a:spcBef>
+                <a:spcPts val="1417"/>
+              </a:spcBef>
+              <a:buNone/>
+            </a:pPr>
+            <a:endParaRPr b="0" lang="en-US" sz="3200" spc="-1" strike="noStrike">
+              <a:solidFill>
+                <a:srgbClr val="000000"/>
+              </a:solidFill>
+              <a:latin typeface="Arial"/>
+            </a:endParaRPr>
+          </a:p>
+        </p:txBody>
+      </p:sp>
+      <p:sp>
+        <p:nvSpPr>
+          <p:cNvPr id="78" name="PlaceHolder 4"/>
+          <p:cNvSpPr>
+            <a:spLocks noGrp="1"/>
+          </p:cNvSpPr>
+          <p:nvPr>
+            <p:ph/>
+          </p:nvPr>
+        </p:nvSpPr>
+        <p:spPr>
+          <a:xfrm>
+            <a:off x="6638040" y="1326600"/>
+            <a:ext cx="2920680" cy="1568160"/>
+          </a:xfrm>
+          <a:prstGeom prst="rect">
+            <a:avLst/>
+          </a:prstGeom>
+          <a:noFill/>
+          <a:ln w="0">
+            <a:noFill/>
+          </a:ln>
+        </p:spPr>
+        <p:txBody>
+          <a:bodyPr lIns="0" rIns="0" tIns="0" bIns="0" anchor="t">
+            <a:normAutofit/>
+          </a:bodyPr>
+          <a:p>
+            <a:pPr indent="0">
+              <a:spcBef>
+                <a:spcPts val="1417"/>
+              </a:spcBef>
+              <a:buNone/>
+            </a:pPr>
+            <a:endParaRPr b="0" lang="en-US" sz="3200" spc="-1" strike="noStrike">
+              <a:solidFill>
+                <a:srgbClr val="000000"/>
+              </a:solidFill>
+              <a:latin typeface="Arial"/>
+            </a:endParaRPr>
+          </a:p>
+        </p:txBody>
+      </p:sp>
+      <p:sp>
+        <p:nvSpPr>
+          <p:cNvPr id="79" name="PlaceHolder 5"/>
+          <p:cNvSpPr>
+            <a:spLocks noGrp="1"/>
+          </p:cNvSpPr>
+          <p:nvPr>
+            <p:ph/>
+          </p:nvPr>
+        </p:nvSpPr>
+        <p:spPr>
+          <a:xfrm>
+            <a:off x="504000" y="3044160"/>
+            <a:ext cx="2920680" cy="1568160"/>
+          </a:xfrm>
+          <a:prstGeom prst="rect">
+            <a:avLst/>
+          </a:prstGeom>
+          <a:noFill/>
+          <a:ln w="0">
+            <a:noFill/>
+          </a:ln>
+        </p:spPr>
+        <p:txBody>
+          <a:bodyPr lIns="0" rIns="0" tIns="0" bIns="0" anchor="t">
+            <a:normAutofit/>
+          </a:bodyPr>
+          <a:p>
+            <a:pPr indent="0">
+              <a:spcBef>
+                <a:spcPts val="1417"/>
+              </a:spcBef>
+              <a:buNone/>
+            </a:pPr>
+            <a:endParaRPr b="0" lang="en-US" sz="3200" spc="-1" strike="noStrike">
+              <a:solidFill>
+                <a:srgbClr val="000000"/>
+              </a:solidFill>
+              <a:latin typeface="Arial"/>
+            </a:endParaRPr>
+          </a:p>
+        </p:txBody>
+      </p:sp>
+      <p:sp>
+        <p:nvSpPr>
+          <p:cNvPr id="80" name="PlaceHolder 6"/>
+          <p:cNvSpPr>
+            <a:spLocks noGrp="1"/>
+          </p:cNvSpPr>
+          <p:nvPr>
+            <p:ph/>
+          </p:nvPr>
+        </p:nvSpPr>
+        <p:spPr>
+          <a:xfrm>
+            <a:off x="3571200" y="3044160"/>
+            <a:ext cx="2920680" cy="1568160"/>
+          </a:xfrm>
+          <a:prstGeom prst="rect">
+            <a:avLst/>
+          </a:prstGeom>
+          <a:noFill/>
+          <a:ln w="0">
+            <a:noFill/>
+          </a:ln>
+        </p:spPr>
+        <p:txBody>
+          <a:bodyPr lIns="0" rIns="0" tIns="0" bIns="0" anchor="t">
+            <a:normAutofit/>
+          </a:bodyPr>
+          <a:p>
+            <a:pPr indent="0">
+              <a:spcBef>
+                <a:spcPts val="1417"/>
+              </a:spcBef>
+              <a:buNone/>
+            </a:pPr>
+            <a:endParaRPr b="0" lang="en-US" sz="3200" spc="-1" strike="noStrike">
+              <a:solidFill>
+                <a:srgbClr val="000000"/>
+              </a:solidFill>
+              <a:latin typeface="Arial"/>
+            </a:endParaRPr>
+          </a:p>
+        </p:txBody>
+      </p:sp>
+      <p:sp>
+        <p:nvSpPr>
+          <p:cNvPr id="81" name="PlaceHolder 7"/>
+          <p:cNvSpPr>
+            <a:spLocks noGrp="1"/>
+          </p:cNvSpPr>
+          <p:nvPr>
+            <p:ph/>
+          </p:nvPr>
+        </p:nvSpPr>
+        <p:spPr>
+          <a:xfrm>
+            <a:off x="6638040" y="3044160"/>
+            <a:ext cx="2920680" cy="1568160"/>
+          </a:xfrm>
+          <a:prstGeom prst="rect">
+            <a:avLst/>
+          </a:prstGeom>
+          <a:noFill/>
+          <a:ln w="0">
+            <a:noFill/>
+          </a:ln>
+        </p:spPr>
+        <p:txBody>
+          <a:bodyPr lIns="0" rIns="0" tIns="0" bIns="0" anchor="t">
+            <a:normAutofit/>
+          </a:bodyPr>
+          <a:p>
+            <a:pPr indent="0">
+              <a:spcBef>
+                <a:spcPts val="1417"/>
+              </a:spcBef>
+              <a:buNone/>
+            </a:pPr>
+            <a:endParaRPr b="0" lang="en-US" sz="3200" spc="-1" strike="noStrike">
+              <a:solidFill>
+                <a:srgbClr val="000000"/>
+              </a:solidFill>
+              <a:latin typeface="Arial"/>
+            </a:endParaRPr>
+          </a:p>
+        </p:txBody>
+      </p:sp>
+      <p:sp>
+        <p:nvSpPr>
+          <p:cNvPr id="9" name="PlaceHolder 8"/>
+          <p:cNvSpPr>
+            <a:spLocks noGrp="1"/>
+          </p:cNvSpPr>
+          <p:nvPr>
+            <p:ph type="ftr" idx="4"/>
+          </p:nvPr>
+        </p:nvSpPr>
+        <p:spPr/>
+        <p:txBody>
+          <a:bodyPr/>
+          <a:p>
+            <a:r>
+              <a:t>Footer</a:t>
+            </a:r>
+          </a:p>
+        </p:txBody>
+      </p:sp>
+      <p:sp>
+        <p:nvSpPr>
+          <p:cNvPr id="10" name="PlaceHolder 9"/>
+          <p:cNvSpPr>
+            <a:spLocks noGrp="1"/>
+          </p:cNvSpPr>
+          <p:nvPr>
+            <p:ph type="sldNum" idx="5"/>
+          </p:nvPr>
+        </p:nvSpPr>
+        <p:spPr/>
+        <p:txBody>
+          <a:bodyPr/>
+          <a:p>
+            <a:fld id="{23425458-D622-4AA7-968A-F5ADAB36B331}" type="slidenum">
+              <a:t>&lt;#&gt;</a:t>
+            </a:fld>
+          </a:p>
+        </p:txBody>
+      </p:sp>
+      <p:sp>
+        <p:nvSpPr>
+          <p:cNvPr id="11" name="PlaceHolder 10"/>
+          <p:cNvSpPr>
+            <a:spLocks noGrp="1"/>
+          </p:cNvSpPr>
+          <p:nvPr>
+            <p:ph type="dt" idx="6"/>
           </p:nvPr>
         </p:nvSpPr>
         <p:spPr/>
@@ -1175,7 +3689,7 @@
         <p:spPr>
           <a:xfrm>
             <a:off x="504000" y="226080"/>
-            <a:ext cx="9071640" cy="946440"/>
+            <a:ext cx="9071280" cy="946080"/>
           </a:xfrm>
           <a:prstGeom prst="rect">
             <a:avLst/>
@@ -1215,7 +3729,7 @@
         <p:spPr>
           <a:xfrm>
             <a:off x="504000" y="1326600"/>
-            <a:ext cx="9071640" cy="3288240"/>
+            <a:ext cx="9071280" cy="3287880"/>
           </a:xfrm>
           <a:prstGeom prst="rect">
             <a:avLst/>
@@ -1252,7 +3766,7 @@
             <a:spLocks noGrp="1"/>
           </p:cNvSpPr>
           <p:nvPr>
-            <p:ph type="ftr" idx="2"/>
+            <p:ph type="ftr" idx="1"/>
           </p:nvPr>
         </p:nvSpPr>
         <p:spPr/>
@@ -1272,14 +3786,14 @@
             <a:spLocks noGrp="1"/>
           </p:cNvSpPr>
           <p:nvPr>
-            <p:ph type="sldNum" idx="3"/>
+            <p:ph type="sldNum" idx="2"/>
           </p:nvPr>
         </p:nvSpPr>
         <p:spPr/>
         <p:txBody>
           <a:bodyPr/>
           <a:p>
-            <a:fld id="{9BEA1ECC-CEDA-4CFC-8E36-4456333E59BC}" type="slidenum">
+            <a:fld id="{99E1C129-8193-430A-993C-6F2E72CDA1B6}" type="slidenum">
               <a:t>&lt;#&gt;</a:t>
             </a:fld>
           </a:p>
@@ -1292,7 +3806,7 @@
             <a:spLocks noGrp="1"/>
           </p:cNvSpPr>
           <p:nvPr>
-            <p:ph type="dt" idx="1"/>
+            <p:ph type="dt" idx="3"/>
           </p:nvPr>
         </p:nvSpPr>
         <p:spPr/>
@@ -1341,7 +3855,7 @@
         <p:spPr>
           <a:xfrm>
             <a:off x="504000" y="226080"/>
-            <a:ext cx="9071640" cy="946440"/>
+            <a:ext cx="9071280" cy="946080"/>
           </a:xfrm>
           <a:prstGeom prst="rect">
             <a:avLst/>
@@ -1381,7 +3895,7 @@
         <p:spPr>
           <a:xfrm>
             <a:off x="504000" y="1326600"/>
-            <a:ext cx="4426920" cy="3288240"/>
+            <a:ext cx="4426560" cy="3287880"/>
           </a:xfrm>
           <a:prstGeom prst="rect">
             <a:avLst/>
@@ -1423,8 +3937,8 @@
         </p:nvSpPr>
         <p:spPr>
           <a:xfrm>
-            <a:off x="5152680" y="1326600"/>
-            <a:ext cx="4426920" cy="3288240"/>
+            <a:off x="5152320" y="1326600"/>
+            <a:ext cx="4426560" cy="3287880"/>
           </a:xfrm>
           <a:prstGeom prst="rect">
             <a:avLst/>
@@ -1461,7 +3975,7 @@
             <a:spLocks noGrp="1"/>
           </p:cNvSpPr>
           <p:nvPr>
-            <p:ph type="ftr" idx="2"/>
+            <p:ph type="ftr" idx="1"/>
           </p:nvPr>
         </p:nvSpPr>
         <p:spPr/>
@@ -1481,14 +3995,14 @@
             <a:spLocks noGrp="1"/>
           </p:cNvSpPr>
           <p:nvPr>
-            <p:ph type="sldNum" idx="3"/>
+            <p:ph type="sldNum" idx="2"/>
           </p:nvPr>
         </p:nvSpPr>
         <p:spPr/>
         <p:txBody>
           <a:bodyPr/>
           <a:p>
-            <a:fld id="{F17D353D-210B-4F42-8989-4FCABDE84AE8}" type="slidenum">
+            <a:fld id="{DEE3C629-466E-47AD-ADE1-9BE7BED38B72}" type="slidenum">
               <a:t>&lt;#&gt;</a:t>
             </a:fld>
           </a:p>
@@ -1501,7 +4015,7 @@
             <a:spLocks noGrp="1"/>
           </p:cNvSpPr>
           <p:nvPr>
-            <p:ph type="dt" idx="1"/>
+            <p:ph type="dt" idx="3"/>
           </p:nvPr>
         </p:nvSpPr>
         <p:spPr/>
@@ -1550,7 +4064,7 @@
         <p:spPr>
           <a:xfrm>
             <a:off x="504000" y="226080"/>
-            <a:ext cx="9071640" cy="946440"/>
+            <a:ext cx="9071280" cy="946080"/>
           </a:xfrm>
           <a:prstGeom prst="rect">
             <a:avLst/>
@@ -1584,7 +4098,7 @@
             <a:spLocks noGrp="1"/>
           </p:cNvSpPr>
           <p:nvPr>
-            <p:ph type="ftr" idx="2"/>
+            <p:ph type="ftr" idx="1"/>
           </p:nvPr>
         </p:nvSpPr>
         <p:spPr/>
@@ -1604,14 +4118,14 @@
             <a:spLocks noGrp="1"/>
           </p:cNvSpPr>
           <p:nvPr>
-            <p:ph type="sldNum" idx="3"/>
+            <p:ph type="sldNum" idx="2"/>
           </p:nvPr>
         </p:nvSpPr>
         <p:spPr/>
         <p:txBody>
           <a:bodyPr/>
           <a:p>
-            <a:fld id="{6CDE9CD5-2FC0-4604-ABEA-61D46511AD03}" type="slidenum">
+            <a:fld id="{CD1C8D05-E155-47D2-B3E4-AAC60AA74C0C}" type="slidenum">
               <a:t>&lt;#&gt;</a:t>
             </a:fld>
           </a:p>
@@ -1624,7 +4138,7 @@
             <a:spLocks noGrp="1"/>
           </p:cNvSpPr>
           <p:nvPr>
-            <p:ph type="dt" idx="1"/>
+            <p:ph type="dt" idx="3"/>
           </p:nvPr>
         </p:nvSpPr>
         <p:spPr/>
@@ -1673,7 +4187,7 @@
         <p:spPr>
           <a:xfrm>
             <a:off x="504000" y="226080"/>
-            <a:ext cx="9071640" cy="4388400"/>
+            <a:ext cx="9071280" cy="4386600"/>
           </a:xfrm>
           <a:prstGeom prst="rect">
             <a:avLst/>
@@ -1705,7 +4219,7 @@
             <a:spLocks noGrp="1"/>
           </p:cNvSpPr>
           <p:nvPr>
-            <p:ph type="ftr" idx="2"/>
+            <p:ph type="ftr" idx="1"/>
           </p:nvPr>
         </p:nvSpPr>
         <p:spPr/>
@@ -1725,14 +4239,14 @@
             <a:spLocks noGrp="1"/>
           </p:cNvSpPr>
           <p:nvPr>
-            <p:ph type="sldNum" idx="3"/>
+            <p:ph type="sldNum" idx="2"/>
           </p:nvPr>
         </p:nvSpPr>
         <p:spPr/>
         <p:txBody>
           <a:bodyPr/>
           <a:p>
-            <a:fld id="{E3F634C5-4E9F-4B20-A831-4AEDBF74A759}" type="slidenum">
+            <a:fld id="{FBBED09C-77C3-4405-B5C5-DF2177164C69}" type="slidenum">
               <a:t>&lt;#&gt;</a:t>
             </a:fld>
           </a:p>
@@ -1745,7 +4259,7 @@
             <a:spLocks noGrp="1"/>
           </p:cNvSpPr>
           <p:nvPr>
-            <p:ph type="dt" idx="1"/>
+            <p:ph type="dt" idx="3"/>
           </p:nvPr>
         </p:nvSpPr>
         <p:spPr/>
@@ -1794,7 +4308,7 @@
         <p:spPr>
           <a:xfrm>
             <a:off x="504000" y="226080"/>
-            <a:ext cx="9071640" cy="946440"/>
+            <a:ext cx="9071280" cy="946080"/>
           </a:xfrm>
           <a:prstGeom prst="rect">
             <a:avLst/>
@@ -1834,7 +4348,7 @@
         <p:spPr>
           <a:xfrm>
             <a:off x="504000" y="1326600"/>
-            <a:ext cx="4426920" cy="1568160"/>
+            <a:ext cx="4426560" cy="1568160"/>
           </a:xfrm>
           <a:prstGeom prst="rect">
             <a:avLst/>
@@ -1876,8 +4390,8 @@
         </p:nvSpPr>
         <p:spPr>
           <a:xfrm>
-            <a:off x="5152680" y="1326600"/>
-            <a:ext cx="4426920" cy="3288240"/>
+            <a:off x="5152320" y="1326600"/>
+            <a:ext cx="4426560" cy="3287880"/>
           </a:xfrm>
           <a:prstGeom prst="rect">
             <a:avLst/>
@@ -1920,7 +4434,7 @@
         <p:spPr>
           <a:xfrm>
             <a:off x="504000" y="3044160"/>
-            <a:ext cx="4426920" cy="1568160"/>
+            <a:ext cx="4426560" cy="1568160"/>
           </a:xfrm>
           <a:prstGeom prst="rect">
             <a:avLst/>
@@ -1957,7 +4471,7 @@
             <a:spLocks noGrp="1"/>
           </p:cNvSpPr>
           <p:nvPr>
-            <p:ph type="ftr" idx="2"/>
+            <p:ph type="ftr" idx="1"/>
           </p:nvPr>
         </p:nvSpPr>
         <p:spPr/>
@@ -1977,14 +4491,14 @@
             <a:spLocks noGrp="1"/>
           </p:cNvSpPr>
           <p:nvPr>
-            <p:ph type="sldNum" idx="3"/>
+            <p:ph type="sldNum" idx="2"/>
           </p:nvPr>
         </p:nvSpPr>
         <p:spPr/>
         <p:txBody>
           <a:bodyPr/>
           <a:p>
-            <a:fld id="{9253B107-B8AC-4C74-BE36-2939EC782A26}" type="slidenum">
+            <a:fld id="{557B51B9-4E9F-4B0B-9E88-7F92C6CFF647}" type="slidenum">
               <a:t>&lt;#&gt;</a:t>
             </a:fld>
           </a:p>
@@ -1997,7 +4511,7 @@
             <a:spLocks noGrp="1"/>
           </p:cNvSpPr>
           <p:nvPr>
-            <p:ph type="dt" idx="1"/>
+            <p:ph type="dt" idx="3"/>
           </p:nvPr>
         </p:nvSpPr>
         <p:spPr/>
@@ -2046,7 +4560,7 @@
         <p:spPr>
           <a:xfrm>
             <a:off x="504000" y="226080"/>
-            <a:ext cx="9071640" cy="946440"/>
+            <a:ext cx="9071280" cy="946080"/>
           </a:xfrm>
           <a:prstGeom prst="rect">
             <a:avLst/>
@@ -2086,7 +4600,7 @@
         <p:spPr>
           <a:xfrm>
             <a:off x="504000" y="1326600"/>
-            <a:ext cx="4426920" cy="3288240"/>
+            <a:ext cx="4426560" cy="3287880"/>
           </a:xfrm>
           <a:prstGeom prst="rect">
             <a:avLst/>
@@ -2128,8 +4642,8 @@
         </p:nvSpPr>
         <p:spPr>
           <a:xfrm>
-            <a:off x="5152680" y="1326600"/>
-            <a:ext cx="4426920" cy="1568160"/>
+            <a:off x="5152320" y="1326600"/>
+            <a:ext cx="4426560" cy="1568160"/>
           </a:xfrm>
           <a:prstGeom prst="rect">
             <a:avLst/>
@@ -2171,8 +4685,8 @@
         </p:nvSpPr>
         <p:spPr>
           <a:xfrm>
-            <a:off x="5152680" y="3044160"/>
-            <a:ext cx="4426920" cy="1568160"/>
+            <a:off x="5152320" y="3044160"/>
+            <a:ext cx="4426560" cy="1568160"/>
           </a:xfrm>
           <a:prstGeom prst="rect">
             <a:avLst/>
@@ -2209,7 +4723,7 @@
             <a:spLocks noGrp="1"/>
           </p:cNvSpPr>
           <p:nvPr>
-            <p:ph type="ftr" idx="2"/>
+            <p:ph type="ftr" idx="1"/>
           </p:nvPr>
         </p:nvSpPr>
         <p:spPr/>
@@ -2229,14 +4743,14 @@
             <a:spLocks noGrp="1"/>
           </p:cNvSpPr>
           <p:nvPr>
-            <p:ph type="sldNum" idx="3"/>
+            <p:ph type="sldNum" idx="2"/>
           </p:nvPr>
         </p:nvSpPr>
         <p:spPr/>
         <p:txBody>
           <a:bodyPr/>
           <a:p>
-            <a:fld id="{7DFABC12-9E8C-4460-94DA-7B71EB3BA4C4}" type="slidenum">
+            <a:fld id="{39FC6D8E-C0E2-4433-B7BD-F4492CB9FF4C}" type="slidenum">
               <a:t>&lt;#&gt;</a:t>
             </a:fld>
           </a:p>
@@ -2249,7 +4763,7 @@
             <a:spLocks noGrp="1"/>
           </p:cNvSpPr>
           <p:nvPr>
-            <p:ph type="dt" idx="1"/>
+            <p:ph type="dt" idx="3"/>
           </p:nvPr>
         </p:nvSpPr>
         <p:spPr/>
@@ -2298,7 +4812,7 @@
         <p:spPr>
           <a:xfrm>
             <a:off x="504000" y="226080"/>
-            <a:ext cx="9071640" cy="946440"/>
+            <a:ext cx="9071280" cy="946080"/>
           </a:xfrm>
           <a:prstGeom prst="rect">
             <a:avLst/>
@@ -2338,7 +4852,7 @@
         <p:spPr>
           <a:xfrm>
             <a:off x="504000" y="1326600"/>
-            <a:ext cx="4426920" cy="1568160"/>
+            <a:ext cx="4426560" cy="1568160"/>
           </a:xfrm>
           <a:prstGeom prst="rect">
             <a:avLst/>
@@ -2380,8 +4894,8 @@
         </p:nvSpPr>
         <p:spPr>
           <a:xfrm>
-            <a:off x="5152680" y="1326600"/>
-            <a:ext cx="4426920" cy="1568160"/>
+            <a:off x="5152320" y="1326600"/>
+            <a:ext cx="4426560" cy="1568160"/>
           </a:xfrm>
           <a:prstGeom prst="rect">
             <a:avLst/>
@@ -2424,7 +4938,7 @@
         <p:spPr>
           <a:xfrm>
             <a:off x="504000" y="3044160"/>
-            <a:ext cx="9071640" cy="1568160"/>
+            <a:ext cx="9071280" cy="1568160"/>
           </a:xfrm>
           <a:prstGeom prst="rect">
             <a:avLst/>
@@ -2461,7 +4975,7 @@
             <a:spLocks noGrp="1"/>
           </p:cNvSpPr>
           <p:nvPr>
-            <p:ph type="ftr" idx="2"/>
+            <p:ph type="ftr" idx="1"/>
           </p:nvPr>
         </p:nvSpPr>
         <p:spPr/>
@@ -2481,14 +4995,14 @@
             <a:spLocks noGrp="1"/>
           </p:cNvSpPr>
           <p:nvPr>
-            <p:ph type="sldNum" idx="3"/>
+            <p:ph type="sldNum" idx="2"/>
           </p:nvPr>
         </p:nvSpPr>
         <p:spPr/>
         <p:txBody>
           <a:bodyPr/>
           <a:p>
-            <a:fld id="{73DB3DA5-D2FE-4016-9221-16EB63742AF1}" type="slidenum">
+            <a:fld id="{AE3BEB32-3444-4470-A4B5-7E1E17285215}" type="slidenum">
               <a:t>&lt;#&gt;</a:t>
             </a:fld>
           </a:p>
@@ -2501,7 +5015,7 @@
             <a:spLocks noGrp="1"/>
           </p:cNvSpPr>
           <p:nvPr>
-            <p:ph type="dt" idx="1"/>
+            <p:ph type="dt" idx="3"/>
           </p:nvPr>
         </p:nvSpPr>
         <p:spPr/>
@@ -2550,7 +5064,7 @@
         <p:spPr>
           <a:xfrm>
             <a:off x="504000" y="226080"/>
-            <a:ext cx="9071640" cy="946440"/>
+            <a:ext cx="9071280" cy="946080"/>
           </a:xfrm>
           <a:prstGeom prst="rect">
             <a:avLst/>
@@ -2565,11 +5079,11 @@
             <a:noAutofit/>
           </a:bodyPr>
           <a:p>
-            <a:pPr indent="0" algn="ctr">
-              <a:buNone/>
-            </a:pPr>
-            <a:r>
-              <a:rPr b="0" lang="en-US" sz="4400" spc="-1" strike="noStrike">
+            <a:pPr indent="0">
+              <a:buNone/>
+            </a:pPr>
+            <a:r>
+              <a:rPr b="0" lang="en-US" sz="1800" spc="-1" strike="noStrike">
                 <a:solidFill>
                   <a:srgbClr val="000000"/>
                 </a:solidFill>
@@ -2577,7 +5091,7 @@
               </a:rPr>
               <a:t>Click to edit the title text format</a:t>
             </a:r>
-            <a:endParaRPr b="0" lang="en-US" sz="4400" spc="-1" strike="noStrike">
+            <a:endParaRPr b="0" lang="en-US" sz="1800" spc="-1" strike="noStrike">
               <a:solidFill>
                 <a:srgbClr val="000000"/>
               </a:solidFill>
@@ -2593,238 +5107,13 @@
             <a:spLocks noGrp="1"/>
           </p:cNvSpPr>
           <p:nvPr>
-            <p:ph type="body"/>
-          </p:nvPr>
-        </p:nvSpPr>
-        <p:spPr>
-          <a:xfrm>
-            <a:off x="504000" y="1326600"/>
-            <a:ext cx="9071640" cy="3288240"/>
-          </a:xfrm>
-          <a:prstGeom prst="rect">
-            <a:avLst/>
-          </a:prstGeom>
-          <a:noFill/>
-          <a:ln w="0">
-            <a:noFill/>
-          </a:ln>
-        </p:spPr>
-        <p:txBody>
-          <a:bodyPr lIns="0" rIns="0" tIns="0" bIns="0" anchor="t">
-            <a:normAutofit/>
-          </a:bodyPr>
-          <a:p>
-            <a:pPr marL="432000" indent="-324000">
-              <a:spcBef>
-                <a:spcPts val="1417"/>
-              </a:spcBef>
-              <a:buClr>
-                <a:srgbClr val="000000"/>
-              </a:buClr>
-              <a:buSzPct val="45000"/>
-              <a:buFont typeface="Wingdings" charset="2"/>
-              <a:buChar char=""/>
-            </a:pPr>
-            <a:r>
-              <a:rPr b="0" lang="en-US" sz="3200" spc="-1" strike="noStrike">
-                <a:solidFill>
-                  <a:srgbClr val="000000"/>
-                </a:solidFill>
-                <a:latin typeface="Arial"/>
-              </a:rPr>
-              <a:t>Click to edit the outline text format</a:t>
-            </a:r>
-            <a:endParaRPr b="0" lang="en-US" sz="3200" spc="-1" strike="noStrike">
-              <a:solidFill>
-                <a:srgbClr val="000000"/>
-              </a:solidFill>
-              <a:latin typeface="Arial"/>
-            </a:endParaRPr>
-          </a:p>
-          <a:p>
-            <a:pPr lvl="1" marL="864000" indent="-324000">
-              <a:spcBef>
-                <a:spcPts val="1134"/>
-              </a:spcBef>
-              <a:buClr>
-                <a:srgbClr val="000000"/>
-              </a:buClr>
-              <a:buSzPct val="75000"/>
-              <a:buFont typeface="Symbol" charset="2"/>
-              <a:buChar char=""/>
-            </a:pPr>
-            <a:r>
-              <a:rPr b="0" lang="en-US" sz="2800" spc="-1" strike="noStrike">
-                <a:solidFill>
-                  <a:srgbClr val="000000"/>
-                </a:solidFill>
-                <a:latin typeface="Arial"/>
-              </a:rPr>
-              <a:t>Second Outline Level</a:t>
-            </a:r>
-            <a:endParaRPr b="0" lang="en-US" sz="2800" spc="-1" strike="noStrike">
-              <a:solidFill>
-                <a:srgbClr val="000000"/>
-              </a:solidFill>
-              <a:latin typeface="Arial"/>
-            </a:endParaRPr>
-          </a:p>
-          <a:p>
-            <a:pPr lvl="2" marL="1296000" indent="-288000">
-              <a:spcBef>
-                <a:spcPts val="850"/>
-              </a:spcBef>
-              <a:buClr>
-                <a:srgbClr val="000000"/>
-              </a:buClr>
-              <a:buSzPct val="45000"/>
-              <a:buFont typeface="Wingdings" charset="2"/>
-              <a:buChar char=""/>
-            </a:pPr>
-            <a:r>
-              <a:rPr b="0" lang="en-US" sz="2400" spc="-1" strike="noStrike">
-                <a:solidFill>
-                  <a:srgbClr val="000000"/>
-                </a:solidFill>
-                <a:latin typeface="Arial"/>
-              </a:rPr>
-              <a:t>Third Outline Level</a:t>
-            </a:r>
-            <a:endParaRPr b="0" lang="en-US" sz="2400" spc="-1" strike="noStrike">
-              <a:solidFill>
-                <a:srgbClr val="000000"/>
-              </a:solidFill>
-              <a:latin typeface="Arial"/>
-            </a:endParaRPr>
-          </a:p>
-          <a:p>
-            <a:pPr lvl="3" marL="1728000" indent="-216000">
-              <a:spcBef>
-                <a:spcPts val="567"/>
-              </a:spcBef>
-              <a:buClr>
-                <a:srgbClr val="000000"/>
-              </a:buClr>
-              <a:buSzPct val="75000"/>
-              <a:buFont typeface="Symbol" charset="2"/>
-              <a:buChar char=""/>
-            </a:pPr>
-            <a:r>
-              <a:rPr b="0" lang="en-US" sz="2000" spc="-1" strike="noStrike">
-                <a:solidFill>
-                  <a:srgbClr val="000000"/>
-                </a:solidFill>
-                <a:latin typeface="Arial"/>
-              </a:rPr>
-              <a:t>Fourth Outline Level</a:t>
-            </a:r>
-            <a:endParaRPr b="0" lang="en-US" sz="2000" spc="-1" strike="noStrike">
-              <a:solidFill>
-                <a:srgbClr val="000000"/>
-              </a:solidFill>
-              <a:latin typeface="Arial"/>
-            </a:endParaRPr>
-          </a:p>
-          <a:p>
-            <a:pPr lvl="4" marL="2160000" indent="-216000">
-              <a:spcBef>
-                <a:spcPts val="283"/>
-              </a:spcBef>
-              <a:buClr>
-                <a:srgbClr val="000000"/>
-              </a:buClr>
-              <a:buSzPct val="45000"/>
-              <a:buFont typeface="Wingdings" charset="2"/>
-              <a:buChar char=""/>
-            </a:pPr>
-            <a:r>
-              <a:rPr b="0" lang="en-US" sz="2000" spc="-1" strike="noStrike">
-                <a:solidFill>
-                  <a:srgbClr val="000000"/>
-                </a:solidFill>
-                <a:latin typeface="Arial"/>
-              </a:rPr>
-              <a:t>Fifth Outline Level</a:t>
-            </a:r>
-            <a:endParaRPr b="0" lang="en-US" sz="2000" spc="-1" strike="noStrike">
-              <a:solidFill>
-                <a:srgbClr val="000000"/>
-              </a:solidFill>
-              <a:latin typeface="Arial"/>
-            </a:endParaRPr>
-          </a:p>
-          <a:p>
-            <a:pPr lvl="5" marL="2592000" indent="-216000">
-              <a:spcBef>
-                <a:spcPts val="283"/>
-              </a:spcBef>
-              <a:buClr>
-                <a:srgbClr val="000000"/>
-              </a:buClr>
-              <a:buSzPct val="45000"/>
-              <a:buFont typeface="Wingdings" charset="2"/>
-              <a:buChar char=""/>
-            </a:pPr>
-            <a:r>
-              <a:rPr b="0" lang="en-US" sz="2000" spc="-1" strike="noStrike">
-                <a:solidFill>
-                  <a:srgbClr val="000000"/>
-                </a:solidFill>
-                <a:latin typeface="Arial"/>
-              </a:rPr>
-              <a:t>Sixth Outline Level</a:t>
-            </a:r>
-            <a:endParaRPr b="0" lang="en-US" sz="2000" spc="-1" strike="noStrike">
-              <a:solidFill>
-                <a:srgbClr val="000000"/>
-              </a:solidFill>
-              <a:latin typeface="Arial"/>
-            </a:endParaRPr>
-          </a:p>
-          <a:p>
-            <a:pPr lvl="6" marL="3024000" indent="-216000">
-              <a:spcBef>
-                <a:spcPts val="283"/>
-              </a:spcBef>
-              <a:buClr>
-                <a:srgbClr val="000000"/>
-              </a:buClr>
-              <a:buSzPct val="45000"/>
-              <a:buFont typeface="Wingdings" charset="2"/>
-              <a:buChar char=""/>
-            </a:pPr>
-            <a:r>
-              <a:rPr b="0" lang="en-US" sz="2000" spc="-1" strike="noStrike">
-                <a:solidFill>
-                  <a:srgbClr val="000000"/>
-                </a:solidFill>
-                <a:latin typeface="Arial"/>
-              </a:rPr>
-              <a:t>Seventh Outline Level</a:t>
-            </a:r>
-            <a:endParaRPr b="0" lang="en-US" sz="2000" spc="-1" strike="noStrike">
-              <a:solidFill>
-                <a:srgbClr val="000000"/>
-              </a:solidFill>
-              <a:latin typeface="Arial"/>
-            </a:endParaRPr>
-          </a:p>
-        </p:txBody>
-      </p:sp>
-      <p:sp>
-        <p:nvSpPr>
-          <p:cNvPr id="2" name="PlaceHolder 3"/>
-          <p:cNvSpPr>
-            <a:spLocks noGrp="1"/>
-          </p:cNvSpPr>
-          <p:nvPr>
-            <p:ph type="dt" idx="1"/>
-          </p:nvPr>
-        </p:nvSpPr>
-        <p:spPr>
-          <a:xfrm>
-            <a:off x="504000" y="5165280"/>
-            <a:ext cx="2348280" cy="390600"/>
+            <p:ph type="ftr" idx="1"/>
+          </p:nvPr>
+        </p:nvSpPr>
+        <p:spPr>
+          <a:xfrm>
+            <a:off x="3447360" y="5165280"/>
+            <a:ext cx="3194640" cy="390240"/>
           </a:xfrm>
           <a:prstGeom prst="rect">
             <a:avLst/>
@@ -2839,8 +5128,14 @@
             <a:noAutofit/>
           </a:bodyPr>
           <a:lstStyle>
-            <a:lvl1pPr indent="0">
-              <a:buNone/>
+            <a:lvl1pPr indent="0" algn="ctr">
+              <a:lnSpc>
+                <a:spcPct val="100000"/>
+              </a:lnSpc>
+              <a:buNone/>
+              <a:tabLst>
+                <a:tab algn="l" pos="0"/>
+              </a:tabLst>
               <a:defRPr b="0" lang="en-US" sz="1400" spc="-1" strike="noStrike">
                 <a:solidFill>
                   <a:srgbClr val="000000"/>
@@ -2850,8 +5145,14 @@
             </a:lvl1pPr>
           </a:lstStyle>
           <a:p>
-            <a:pPr indent="0">
-              <a:buNone/>
+            <a:pPr indent="0" algn="ctr">
+              <a:lnSpc>
+                <a:spcPct val="100000"/>
+              </a:lnSpc>
+              <a:buNone/>
+              <a:tabLst>
+                <a:tab algn="l" pos="0"/>
+              </a:tabLst>
             </a:pPr>
             <a:r>
               <a:rPr b="0" lang="en-US" sz="1400" spc="-1" strike="noStrike">
@@ -2860,7 +5161,7 @@
                 </a:solidFill>
                 <a:latin typeface="Times New Roman"/>
               </a:rPr>
-              <a:t>&lt;date/time&gt;</a:t>
+              <a:t>&lt;footer&gt;</a:t>
             </a:r>
             <a:endParaRPr b="0" lang="en-US" sz="1400" spc="-1" strike="noStrike">
               <a:solidFill>
@@ -2873,18 +5174,18 @@
       </p:sp>
       <p:sp>
         <p:nvSpPr>
-          <p:cNvPr id="3" name="PlaceHolder 4"/>
-          <p:cNvSpPr>
-            <a:spLocks noGrp="1"/>
-          </p:cNvSpPr>
-          <p:nvPr>
-            <p:ph type="ftr" idx="2"/>
-          </p:nvPr>
-        </p:nvSpPr>
-        <p:spPr>
-          <a:xfrm>
-            <a:off x="3447360" y="5165280"/>
-            <a:ext cx="3195000" cy="390600"/>
+          <p:cNvPr id="2" name="PlaceHolder 3"/>
+          <p:cNvSpPr>
+            <a:spLocks noGrp="1"/>
+          </p:cNvSpPr>
+          <p:nvPr>
+            <p:ph type="sldNum" idx="2"/>
+          </p:nvPr>
+        </p:nvSpPr>
+        <p:spPr>
+          <a:xfrm>
+            <a:off x="7227360" y="5165280"/>
+            <a:ext cx="2347920" cy="390240"/>
           </a:xfrm>
           <a:prstGeom prst="rect">
             <a:avLst/>
@@ -2899,8 +5200,14 @@
             <a:noAutofit/>
           </a:bodyPr>
           <a:lstStyle>
-            <a:lvl1pPr indent="0" algn="ctr">
-              <a:buNone/>
+            <a:lvl1pPr indent="0" algn="r">
+              <a:lnSpc>
+                <a:spcPct val="100000"/>
+              </a:lnSpc>
+              <a:buNone/>
+              <a:tabLst>
+                <a:tab algn="l" pos="0"/>
+              </a:tabLst>
               <a:defRPr b="0" lang="en-US" sz="1400" spc="-1" strike="noStrike">
                 <a:solidFill>
                   <a:srgbClr val="000000"/>
@@ -2910,70 +5217,16 @@
             </a:lvl1pPr>
           </a:lstStyle>
           <a:p>
-            <a:pPr indent="0" algn="ctr">
-              <a:buNone/>
-            </a:pPr>
-            <a:r>
-              <a:rPr b="0" lang="en-US" sz="1400" spc="-1" strike="noStrike">
-                <a:solidFill>
-                  <a:srgbClr val="000000"/>
-                </a:solidFill>
-                <a:latin typeface="Times New Roman"/>
-              </a:rPr>
-              <a:t>&lt;footer&gt;</a:t>
-            </a:r>
-            <a:endParaRPr b="0" lang="en-US" sz="1400" spc="-1" strike="noStrike">
-              <a:solidFill>
-                <a:srgbClr val="000000"/>
-              </a:solidFill>
-              <a:latin typeface="Times New Roman"/>
-            </a:endParaRPr>
-          </a:p>
-        </p:txBody>
-      </p:sp>
-      <p:sp>
-        <p:nvSpPr>
-          <p:cNvPr id="4" name="PlaceHolder 5"/>
-          <p:cNvSpPr>
-            <a:spLocks noGrp="1"/>
-          </p:cNvSpPr>
-          <p:nvPr>
-            <p:ph type="sldNum" idx="3"/>
-          </p:nvPr>
-        </p:nvSpPr>
-        <p:spPr>
-          <a:xfrm>
-            <a:off x="7227360" y="5165280"/>
-            <a:ext cx="2348280" cy="390600"/>
-          </a:xfrm>
-          <a:prstGeom prst="rect">
-            <a:avLst/>
-          </a:prstGeom>
-          <a:noFill/>
-          <a:ln w="0">
-            <a:noFill/>
-          </a:ln>
-        </p:spPr>
-        <p:txBody>
-          <a:bodyPr lIns="0" rIns="0" tIns="0" bIns="0" anchor="t">
-            <a:noAutofit/>
-          </a:bodyPr>
-          <a:lstStyle>
-            <a:lvl1pPr indent="0" algn="r">
-              <a:buNone/>
-              <a:defRPr b="0" lang="en-US" sz="1400" spc="-1" strike="noStrike">
-                <a:solidFill>
-                  <a:srgbClr val="000000"/>
-                </a:solidFill>
-                <a:latin typeface="Times New Roman"/>
-              </a:defRPr>
-            </a:lvl1pPr>
-          </a:lstStyle>
-          <a:p>
             <a:pPr indent="0" algn="r">
-              <a:buNone/>
-            </a:pPr>
-            <a:fld id="{E6BC37B9-F21D-401C-997C-1402FACD7EA9}" type="slidenum">
+              <a:lnSpc>
+                <a:spcPct val="100000"/>
+              </a:lnSpc>
+              <a:buNone/>
+              <a:tabLst>
+                <a:tab algn="l" pos="0"/>
+              </a:tabLst>
+            </a:pPr>
+            <a:fld id="{4884B7A7-845C-4ADF-8BA9-32FEBDFE753B}" type="slidenum">
               <a:rPr b="0" lang="en-US" sz="1400" spc="-1" strike="noStrike">
                 <a:solidFill>
                   <a:srgbClr val="000000"/>
@@ -2987,6 +5240,291 @@
                 <a:srgbClr val="000000"/>
               </a:solidFill>
               <a:latin typeface="Times New Roman"/>
+            </a:endParaRPr>
+          </a:p>
+        </p:txBody>
+      </p:sp>
+      <p:sp>
+        <p:nvSpPr>
+          <p:cNvPr id="3" name="PlaceHolder 4"/>
+          <p:cNvSpPr>
+            <a:spLocks noGrp="1"/>
+          </p:cNvSpPr>
+          <p:nvPr>
+            <p:ph type="dt" idx="3"/>
+          </p:nvPr>
+        </p:nvSpPr>
+        <p:spPr>
+          <a:xfrm>
+            <a:off x="504000" y="5165280"/>
+            <a:ext cx="2347920" cy="390240"/>
+          </a:xfrm>
+          <a:prstGeom prst="rect">
+            <a:avLst/>
+          </a:prstGeom>
+          <a:noFill/>
+          <a:ln w="0">
+            <a:noFill/>
+          </a:ln>
+        </p:spPr>
+        <p:txBody>
+          <a:bodyPr lIns="0" rIns="0" tIns="0" bIns="0" anchor="t">
+            <a:noAutofit/>
+          </a:bodyPr>
+          <a:lstStyle>
+            <a:lvl1pPr indent="0">
+              <a:buNone/>
+              <a:defRPr b="0" lang="en-US" sz="1400" spc="-1" strike="noStrike">
+                <a:solidFill>
+                  <a:srgbClr val="000000"/>
+                </a:solidFill>
+                <a:latin typeface="Times New Roman"/>
+              </a:defRPr>
+            </a:lvl1pPr>
+          </a:lstStyle>
+          <a:p>
+            <a:pPr indent="0">
+              <a:buNone/>
+            </a:pPr>
+            <a:r>
+              <a:rPr b="0" lang="en-US" sz="1400" spc="-1" strike="noStrike">
+                <a:solidFill>
+                  <a:srgbClr val="000000"/>
+                </a:solidFill>
+                <a:latin typeface="Times New Roman"/>
+              </a:rPr>
+              <a:t>&lt;date/time&gt;</a:t>
+            </a:r>
+            <a:endParaRPr b="0" lang="en-US" sz="1400" spc="-1" strike="noStrike">
+              <a:solidFill>
+                <a:srgbClr val="000000"/>
+              </a:solidFill>
+              <a:latin typeface="Times New Roman"/>
+            </a:endParaRPr>
+          </a:p>
+        </p:txBody>
+      </p:sp>
+      <p:sp>
+        <p:nvSpPr>
+          <p:cNvPr id="4" name="PlaceHolder 5"/>
+          <p:cNvSpPr>
+            <a:spLocks noGrp="1"/>
+          </p:cNvSpPr>
+          <p:nvPr>
+            <p:ph type="body"/>
+          </p:nvPr>
+        </p:nvSpPr>
+        <p:spPr>
+          <a:xfrm>
+            <a:off x="504000" y="1326600"/>
+            <a:ext cx="9072000" cy="3288600"/>
+          </a:xfrm>
+          <a:prstGeom prst="rect">
+            <a:avLst/>
+          </a:prstGeom>
+          <a:noFill/>
+          <a:ln w="0">
+            <a:noFill/>
+          </a:ln>
+        </p:spPr>
+        <p:txBody>
+          <a:bodyPr lIns="0" rIns="0" tIns="0" bIns="0" anchor="t">
+            <a:normAutofit/>
+          </a:bodyPr>
+          <a:p>
+            <a:pPr marL="432000" indent="-324000">
+              <a:spcBef>
+                <a:spcPts val="1417"/>
+              </a:spcBef>
+              <a:buClr>
+                <a:srgbClr val="000000"/>
+              </a:buClr>
+              <a:buSzPct val="45000"/>
+              <a:buFont typeface="Wingdings" charset="2"/>
+              <a:buChar char=""/>
+            </a:pPr>
+            <a:r>
+              <a:rPr b="0" lang="en-US" sz="3200" spc="-1" strike="noStrike">
+                <a:solidFill>
+                  <a:srgbClr val="000000"/>
+                </a:solidFill>
+                <a:latin typeface="Arial"/>
+              </a:rPr>
+              <a:t>Click to edit the outline text format</a:t>
+            </a:r>
+            <a:endParaRPr b="0" lang="en-US" sz="3200" spc="-1" strike="noStrike">
+              <a:solidFill>
+                <a:srgbClr val="000000"/>
+              </a:solidFill>
+              <a:latin typeface="Arial"/>
+            </a:endParaRPr>
+          </a:p>
+          <a:p>
+            <a:pPr lvl="1" marL="864000" indent="-324000">
+              <a:spcBef>
+                <a:spcPts val="1134"/>
+              </a:spcBef>
+              <a:buClr>
+                <a:srgbClr val="000000"/>
+              </a:buClr>
+              <a:buSzPct val="75000"/>
+              <a:buFont typeface="Symbol" charset="2"/>
+              <a:buChar char=""/>
+            </a:pPr>
+            <a:r>
+              <a:rPr b="0" lang="en-US" sz="2800" spc="-1" strike="noStrike">
+                <a:solidFill>
+                  <a:srgbClr val="000000"/>
+                </a:solidFill>
+                <a:latin typeface="Arial"/>
+              </a:rPr>
+              <a:t>Second Outline Level</a:t>
+            </a:r>
+            <a:endParaRPr b="0" lang="en-US" sz="2800" spc="-1" strike="noStrike">
+              <a:solidFill>
+                <a:srgbClr val="000000"/>
+              </a:solidFill>
+              <a:latin typeface="Arial"/>
+            </a:endParaRPr>
+          </a:p>
+          <a:p>
+            <a:pPr lvl="2" marL="1296000" indent="-288000">
+              <a:spcBef>
+                <a:spcPts val="850"/>
+              </a:spcBef>
+              <a:buClr>
+                <a:srgbClr val="000000"/>
+              </a:buClr>
+              <a:buSzPct val="45000"/>
+              <a:buFont typeface="Wingdings" charset="2"/>
+              <a:buChar char=""/>
+            </a:pPr>
+            <a:r>
+              <a:rPr b="0" lang="en-US" sz="2400" spc="-1" strike="noStrike">
+                <a:solidFill>
+                  <a:srgbClr val="000000"/>
+                </a:solidFill>
+                <a:latin typeface="Arial"/>
+              </a:rPr>
+              <a:t>Third Outline Level</a:t>
+            </a:r>
+            <a:endParaRPr b="0" lang="en-US" sz="2400" spc="-1" strike="noStrike">
+              <a:solidFill>
+                <a:srgbClr val="000000"/>
+              </a:solidFill>
+              <a:latin typeface="Arial"/>
+            </a:endParaRPr>
+          </a:p>
+          <a:p>
+            <a:pPr lvl="3" marL="1728000" indent="-216000">
+              <a:spcBef>
+                <a:spcPts val="567"/>
+              </a:spcBef>
+              <a:buClr>
+                <a:srgbClr val="000000"/>
+              </a:buClr>
+              <a:buSzPct val="75000"/>
+              <a:buFont typeface="Symbol" charset="2"/>
+              <a:buChar char=""/>
+            </a:pPr>
+            <a:r>
+              <a:rPr b="0" lang="en-US" sz="2000" spc="-1" strike="noStrike">
+                <a:solidFill>
+                  <a:srgbClr val="000000"/>
+                </a:solidFill>
+                <a:latin typeface="Arial"/>
+              </a:rPr>
+              <a:t>Fourth Outline Level</a:t>
+            </a:r>
+            <a:endParaRPr b="0" lang="en-US" sz="2000" spc="-1" strike="noStrike">
+              <a:solidFill>
+                <a:srgbClr val="000000"/>
+              </a:solidFill>
+              <a:latin typeface="Arial"/>
+            </a:endParaRPr>
+          </a:p>
+          <a:p>
+            <a:pPr lvl="4" marL="2160000" indent="-216000">
+              <a:spcBef>
+                <a:spcPts val="283"/>
+              </a:spcBef>
+              <a:buClr>
+                <a:srgbClr val="000000"/>
+              </a:buClr>
+              <a:buSzPct val="45000"/>
+              <a:buFont typeface="Wingdings" charset="2"/>
+              <a:buChar char=""/>
+            </a:pPr>
+            <a:r>
+              <a:rPr b="0" lang="en-US" sz="2000" spc="-1" strike="noStrike">
+                <a:solidFill>
+                  <a:srgbClr val="000000"/>
+                </a:solidFill>
+                <a:latin typeface="Arial"/>
+              </a:rPr>
+              <a:t>Fifth Outline Level</a:t>
+            </a:r>
+            <a:endParaRPr b="0" lang="en-US" sz="2000" spc="-1" strike="noStrike">
+              <a:solidFill>
+                <a:srgbClr val="000000"/>
+              </a:solidFill>
+              <a:latin typeface="Arial"/>
+            </a:endParaRPr>
+          </a:p>
+          <a:p>
+            <a:pPr lvl="5" marL="2592000" indent="-216000">
+              <a:spcBef>
+                <a:spcPts val="283"/>
+              </a:spcBef>
+              <a:buClr>
+                <a:srgbClr val="000000"/>
+              </a:buClr>
+              <a:buSzPct val="45000"/>
+              <a:buFont typeface="Wingdings" charset="2"/>
+              <a:buChar char=""/>
+            </a:pPr>
+            <a:r>
+              <a:rPr b="0" lang="en-US" sz="2000" spc="-1" strike="noStrike">
+                <a:solidFill>
+                  <a:srgbClr val="000000"/>
+                </a:solidFill>
+                <a:latin typeface="Arial"/>
+              </a:rPr>
+              <a:t>Sixth Outline Level</a:t>
+            </a:r>
+            <a:endParaRPr b="0" lang="en-US" sz="2000" spc="-1" strike="noStrike">
+              <a:solidFill>
+                <a:srgbClr val="000000"/>
+              </a:solidFill>
+              <a:latin typeface="Arial"/>
+            </a:endParaRPr>
+          </a:p>
+          <a:p>
+            <a:pPr lvl="6" marL="3024000" indent="-216000">
+              <a:spcBef>
+                <a:spcPts val="283"/>
+              </a:spcBef>
+              <a:buClr>
+                <a:srgbClr val="000000"/>
+              </a:buClr>
+              <a:buSzPct val="45000"/>
+              <a:buFont typeface="Wingdings" charset="2"/>
+              <a:buChar char=""/>
+            </a:pPr>
+            <a:r>
+              <a:rPr b="0" lang="en-US" sz="2000" spc="-1" strike="noStrike">
+                <a:solidFill>
+                  <a:srgbClr val="000000"/>
+                </a:solidFill>
+                <a:latin typeface="Arial"/>
+              </a:rPr>
+              <a:t>Seventh Outline Level</a:t>
+            </a:r>
+            <a:endParaRPr b="0" lang="en-US" sz="2000" spc="-1" strike="noStrike">
+              <a:solidFill>
+                <a:srgbClr val="000000"/>
+              </a:solidFill>
+              <a:latin typeface="Arial"/>
             </a:endParaRPr>
           </a:p>
         </p:txBody>
@@ -3007,6 +5545,521 @@
     <p:sldLayoutId id="2147483658" r:id="rId11"/>
     <p:sldLayoutId id="2147483659" r:id="rId12"/>
     <p:sldLayoutId id="2147483660" r:id="rId13"/>
+  </p:sldLayoutIdLst>
+</p:sldMaster>
+</file>
+
+<file path=ppt/slideMasters/slideMaster2.xml><?xml version="1.0" encoding="utf-8"?>
+<p:sldMaster xmlns:a="http://schemas.openxmlformats.org/drawingml/2006/main" xmlns:p="http://schemas.openxmlformats.org/presentationml/2006/main" xmlns:r="http://schemas.openxmlformats.org/officeDocument/2006/relationships" xmlns:p14="http://schemas.microsoft.com/office/powerpoint/2010/main" xmlns:p15="http://schemas.microsoft.com/office/powerpoint/2012/main" xmlns:mc="http://schemas.openxmlformats.org/markup-compatibility/2006">
+  <p:cSld>
+    <p:spTree>
+      <p:nvGrpSpPr>
+        <p:cNvPr id="1" name=""/>
+        <p:cNvGrpSpPr/>
+        <p:nvPr/>
+      </p:nvGrpSpPr>
+      <p:grpSpPr>
+        <a:xfrm>
+          <a:off x="0" y="0"/>
+          <a:ext cx="0" cy="0"/>
+          <a:chOff x="0" y="0"/>
+          <a:chExt cx="0" cy="0"/>
+        </a:xfrm>
+      </p:grpSpPr>
+      <p:sp>
+        <p:nvSpPr>
+          <p:cNvPr id="41" name="PlaceHolder 1"/>
+          <p:cNvSpPr>
+            <a:spLocks noGrp="1"/>
+          </p:cNvSpPr>
+          <p:nvPr>
+            <p:ph type="title"/>
+          </p:nvPr>
+        </p:nvSpPr>
+        <p:spPr>
+          <a:xfrm>
+            <a:off x="504000" y="226080"/>
+            <a:ext cx="9071280" cy="946080"/>
+          </a:xfrm>
+          <a:prstGeom prst="rect">
+            <a:avLst/>
+          </a:prstGeom>
+          <a:noFill/>
+          <a:ln w="0">
+            <a:noFill/>
+          </a:ln>
+        </p:spPr>
+        <p:txBody>
+          <a:bodyPr lIns="0" rIns="0" tIns="0" bIns="0" anchor="ctr">
+            <a:noAutofit/>
+          </a:bodyPr>
+          <a:p>
+            <a:pPr indent="0">
+              <a:buNone/>
+            </a:pPr>
+            <a:r>
+              <a:rPr b="0" lang="en-US" sz="1800" spc="-1" strike="noStrike">
+                <a:solidFill>
+                  <a:srgbClr val="000000"/>
+                </a:solidFill>
+                <a:latin typeface="Arial"/>
+              </a:rPr>
+              <a:t>Click to edit the title text format</a:t>
+            </a:r>
+            <a:endParaRPr b="0" lang="en-US" sz="1800" spc="-1" strike="noStrike">
+              <a:solidFill>
+                <a:srgbClr val="000000"/>
+              </a:solidFill>
+              <a:latin typeface="Arial"/>
+            </a:endParaRPr>
+          </a:p>
+        </p:txBody>
+      </p:sp>
+      <p:sp>
+        <p:nvSpPr>
+          <p:cNvPr id="42" name="PlaceHolder 2"/>
+          <p:cNvSpPr>
+            <a:spLocks noGrp="1"/>
+          </p:cNvSpPr>
+          <p:nvPr>
+            <p:ph type="body"/>
+          </p:nvPr>
+        </p:nvSpPr>
+        <p:spPr>
+          <a:xfrm>
+            <a:off x="504000" y="1326600"/>
+            <a:ext cx="9071280" cy="3287880"/>
+          </a:xfrm>
+          <a:prstGeom prst="rect">
+            <a:avLst/>
+          </a:prstGeom>
+          <a:noFill/>
+          <a:ln w="0">
+            <a:noFill/>
+          </a:ln>
+        </p:spPr>
+        <p:txBody>
+          <a:bodyPr lIns="0" rIns="0" tIns="0" bIns="0" anchor="t">
+            <a:normAutofit/>
+          </a:bodyPr>
+          <a:p>
+            <a:pPr marL="432000" indent="-324000">
+              <a:spcBef>
+                <a:spcPts val="1417"/>
+              </a:spcBef>
+              <a:buClr>
+                <a:srgbClr val="000000"/>
+              </a:buClr>
+              <a:buSzPct val="45000"/>
+              <a:buFont typeface="Wingdings" charset="2"/>
+              <a:buChar char=""/>
+            </a:pPr>
+            <a:r>
+              <a:rPr b="0" lang="en-US" sz="1800" spc="-1" strike="noStrike">
+                <a:solidFill>
+                  <a:srgbClr val="000000"/>
+                </a:solidFill>
+                <a:latin typeface="Arial"/>
+              </a:rPr>
+              <a:t>Click to edit the outline text format</a:t>
+            </a:r>
+            <a:endParaRPr b="0" lang="en-US" sz="1800" spc="-1" strike="noStrike">
+              <a:solidFill>
+                <a:srgbClr val="000000"/>
+              </a:solidFill>
+              <a:latin typeface="Arial"/>
+            </a:endParaRPr>
+          </a:p>
+          <a:p>
+            <a:pPr lvl="1" marL="864000" indent="-324000">
+              <a:spcBef>
+                <a:spcPts val="1134"/>
+              </a:spcBef>
+              <a:buClr>
+                <a:srgbClr val="000000"/>
+              </a:buClr>
+              <a:buSzPct val="75000"/>
+              <a:buFont typeface="Symbol" charset="2"/>
+              <a:buChar char=""/>
+            </a:pPr>
+            <a:r>
+              <a:rPr b="0" lang="en-US" sz="1800" spc="-1" strike="noStrike">
+                <a:solidFill>
+                  <a:srgbClr val="000000"/>
+                </a:solidFill>
+                <a:latin typeface="Arial"/>
+              </a:rPr>
+              <a:t>Second Outline Level</a:t>
+            </a:r>
+            <a:endParaRPr b="0" lang="en-US" sz="1800" spc="-1" strike="noStrike">
+              <a:solidFill>
+                <a:srgbClr val="000000"/>
+              </a:solidFill>
+              <a:latin typeface="Arial"/>
+            </a:endParaRPr>
+          </a:p>
+          <a:p>
+            <a:pPr lvl="2" marL="1296000" indent="-288000">
+              <a:spcBef>
+                <a:spcPts val="850"/>
+              </a:spcBef>
+              <a:buClr>
+                <a:srgbClr val="000000"/>
+              </a:buClr>
+              <a:buSzPct val="45000"/>
+              <a:buFont typeface="Wingdings" charset="2"/>
+              <a:buChar char=""/>
+            </a:pPr>
+            <a:r>
+              <a:rPr b="0" lang="en-US" sz="1800" spc="-1" strike="noStrike">
+                <a:solidFill>
+                  <a:srgbClr val="000000"/>
+                </a:solidFill>
+                <a:latin typeface="Arial"/>
+              </a:rPr>
+              <a:t>Third Outline Level</a:t>
+            </a:r>
+            <a:endParaRPr b="0" lang="en-US" sz="1800" spc="-1" strike="noStrike">
+              <a:solidFill>
+                <a:srgbClr val="000000"/>
+              </a:solidFill>
+              <a:latin typeface="Arial"/>
+            </a:endParaRPr>
+          </a:p>
+          <a:p>
+            <a:pPr lvl="3" marL="1728000" indent="-216000">
+              <a:spcBef>
+                <a:spcPts val="567"/>
+              </a:spcBef>
+              <a:buClr>
+                <a:srgbClr val="000000"/>
+              </a:buClr>
+              <a:buSzPct val="75000"/>
+              <a:buFont typeface="Symbol" charset="2"/>
+              <a:buChar char=""/>
+            </a:pPr>
+            <a:r>
+              <a:rPr b="0" lang="en-US" sz="1800" spc="-1" strike="noStrike">
+                <a:solidFill>
+                  <a:srgbClr val="000000"/>
+                </a:solidFill>
+                <a:latin typeface="Arial"/>
+              </a:rPr>
+              <a:t>Fourth Outline Level</a:t>
+            </a:r>
+            <a:endParaRPr b="0" lang="en-US" sz="1800" spc="-1" strike="noStrike">
+              <a:solidFill>
+                <a:srgbClr val="000000"/>
+              </a:solidFill>
+              <a:latin typeface="Arial"/>
+            </a:endParaRPr>
+          </a:p>
+          <a:p>
+            <a:pPr lvl="4" marL="2160000" indent="-216000">
+              <a:spcBef>
+                <a:spcPts val="283"/>
+              </a:spcBef>
+              <a:buClr>
+                <a:srgbClr val="000000"/>
+              </a:buClr>
+              <a:buSzPct val="45000"/>
+              <a:buFont typeface="Wingdings" charset="2"/>
+              <a:buChar char=""/>
+            </a:pPr>
+            <a:r>
+              <a:rPr b="0" lang="en-US" sz="1800" spc="-1" strike="noStrike">
+                <a:solidFill>
+                  <a:srgbClr val="000000"/>
+                </a:solidFill>
+                <a:latin typeface="Arial"/>
+              </a:rPr>
+              <a:t>Fifth Outline Level</a:t>
+            </a:r>
+            <a:endParaRPr b="0" lang="en-US" sz="1800" spc="-1" strike="noStrike">
+              <a:solidFill>
+                <a:srgbClr val="000000"/>
+              </a:solidFill>
+              <a:latin typeface="Arial"/>
+            </a:endParaRPr>
+          </a:p>
+          <a:p>
+            <a:pPr lvl="5" marL="2592000" indent="-216000">
+              <a:spcBef>
+                <a:spcPts val="283"/>
+              </a:spcBef>
+              <a:buClr>
+                <a:srgbClr val="000000"/>
+              </a:buClr>
+              <a:buSzPct val="45000"/>
+              <a:buFont typeface="Wingdings" charset="2"/>
+              <a:buChar char=""/>
+            </a:pPr>
+            <a:r>
+              <a:rPr b="0" lang="en-US" sz="1800" spc="-1" strike="noStrike">
+                <a:solidFill>
+                  <a:srgbClr val="000000"/>
+                </a:solidFill>
+                <a:latin typeface="Arial"/>
+              </a:rPr>
+              <a:t>Sixth Outline Level</a:t>
+            </a:r>
+            <a:endParaRPr b="0" lang="en-US" sz="1800" spc="-1" strike="noStrike">
+              <a:solidFill>
+                <a:srgbClr val="000000"/>
+              </a:solidFill>
+              <a:latin typeface="Arial"/>
+            </a:endParaRPr>
+          </a:p>
+          <a:p>
+            <a:pPr lvl="6" marL="3024000" indent="-216000">
+              <a:spcBef>
+                <a:spcPts val="283"/>
+              </a:spcBef>
+              <a:buClr>
+                <a:srgbClr val="000000"/>
+              </a:buClr>
+              <a:buSzPct val="45000"/>
+              <a:buFont typeface="Wingdings" charset="2"/>
+              <a:buChar char=""/>
+            </a:pPr>
+            <a:r>
+              <a:rPr b="0" lang="en-US" sz="1800" spc="-1" strike="noStrike">
+                <a:solidFill>
+                  <a:srgbClr val="000000"/>
+                </a:solidFill>
+                <a:latin typeface="Arial"/>
+              </a:rPr>
+              <a:t>Seventh Outline Level</a:t>
+            </a:r>
+            <a:endParaRPr b="0" lang="en-US" sz="1800" spc="-1" strike="noStrike">
+              <a:solidFill>
+                <a:srgbClr val="000000"/>
+              </a:solidFill>
+              <a:latin typeface="Arial"/>
+            </a:endParaRPr>
+          </a:p>
+        </p:txBody>
+      </p:sp>
+      <p:sp>
+        <p:nvSpPr>
+          <p:cNvPr id="43" name="PlaceHolder 3"/>
+          <p:cNvSpPr>
+            <a:spLocks noGrp="1"/>
+          </p:cNvSpPr>
+          <p:nvPr>
+            <p:ph type="ftr" idx="4"/>
+          </p:nvPr>
+        </p:nvSpPr>
+        <p:spPr>
+          <a:xfrm>
+            <a:off x="3447360" y="5165280"/>
+            <a:ext cx="3194640" cy="390240"/>
+          </a:xfrm>
+          <a:prstGeom prst="rect">
+            <a:avLst/>
+          </a:prstGeom>
+          <a:noFill/>
+          <a:ln w="0">
+            <a:noFill/>
+          </a:ln>
+        </p:spPr>
+        <p:txBody>
+          <a:bodyPr lIns="0" rIns="0" tIns="0" bIns="0" anchor="t">
+            <a:noAutofit/>
+          </a:bodyPr>
+          <a:lstStyle>
+            <a:lvl1pPr indent="0" algn="ctr">
+              <a:lnSpc>
+                <a:spcPct val="100000"/>
+              </a:lnSpc>
+              <a:buNone/>
+              <a:tabLst>
+                <a:tab algn="l" pos="0"/>
+              </a:tabLst>
+              <a:defRPr b="0" lang="en-US" sz="1400" spc="-1" strike="noStrike">
+                <a:solidFill>
+                  <a:srgbClr val="000000"/>
+                </a:solidFill>
+                <a:latin typeface="Times New Roman"/>
+              </a:defRPr>
+            </a:lvl1pPr>
+          </a:lstStyle>
+          <a:p>
+            <a:pPr indent="0" algn="ctr">
+              <a:lnSpc>
+                <a:spcPct val="100000"/>
+              </a:lnSpc>
+              <a:buNone/>
+              <a:tabLst>
+                <a:tab algn="l" pos="0"/>
+              </a:tabLst>
+            </a:pPr>
+            <a:r>
+              <a:rPr b="0" lang="en-US" sz="1400" spc="-1" strike="noStrike">
+                <a:solidFill>
+                  <a:srgbClr val="000000"/>
+                </a:solidFill>
+                <a:latin typeface="Times New Roman"/>
+              </a:rPr>
+              <a:t>&lt;footer&gt;</a:t>
+            </a:r>
+            <a:endParaRPr b="0" lang="en-US" sz="1400" spc="-1" strike="noStrike">
+              <a:solidFill>
+                <a:srgbClr val="000000"/>
+              </a:solidFill>
+              <a:latin typeface="Times New Roman"/>
+            </a:endParaRPr>
+          </a:p>
+        </p:txBody>
+      </p:sp>
+      <p:sp>
+        <p:nvSpPr>
+          <p:cNvPr id="44" name="PlaceHolder 4"/>
+          <p:cNvSpPr>
+            <a:spLocks noGrp="1"/>
+          </p:cNvSpPr>
+          <p:nvPr>
+            <p:ph type="sldNum" idx="5"/>
+          </p:nvPr>
+        </p:nvSpPr>
+        <p:spPr>
+          <a:xfrm>
+            <a:off x="7227360" y="5165280"/>
+            <a:ext cx="2347920" cy="390240"/>
+          </a:xfrm>
+          <a:prstGeom prst="rect">
+            <a:avLst/>
+          </a:prstGeom>
+          <a:noFill/>
+          <a:ln w="0">
+            <a:noFill/>
+          </a:ln>
+        </p:spPr>
+        <p:txBody>
+          <a:bodyPr lIns="0" rIns="0" tIns="0" bIns="0" anchor="t">
+            <a:noAutofit/>
+          </a:bodyPr>
+          <a:lstStyle>
+            <a:lvl1pPr indent="0" algn="r">
+              <a:lnSpc>
+                <a:spcPct val="100000"/>
+              </a:lnSpc>
+              <a:buNone/>
+              <a:tabLst>
+                <a:tab algn="l" pos="0"/>
+              </a:tabLst>
+              <a:defRPr b="0" lang="en-US" sz="1400" spc="-1" strike="noStrike">
+                <a:solidFill>
+                  <a:srgbClr val="000000"/>
+                </a:solidFill>
+                <a:latin typeface="Times New Roman"/>
+              </a:defRPr>
+            </a:lvl1pPr>
+          </a:lstStyle>
+          <a:p>
+            <a:pPr indent="0" algn="r">
+              <a:lnSpc>
+                <a:spcPct val="100000"/>
+              </a:lnSpc>
+              <a:buNone/>
+              <a:tabLst>
+                <a:tab algn="l" pos="0"/>
+              </a:tabLst>
+            </a:pPr>
+            <a:fld id="{35FC1FD4-9D4A-4D6F-B876-9293B506A75C}" type="slidenum">
+              <a:rPr b="0" lang="en-US" sz="1400" spc="-1" strike="noStrike">
+                <a:solidFill>
+                  <a:srgbClr val="000000"/>
+                </a:solidFill>
+                <a:latin typeface="Times New Roman"/>
+              </a:rPr>
+              <a:t>&lt;number&gt;</a:t>
+            </a:fld>
+            <a:endParaRPr b="0" lang="en-US" sz="1400" spc="-1" strike="noStrike">
+              <a:solidFill>
+                <a:srgbClr val="000000"/>
+              </a:solidFill>
+              <a:latin typeface="Times New Roman"/>
+            </a:endParaRPr>
+          </a:p>
+        </p:txBody>
+      </p:sp>
+      <p:sp>
+        <p:nvSpPr>
+          <p:cNvPr id="45" name="PlaceHolder 5"/>
+          <p:cNvSpPr>
+            <a:spLocks noGrp="1"/>
+          </p:cNvSpPr>
+          <p:nvPr>
+            <p:ph type="dt" idx="6"/>
+          </p:nvPr>
+        </p:nvSpPr>
+        <p:spPr>
+          <a:xfrm>
+            <a:off x="504000" y="5165280"/>
+            <a:ext cx="2347920" cy="390240"/>
+          </a:xfrm>
+          <a:prstGeom prst="rect">
+            <a:avLst/>
+          </a:prstGeom>
+          <a:noFill/>
+          <a:ln w="0">
+            <a:noFill/>
+          </a:ln>
+        </p:spPr>
+        <p:txBody>
+          <a:bodyPr lIns="0" rIns="0" tIns="0" bIns="0" anchor="t">
+            <a:noAutofit/>
+          </a:bodyPr>
+          <a:lstStyle>
+            <a:lvl1pPr indent="0">
+              <a:buNone/>
+              <a:defRPr b="0" lang="en-US" sz="1400" spc="-1" strike="noStrike">
+                <a:solidFill>
+                  <a:srgbClr val="000000"/>
+                </a:solidFill>
+                <a:latin typeface="Times New Roman"/>
+              </a:defRPr>
+            </a:lvl1pPr>
+          </a:lstStyle>
+          <a:p>
+            <a:pPr indent="0">
+              <a:buNone/>
+            </a:pPr>
+            <a:r>
+              <a:rPr b="0" lang="en-US" sz="1400" spc="-1" strike="noStrike">
+                <a:solidFill>
+                  <a:srgbClr val="000000"/>
+                </a:solidFill>
+                <a:latin typeface="Times New Roman"/>
+              </a:rPr>
+              <a:t>&lt;date/time&gt;</a:t>
+            </a:r>
+            <a:endParaRPr b="0" lang="en-US" sz="1400" spc="-1" strike="noStrike">
+              <a:solidFill>
+                <a:srgbClr val="000000"/>
+              </a:solidFill>
+              <a:latin typeface="Times New Roman"/>
+            </a:endParaRPr>
+          </a:p>
+        </p:txBody>
+      </p:sp>
+    </p:spTree>
+  </p:cSld>
+  <p:clrMap bg1="lt1" bg2="lt2" tx1="dk1" tx2="dk2" accent1="accent1" accent2="accent2" accent3="accent3" accent4="accent4" accent5="accent5" accent6="accent6" hlink="hlink" folHlink="folHlink"/>
+  <p:sldLayoutIdLst>
+    <p:sldLayoutId id="2147483662" r:id="rId2"/>
+    <p:sldLayoutId id="2147483663" r:id="rId3"/>
+    <p:sldLayoutId id="2147483664" r:id="rId4"/>
+    <p:sldLayoutId id="2147483665" r:id="rId5"/>
+    <p:sldLayoutId id="2147483666" r:id="rId6"/>
+    <p:sldLayoutId id="2147483667" r:id="rId7"/>
+    <p:sldLayoutId id="2147483668" r:id="rId8"/>
+    <p:sldLayoutId id="2147483669" r:id="rId9"/>
+    <p:sldLayoutId id="2147483670" r:id="rId10"/>
+    <p:sldLayoutId id="2147483671" r:id="rId11"/>
+    <p:sldLayoutId id="2147483672" r:id="rId12"/>
+    <p:sldLayoutId id="2147483673" r:id="rId13"/>
   </p:sldLayoutIdLst>
 </p:sldMaster>
 </file>
@@ -3030,7 +6083,7 @@
       </p:grpSpPr>
       <p:sp>
         <p:nvSpPr>
-          <p:cNvPr id="41" name="PlaceHolder 1"/>
+          <p:cNvPr id="82" name="PlaceHolder 1"/>
           <p:cNvSpPr>
             <a:spLocks noGrp="1"/>
           </p:cNvSpPr>
@@ -3041,7 +6094,7 @@
         <p:spPr>
           <a:xfrm>
             <a:off x="504000" y="226080"/>
-            <a:ext cx="9071640" cy="946440"/>
+            <a:ext cx="9071280" cy="946080"/>
           </a:xfrm>
           <a:prstGeom prst="rect">
             <a:avLst/>
@@ -3057,7 +6110,13 @@
           </a:bodyPr>
           <a:p>
             <a:pPr indent="0" algn="ctr">
-              <a:buNone/>
+              <a:lnSpc>
+                <a:spcPct val="100000"/>
+              </a:lnSpc>
+              <a:buNone/>
+              <a:tabLst>
+                <a:tab algn="l" pos="0"/>
+              </a:tabLst>
             </a:pPr>
             <a:r>
               <a:rPr b="0" lang="en-US" sz="4400" spc="-1" strike="noStrike">
@@ -3079,7 +6138,7 @@
       </p:sp>
       <p:sp>
         <p:nvSpPr>
-          <p:cNvPr id="42" name="PlaceHolder 2"/>
+          <p:cNvPr id="83" name="PlaceHolder 2"/>
           <p:cNvSpPr>
             <a:spLocks noGrp="1"/>
           </p:cNvSpPr>
@@ -3090,7 +6149,7 @@
         <p:spPr>
           <a:xfrm>
             <a:off x="504000" y="1326600"/>
-            <a:ext cx="9071640" cy="3288240"/>
+            <a:ext cx="9071280" cy="3287880"/>
           </a:xfrm>
           <a:prstGeom prst="rect">
             <a:avLst/>
@@ -3108,6 +6167,141 @@
             <a:pPr indent="0" algn="ctr">
               <a:buNone/>
             </a:pPr>
+            <a:endParaRPr b="0" lang="en-US" sz="1800" spc="-1" strike="noStrike">
+              <a:solidFill>
+                <a:srgbClr val="000000"/>
+              </a:solidFill>
+              <a:latin typeface="Arial"/>
+            </a:endParaRPr>
+          </a:p>
+        </p:txBody>
+      </p:sp>
+    </p:spTree>
+  </p:cSld>
+  <mc:AlternateContent>
+    <mc:Choice Requires="p14">
+      <p:transition spd="slow" p14:dur="2000"/>
+    </mc:Choice>
+    <mc:Fallback>
+      <p:transition spd="slow"/>
+    </mc:Fallback>
+  </mc:AlternateContent>
+</p:sld>
+</file>
+
+<file path=ppt/slides/slide10.xml><?xml version="1.0" encoding="utf-8"?>
+<p:sld xmlns:a="http://schemas.openxmlformats.org/drawingml/2006/main" xmlns:p="http://schemas.openxmlformats.org/presentationml/2006/main" xmlns:r="http://schemas.openxmlformats.org/officeDocument/2006/relationships" xmlns:p14="http://schemas.microsoft.com/office/powerpoint/2010/main" xmlns:p15="http://schemas.microsoft.com/office/powerpoint/2012/main" xmlns:mc="http://schemas.openxmlformats.org/markup-compatibility/2006">
+  <p:cSld>
+    <p:spTree>
+      <p:nvGrpSpPr>
+        <p:cNvPr id="1" name=""/>
+        <p:cNvGrpSpPr/>
+        <p:nvPr/>
+      </p:nvGrpSpPr>
+      <p:grpSpPr>
+        <a:xfrm>
+          <a:off x="0" y="0"/>
+          <a:ext cx="0" cy="0"/>
+          <a:chOff x="0" y="0"/>
+          <a:chExt cx="0" cy="0"/>
+        </a:xfrm>
+      </p:grpSpPr>
+      <p:sp>
+        <p:nvSpPr>
+          <p:cNvPr id="104" name="PlaceHolder 1"/>
+          <p:cNvSpPr>
+            <a:spLocks noGrp="1"/>
+          </p:cNvSpPr>
+          <p:nvPr>
+            <p:ph type="title"/>
+          </p:nvPr>
+        </p:nvSpPr>
+        <p:spPr>
+          <a:xfrm>
+            <a:off x="504000" y="226080"/>
+            <a:ext cx="9071280" cy="946080"/>
+          </a:xfrm>
+          <a:prstGeom prst="rect">
+            <a:avLst/>
+          </a:prstGeom>
+          <a:noFill/>
+          <a:ln w="0">
+            <a:noFill/>
+          </a:ln>
+        </p:spPr>
+        <p:txBody>
+          <a:bodyPr lIns="0" rIns="0" tIns="0" bIns="0" anchor="ctr">
+            <a:noAutofit/>
+          </a:bodyPr>
+          <a:p>
+            <a:pPr indent="0" algn="ctr">
+              <a:buNone/>
+            </a:pPr>
+            <a:r>
+              <a:rPr b="0" lang="en-US" sz="4400" spc="-1" strike="noStrike">
+                <a:solidFill>
+                  <a:srgbClr val="000000"/>
+                </a:solidFill>
+                <a:latin typeface="Arial"/>
+              </a:rPr>
+              <a:t>Základná audio manipulácia</a:t>
+            </a:r>
+            <a:endParaRPr b="0" lang="en-US" sz="4400" spc="-1" strike="noStrike">
+              <a:solidFill>
+                <a:srgbClr val="000000"/>
+              </a:solidFill>
+              <a:latin typeface="Arial"/>
+            </a:endParaRPr>
+          </a:p>
+        </p:txBody>
+      </p:sp>
+      <p:sp>
+        <p:nvSpPr>
+          <p:cNvPr id="105" name="PlaceHolder 6"/>
+          <p:cNvSpPr txBox="1"/>
+          <p:nvPr/>
+        </p:nvSpPr>
+        <p:spPr>
+          <a:xfrm>
+            <a:off x="504000" y="1327320"/>
+            <a:ext cx="9071280" cy="3287880"/>
+          </a:xfrm>
+          <a:prstGeom prst="rect">
+            <a:avLst/>
+          </a:prstGeom>
+          <a:noFill/>
+          <a:ln w="0">
+            <a:noFill/>
+          </a:ln>
+        </p:spPr>
+        <p:txBody>
+          <a:bodyPr lIns="0" rIns="0" tIns="0" bIns="0" anchor="t">
+            <a:normAutofit/>
+          </a:bodyPr>
+          <a:p>
+            <a:pPr marL="432000" indent="-324000">
+              <a:lnSpc>
+                <a:spcPct val="100000"/>
+              </a:lnSpc>
+              <a:spcBef>
+                <a:spcPts val="1417"/>
+              </a:spcBef>
+              <a:buClr>
+                <a:srgbClr val="000000"/>
+              </a:buClr>
+              <a:buSzPct val="45000"/>
+              <a:buFont typeface="Wingdings" charset="2"/>
+              <a:buChar char=""/>
+            </a:pPr>
+            <a:r>
+              <a:rPr b="0" lang="en-US" sz="3200" spc="-1" strike="noStrike">
+                <a:solidFill>
+                  <a:srgbClr val="000000"/>
+                </a:solidFill>
+                <a:latin typeface="Arial"/>
+              </a:rPr>
+              <a:t>Parselmouth</a:t>
+            </a:r>
             <a:endParaRPr b="0" lang="en-US" sz="3200" spc="-1" strike="noStrike">
               <a:solidFill>
                 <a:srgbClr val="000000"/>
@@ -3117,6 +6311,29 @@
           </a:p>
         </p:txBody>
       </p:sp>
+      <p:pic>
+        <p:nvPicPr>
+          <p:cNvPr id="106" name="" descr=""/>
+          <p:cNvPicPr/>
+          <p:nvPr/>
+        </p:nvPicPr>
+        <p:blipFill>
+          <a:blip r:embed="rId1"/>
+          <a:stretch/>
+        </p:blipFill>
+        <p:spPr>
+          <a:xfrm>
+            <a:off x="0" y="2199960"/>
+            <a:ext cx="10080720" cy="1283760"/>
+          </a:xfrm>
+          <a:prstGeom prst="rect">
+            <a:avLst/>
+          </a:prstGeom>
+          <a:ln w="0">
+            <a:noFill/>
+          </a:ln>
+        </p:spPr>
+      </p:pic>
     </p:spTree>
   </p:cSld>
   <mc:AlternateContent>
@@ -3149,7 +6366,7 @@
       </p:grpSpPr>
       <p:sp>
         <p:nvSpPr>
-          <p:cNvPr id="43" name="PlaceHolder 1"/>
+          <p:cNvPr id="84" name="PlaceHolder 1"/>
           <p:cNvSpPr>
             <a:spLocks noGrp="1"/>
           </p:cNvSpPr>
@@ -3160,7 +6377,7 @@
         <p:spPr>
           <a:xfrm>
             <a:off x="504000" y="226080"/>
-            <a:ext cx="9071640" cy="946440"/>
+            <a:ext cx="9071280" cy="946080"/>
           </a:xfrm>
           <a:prstGeom prst="rect">
             <a:avLst/>
@@ -3176,7 +6393,13 @@
           </a:bodyPr>
           <a:p>
             <a:pPr indent="0" algn="ctr">
-              <a:buNone/>
+              <a:lnSpc>
+                <a:spcPct val="100000"/>
+              </a:lnSpc>
+              <a:buNone/>
+              <a:tabLst>
+                <a:tab algn="l" pos="0"/>
+              </a:tabLst>
             </a:pPr>
             <a:r>
               <a:rPr b="0" lang="en-US" sz="4400" spc="-1" strike="noStrike">
@@ -3198,7 +6421,7 @@
       </p:sp>
       <p:sp>
         <p:nvSpPr>
-          <p:cNvPr id="44" name="PlaceHolder 2"/>
+          <p:cNvPr id="85" name="PlaceHolder 2"/>
           <p:cNvSpPr>
             <a:spLocks noGrp="1"/>
           </p:cNvSpPr>
@@ -3209,7 +6432,7 @@
         <p:spPr>
           <a:xfrm>
             <a:off x="504000" y="1326600"/>
-            <a:ext cx="9071640" cy="3288240"/>
+            <a:ext cx="9071280" cy="3287880"/>
           </a:xfrm>
           <a:prstGeom prst="rect">
             <a:avLst/>
@@ -3221,10 +6444,13 @@
         </p:spPr>
         <p:txBody>
           <a:bodyPr lIns="0" rIns="0" tIns="0" bIns="0" anchor="t">
-            <a:normAutofit fontScale="86000"/>
-          </a:bodyPr>
-          <a:p>
-            <a:pPr marL="371520" indent="-278640">
+            <a:normAutofit fontScale="82000"/>
+          </a:bodyPr>
+          <a:p>
+            <a:pPr marL="354240" indent="-265680">
+              <a:lnSpc>
+                <a:spcPct val="100000"/>
+              </a:lnSpc>
               <a:spcBef>
                 <a:spcPts val="1417"/>
               </a:spcBef>
@@ -3252,7 +6478,10 @@
             </a:endParaRPr>
           </a:p>
           <a:p>
-            <a:pPr lvl="1" marL="743040" indent="-278640">
+            <a:pPr lvl="1" marL="708480" indent="-265680">
+              <a:lnSpc>
+                <a:spcPct val="100000"/>
+              </a:lnSpc>
               <a:spcBef>
                 <a:spcPts val="1134"/>
               </a:spcBef>
@@ -3260,7 +6489,7 @@
                 <a:srgbClr val="000000"/>
               </a:buClr>
               <a:buSzPct val="75000"/>
-              <a:buFont typeface="Symbol" charset="2"/>
+              <a:buFont typeface="Symbol"/>
               <a:buChar char=""/>
             </a:pPr>
             <a:r>
@@ -3280,7 +6509,10 @@
             </a:endParaRPr>
           </a:p>
           <a:p>
-            <a:pPr lvl="1" marL="743040" indent="-278640">
+            <a:pPr lvl="1" marL="708480" indent="-265680">
+              <a:lnSpc>
+                <a:spcPct val="100000"/>
+              </a:lnSpc>
               <a:spcBef>
                 <a:spcPts val="1134"/>
               </a:spcBef>
@@ -3288,7 +6520,7 @@
                 <a:srgbClr val="000000"/>
               </a:buClr>
               <a:buSzPct val="75000"/>
-              <a:buFont typeface="Symbol" charset="2"/>
+              <a:buFont typeface="Symbol"/>
               <a:buChar char=""/>
             </a:pPr>
             <a:r>
@@ -3308,7 +6540,10 @@
             </a:endParaRPr>
           </a:p>
           <a:p>
-            <a:pPr lvl="1" marL="743040" indent="-278640">
+            <a:pPr lvl="1" marL="708480" indent="-265680">
+              <a:lnSpc>
+                <a:spcPct val="100000"/>
+              </a:lnSpc>
               <a:spcBef>
                 <a:spcPts val="1134"/>
               </a:spcBef>
@@ -3316,7 +6551,7 @@
                 <a:srgbClr val="000000"/>
               </a:buClr>
               <a:buSzPct val="75000"/>
-              <a:buFont typeface="Symbol" charset="2"/>
+              <a:buFont typeface="Symbol"/>
               <a:buChar char=""/>
             </a:pPr>
             <a:r>
@@ -3336,7 +6571,10 @@
             </a:endParaRPr>
           </a:p>
           <a:p>
-            <a:pPr marL="371520" indent="-278640">
+            <a:pPr marL="354240" indent="-265680">
+              <a:lnSpc>
+                <a:spcPct val="100000"/>
+              </a:lnSpc>
               <a:spcBef>
                 <a:spcPts val="1417"/>
               </a:spcBef>
@@ -3364,7 +6602,10 @@
             </a:endParaRPr>
           </a:p>
           <a:p>
-            <a:pPr lvl="1" marL="743040" indent="-278640">
+            <a:pPr lvl="1" marL="708480" indent="-265680">
+              <a:lnSpc>
+                <a:spcPct val="100000"/>
+              </a:lnSpc>
               <a:spcBef>
                 <a:spcPts val="1134"/>
               </a:spcBef>
@@ -3372,7 +6613,7 @@
                 <a:srgbClr val="000000"/>
               </a:buClr>
               <a:buSzPct val="75000"/>
-              <a:buFont typeface="Symbol" charset="2"/>
+              <a:buFont typeface="Symbol"/>
               <a:buChar char=""/>
             </a:pPr>
             <a:r>
@@ -3392,7 +6633,10 @@
             </a:endParaRPr>
           </a:p>
           <a:p>
-            <a:pPr lvl="1" marL="743040" indent="-278640">
+            <a:pPr lvl="1" marL="708480" indent="-265680">
+              <a:lnSpc>
+                <a:spcPct val="100000"/>
+              </a:lnSpc>
               <a:spcBef>
                 <a:spcPts val="1134"/>
               </a:spcBef>
@@ -3400,7 +6644,7 @@
                 <a:srgbClr val="000000"/>
               </a:buClr>
               <a:buSzPct val="75000"/>
-              <a:buFont typeface="Symbol" charset="2"/>
+              <a:buFont typeface="Symbol"/>
               <a:buChar char=""/>
             </a:pPr>
             <a:r>
@@ -3453,7 +6697,7 @@
       </p:grpSpPr>
       <p:sp>
         <p:nvSpPr>
-          <p:cNvPr id="45" name="PlaceHolder 1"/>
+          <p:cNvPr id="86" name="PlaceHolder 1"/>
           <p:cNvSpPr>
             <a:spLocks noGrp="1"/>
           </p:cNvSpPr>
@@ -3464,7 +6708,7 @@
         <p:spPr>
           <a:xfrm>
             <a:off x="504000" y="226080"/>
-            <a:ext cx="9071640" cy="946440"/>
+            <a:ext cx="9071280" cy="946080"/>
           </a:xfrm>
           <a:prstGeom prst="rect">
             <a:avLst/>
@@ -3480,7 +6724,13 @@
           </a:bodyPr>
           <a:p>
             <a:pPr indent="0" algn="ctr">
-              <a:buNone/>
+              <a:lnSpc>
+                <a:spcPct val="100000"/>
+              </a:lnSpc>
+              <a:buNone/>
+              <a:tabLst>
+                <a:tab algn="l" pos="0"/>
+              </a:tabLst>
             </a:pPr>
             <a:r>
               <a:rPr b="0" lang="en-US" sz="4400" spc="-1" strike="noStrike">
@@ -3500,9 +6750,392 @@
           </a:p>
         </p:txBody>
       </p:sp>
+      <p:sp>
+        <p:nvSpPr>
+          <p:cNvPr id="87" name="PlaceHolder 3"/>
+          <p:cNvSpPr txBox="1"/>
+          <p:nvPr/>
+        </p:nvSpPr>
+        <p:spPr>
+          <a:xfrm>
+            <a:off x="504000" y="1326960"/>
+            <a:ext cx="9071280" cy="3287880"/>
+          </a:xfrm>
+          <a:prstGeom prst="rect">
+            <a:avLst/>
+          </a:prstGeom>
+          <a:noFill/>
+          <a:ln w="0">
+            <a:noFill/>
+          </a:ln>
+        </p:spPr>
+        <p:txBody>
+          <a:bodyPr lIns="0" rIns="0" tIns="0" bIns="0" anchor="t">
+            <a:normAutofit/>
+          </a:bodyPr>
+          <a:p>
+            <a:pPr marL="432000" indent="-324000">
+              <a:lnSpc>
+                <a:spcPct val="100000"/>
+              </a:lnSpc>
+              <a:spcBef>
+                <a:spcPts val="1417"/>
+              </a:spcBef>
+              <a:buClr>
+                <a:srgbClr val="000000"/>
+              </a:buClr>
+              <a:buSzPct val="45000"/>
+              <a:buFont typeface="Wingdings" charset="2"/>
+              <a:buChar char=""/>
+            </a:pPr>
+            <a:r>
+              <a:rPr b="0" lang="en-US" sz="3200" spc="-1" strike="noStrike">
+                <a:solidFill>
+                  <a:srgbClr val="000000"/>
+                </a:solidFill>
+                <a:latin typeface="Arial"/>
+              </a:rPr>
+              <a:t>Argumenty (argparse + sys)</a:t>
+            </a:r>
+            <a:endParaRPr b="0" lang="en-US" sz="3200" spc="-1" strike="noStrike">
+              <a:solidFill>
+                <a:srgbClr val="000000"/>
+              </a:solidFill>
+              <a:latin typeface="Arial"/>
+            </a:endParaRPr>
+          </a:p>
+          <a:p>
+            <a:pPr marL="432000" indent="-324000">
+              <a:lnSpc>
+                <a:spcPct val="100000"/>
+              </a:lnSpc>
+              <a:spcBef>
+                <a:spcPts val="1417"/>
+              </a:spcBef>
+              <a:buClr>
+                <a:srgbClr val="000000"/>
+              </a:buClr>
+              <a:buSzPct val="45000"/>
+              <a:buFont typeface="Wingdings" charset="2"/>
+              <a:buChar char=""/>
+            </a:pPr>
+            <a:r>
+              <a:rPr b="0" lang="en-US" sz="3200" spc="-1" strike="noStrike">
+                <a:solidFill>
+                  <a:srgbClr val="000000"/>
+                </a:solidFill>
+                <a:latin typeface="Arial"/>
+              </a:rPr>
+              <a:t>Práca na súbore (soundfile)</a:t>
+            </a:r>
+            <a:endParaRPr b="0" lang="en-US" sz="3200" spc="-1" strike="noStrike">
+              <a:solidFill>
+                <a:srgbClr val="000000"/>
+              </a:solidFill>
+              <a:latin typeface="Arial"/>
+            </a:endParaRPr>
+          </a:p>
+          <a:p>
+            <a:pPr marL="432000" indent="-324000">
+              <a:lnSpc>
+                <a:spcPct val="100000"/>
+              </a:lnSpc>
+              <a:spcBef>
+                <a:spcPts val="1417"/>
+              </a:spcBef>
+              <a:buClr>
+                <a:srgbClr val="000000"/>
+              </a:buClr>
+              <a:buSzPct val="45000"/>
+              <a:buFont typeface="Wingdings" charset="2"/>
+              <a:buChar char=""/>
+            </a:pPr>
+            <a:r>
+              <a:rPr b="0" lang="en-US" sz="3200" spc="-1" strike="noStrike">
+                <a:solidFill>
+                  <a:srgbClr val="000000"/>
+                </a:solidFill>
+                <a:latin typeface="Arial"/>
+              </a:rPr>
+              <a:t>Vizualizácia výsledku (matplotlib (qt5))</a:t>
+            </a:r>
+            <a:endParaRPr b="0" lang="en-US" sz="3200" spc="-1" strike="noStrike">
+              <a:solidFill>
+                <a:srgbClr val="000000"/>
+              </a:solidFill>
+              <a:latin typeface="Arial"/>
+            </a:endParaRPr>
+          </a:p>
+          <a:p>
+            <a:pPr marL="432000" indent="-324000">
+              <a:lnSpc>
+                <a:spcPct val="100000"/>
+              </a:lnSpc>
+              <a:spcBef>
+                <a:spcPts val="1417"/>
+              </a:spcBef>
+              <a:buClr>
+                <a:srgbClr val="000000"/>
+              </a:buClr>
+              <a:buSzPct val="45000"/>
+              <a:buFont typeface="Wingdings" charset="2"/>
+              <a:buChar char=""/>
+            </a:pPr>
+            <a:r>
+              <a:rPr b="0" lang="en-US" sz="3200" spc="-1" strike="noStrike">
+                <a:solidFill>
+                  <a:srgbClr val="000000"/>
+                </a:solidFill>
+                <a:latin typeface="Arial"/>
+              </a:rPr>
+              <a:t>Výpis výsledku </a:t>
+            </a:r>
+            <a:endParaRPr b="0" lang="en-US" sz="3200" spc="-1" strike="noStrike">
+              <a:solidFill>
+                <a:srgbClr val="000000"/>
+              </a:solidFill>
+              <a:latin typeface="Arial"/>
+            </a:endParaRPr>
+          </a:p>
+        </p:txBody>
+      </p:sp>
+    </p:spTree>
+  </p:cSld>
+  <mc:AlternateContent>
+    <mc:Choice Requires="p14">
+      <p:transition spd="slow" p14:dur="2000"/>
+    </mc:Choice>
+    <mc:Fallback>
+      <p:transition spd="slow"/>
+    </mc:Fallback>
+  </mc:AlternateContent>
+</p:sld>
+</file>
+
+<file path=ppt/slides/slide4.xml><?xml version="1.0" encoding="utf-8"?>
+<p:sld xmlns:a="http://schemas.openxmlformats.org/drawingml/2006/main" xmlns:p="http://schemas.openxmlformats.org/presentationml/2006/main" xmlns:r="http://schemas.openxmlformats.org/officeDocument/2006/relationships" xmlns:p14="http://schemas.microsoft.com/office/powerpoint/2010/main" xmlns:p15="http://schemas.microsoft.com/office/powerpoint/2012/main" xmlns:mc="http://schemas.openxmlformats.org/markup-compatibility/2006">
+  <p:cSld>
+    <p:spTree>
+      <p:nvGrpSpPr>
+        <p:cNvPr id="1" name=""/>
+        <p:cNvGrpSpPr/>
+        <p:nvPr/>
+      </p:nvGrpSpPr>
+      <p:grpSpPr>
+        <a:xfrm>
+          <a:off x="0" y="0"/>
+          <a:ext cx="0" cy="0"/>
+          <a:chOff x="0" y="0"/>
+          <a:chExt cx="0" cy="0"/>
+        </a:xfrm>
+      </p:grpSpPr>
+      <p:sp>
+        <p:nvSpPr>
+          <p:cNvPr id="88" name="PlaceHolder 1"/>
+          <p:cNvSpPr>
+            <a:spLocks noGrp="1"/>
+          </p:cNvSpPr>
+          <p:nvPr>
+            <p:ph type="title"/>
+          </p:nvPr>
+        </p:nvSpPr>
+        <p:spPr>
+          <a:xfrm>
+            <a:off x="504000" y="226080"/>
+            <a:ext cx="9071280" cy="946080"/>
+          </a:xfrm>
+          <a:prstGeom prst="rect">
+            <a:avLst/>
+          </a:prstGeom>
+          <a:noFill/>
+          <a:ln w="0">
+            <a:noFill/>
+          </a:ln>
+        </p:spPr>
+        <p:txBody>
+          <a:bodyPr lIns="0" rIns="0" tIns="0" bIns="0" anchor="ctr">
+            <a:noAutofit/>
+          </a:bodyPr>
+          <a:p>
+            <a:pPr indent="0" algn="ctr">
+              <a:lnSpc>
+                <a:spcPct val="100000"/>
+              </a:lnSpc>
+              <a:buNone/>
+              <a:tabLst>
+                <a:tab algn="l" pos="0"/>
+              </a:tabLst>
+            </a:pPr>
+            <a:r>
+              <a:rPr b="0" lang="en-US" sz="4400" spc="-1" strike="noStrike">
+                <a:solidFill>
+                  <a:srgbClr val="000000"/>
+                </a:solidFill>
+                <a:latin typeface="Arial"/>
+              </a:rPr>
+              <a:t>Použitie</a:t>
+            </a:r>
+            <a:endParaRPr b="0" lang="en-US" sz="4400" spc="-1" strike="noStrike">
+              <a:solidFill>
+                <a:srgbClr val="000000"/>
+              </a:solidFill>
+              <a:latin typeface="Arial"/>
+            </a:endParaRPr>
+          </a:p>
+        </p:txBody>
+      </p:sp>
+      <p:sp>
+        <p:nvSpPr>
+          <p:cNvPr id="89" name="PlaceHolder 8"/>
+          <p:cNvSpPr txBox="1"/>
+          <p:nvPr/>
+        </p:nvSpPr>
+        <p:spPr>
+          <a:xfrm>
+            <a:off x="504000" y="1326960"/>
+            <a:ext cx="9071280" cy="3287880"/>
+          </a:xfrm>
+          <a:prstGeom prst="rect">
+            <a:avLst/>
+          </a:prstGeom>
+          <a:noFill/>
+          <a:ln w="0">
+            <a:noFill/>
+          </a:ln>
+        </p:spPr>
+        <p:txBody>
+          <a:bodyPr lIns="0" rIns="0" tIns="0" bIns="0" anchor="t">
+            <a:normAutofit/>
+          </a:bodyPr>
+          <a:p>
+            <a:pPr marL="432000" indent="-324000">
+              <a:lnSpc>
+                <a:spcPct val="100000"/>
+              </a:lnSpc>
+              <a:spcBef>
+                <a:spcPts val="1417"/>
+              </a:spcBef>
+              <a:buClr>
+                <a:srgbClr val="000000"/>
+              </a:buClr>
+              <a:buSzPct val="45000"/>
+              <a:buFont typeface="Wingdings" charset="2"/>
+              <a:buChar char=""/>
+            </a:pPr>
+            <a:r>
+              <a:rPr b="0" lang="en-US" sz="3200" spc="-1" strike="noStrike">
+                <a:solidFill>
+                  <a:srgbClr val="000000"/>
+                </a:solidFill>
+                <a:latin typeface="Arial"/>
+              </a:rPr>
+              <a:t>Argumenty (argparse + sys)</a:t>
+            </a:r>
+            <a:endParaRPr b="0" lang="en-US" sz="3200" spc="-1" strike="noStrike">
+              <a:solidFill>
+                <a:srgbClr val="000000"/>
+              </a:solidFill>
+              <a:latin typeface="Arial"/>
+            </a:endParaRPr>
+          </a:p>
+          <a:p>
+            <a:pPr marL="432000" indent="-324000">
+              <a:lnSpc>
+                <a:spcPct val="100000"/>
+              </a:lnSpc>
+              <a:spcBef>
+                <a:spcPts val="1417"/>
+              </a:spcBef>
+              <a:buClr>
+                <a:srgbClr val="000000"/>
+              </a:buClr>
+              <a:buSzPct val="45000"/>
+              <a:buFont typeface="Wingdings" charset="2"/>
+              <a:buChar char=""/>
+            </a:pPr>
+            <a:r>
+              <a:rPr b="0" lang="en-US" sz="3200" spc="-1" strike="noStrike">
+                <a:solidFill>
+                  <a:srgbClr val="000000"/>
+                </a:solidFill>
+                <a:latin typeface="Arial"/>
+              </a:rPr>
+              <a:t>Práca na súbore (soundfile)</a:t>
+            </a:r>
+            <a:endParaRPr b="0" lang="en-US" sz="3200" spc="-1" strike="noStrike">
+              <a:solidFill>
+                <a:srgbClr val="000000"/>
+              </a:solidFill>
+              <a:latin typeface="Arial"/>
+            </a:endParaRPr>
+          </a:p>
+          <a:p>
+            <a:pPr marL="432000" indent="-324000">
+              <a:lnSpc>
+                <a:spcPct val="100000"/>
+              </a:lnSpc>
+              <a:spcBef>
+                <a:spcPts val="1417"/>
+              </a:spcBef>
+              <a:buClr>
+                <a:srgbClr val="000000"/>
+              </a:buClr>
+              <a:buSzPct val="45000"/>
+              <a:buFont typeface="Wingdings" charset="2"/>
+              <a:buChar char=""/>
+            </a:pPr>
+            <a:r>
+              <a:rPr b="0" lang="en-US" sz="3200" spc="-1" strike="noStrike">
+                <a:solidFill>
+                  <a:srgbClr val="000000"/>
+                </a:solidFill>
+                <a:latin typeface="Arial"/>
+              </a:rPr>
+              <a:t>Vizualizácia výsledku (matplotlib (qt5))</a:t>
+            </a:r>
+            <a:endParaRPr b="0" lang="en-US" sz="3200" spc="-1" strike="noStrike">
+              <a:solidFill>
+                <a:srgbClr val="000000"/>
+              </a:solidFill>
+              <a:latin typeface="Arial"/>
+            </a:endParaRPr>
+          </a:p>
+          <a:p>
+            <a:pPr marL="432000" indent="-324000">
+              <a:lnSpc>
+                <a:spcPct val="100000"/>
+              </a:lnSpc>
+              <a:spcBef>
+                <a:spcPts val="1417"/>
+              </a:spcBef>
+              <a:buClr>
+                <a:srgbClr val="000000"/>
+              </a:buClr>
+              <a:buSzPct val="45000"/>
+              <a:buFont typeface="Wingdings" charset="2"/>
+              <a:buChar char=""/>
+            </a:pPr>
+            <a:r>
+              <a:rPr b="0" lang="en-US" sz="3200" spc="-1" strike="noStrike">
+                <a:solidFill>
+                  <a:srgbClr val="000000"/>
+                </a:solidFill>
+                <a:latin typeface="Arial"/>
+              </a:rPr>
+              <a:t>Výpis výsledku do stdout</a:t>
+            </a:r>
+            <a:endParaRPr b="0" lang="en-US" sz="3200" spc="-1" strike="noStrike">
+              <a:solidFill>
+                <a:srgbClr val="000000"/>
+              </a:solidFill>
+              <a:latin typeface="Arial"/>
+            </a:endParaRPr>
+          </a:p>
+        </p:txBody>
+      </p:sp>
       <p:pic>
         <p:nvPicPr>
-          <p:cNvPr id="46" name="" descr=""/>
+          <p:cNvPr id="90" name="" descr=""/>
           <p:cNvPicPr/>
           <p:nvPr/>
         </p:nvPicPr>
@@ -3512,8 +7145,938 @@
         </p:blipFill>
         <p:spPr>
           <a:xfrm>
-            <a:off x="707400" y="1172520"/>
-            <a:ext cx="8665200" cy="3702600"/>
+            <a:off x="1671840" y="2700000"/>
+            <a:ext cx="8408880" cy="2970720"/>
+          </a:xfrm>
+          <a:prstGeom prst="rect">
+            <a:avLst/>
+          </a:prstGeom>
+          <a:ln w="0">
+            <a:noFill/>
+          </a:ln>
+        </p:spPr>
+      </p:pic>
+    </p:spTree>
+  </p:cSld>
+  <mc:AlternateContent>
+    <mc:Choice Requires="p14">
+      <p:transition spd="slow" p14:dur="2000"/>
+    </mc:Choice>
+    <mc:Fallback>
+      <p:transition spd="slow"/>
+    </mc:Fallback>
+  </mc:AlternateContent>
+</p:sld>
+</file>
+
+<file path=ppt/slides/slide5.xml><?xml version="1.0" encoding="utf-8"?>
+<p:sld xmlns:a="http://schemas.openxmlformats.org/drawingml/2006/main" xmlns:p="http://schemas.openxmlformats.org/presentationml/2006/main" xmlns:r="http://schemas.openxmlformats.org/officeDocument/2006/relationships" xmlns:p14="http://schemas.microsoft.com/office/powerpoint/2010/main" xmlns:p15="http://schemas.microsoft.com/office/powerpoint/2012/main" xmlns:mc="http://schemas.openxmlformats.org/markup-compatibility/2006">
+  <p:cSld>
+    <p:spTree>
+      <p:nvGrpSpPr>
+        <p:cNvPr id="1" name=""/>
+        <p:cNvGrpSpPr/>
+        <p:nvPr/>
+      </p:nvGrpSpPr>
+      <p:grpSpPr>
+        <a:xfrm>
+          <a:off x="0" y="0"/>
+          <a:ext cx="0" cy="0"/>
+          <a:chOff x="0" y="0"/>
+          <a:chExt cx="0" cy="0"/>
+        </a:xfrm>
+      </p:grpSpPr>
+      <p:sp>
+        <p:nvSpPr>
+          <p:cNvPr id="91" name="PlaceHolder 1"/>
+          <p:cNvSpPr>
+            <a:spLocks noGrp="1"/>
+          </p:cNvSpPr>
+          <p:nvPr>
+            <p:ph type="title"/>
+          </p:nvPr>
+        </p:nvSpPr>
+        <p:spPr>
+          <a:xfrm>
+            <a:off x="504000" y="226080"/>
+            <a:ext cx="9071280" cy="946080"/>
+          </a:xfrm>
+          <a:prstGeom prst="rect">
+            <a:avLst/>
+          </a:prstGeom>
+          <a:noFill/>
+          <a:ln w="0">
+            <a:noFill/>
+          </a:ln>
+        </p:spPr>
+        <p:txBody>
+          <a:bodyPr lIns="0" rIns="0" tIns="0" bIns="0" anchor="ctr">
+            <a:noAutofit/>
+          </a:bodyPr>
+          <a:p>
+            <a:pPr indent="0" algn="ctr">
+              <a:buNone/>
+            </a:pPr>
+            <a:r>
+              <a:rPr b="0" lang="en-US" sz="4400" spc="-1" strike="noStrike">
+                <a:solidFill>
+                  <a:srgbClr val="000000"/>
+                </a:solidFill>
+                <a:latin typeface="Arial"/>
+              </a:rPr>
+              <a:t>Extrakcia akustických vlastností</a:t>
+            </a:r>
+            <a:endParaRPr b="0" lang="en-US" sz="4400" spc="-1" strike="noStrike">
+              <a:solidFill>
+                <a:srgbClr val="000000"/>
+              </a:solidFill>
+              <a:latin typeface="Arial"/>
+            </a:endParaRPr>
+          </a:p>
+        </p:txBody>
+      </p:sp>
+      <p:sp>
+        <p:nvSpPr>
+          <p:cNvPr id="92" name="PlaceHolder 4"/>
+          <p:cNvSpPr txBox="1"/>
+          <p:nvPr/>
+        </p:nvSpPr>
+        <p:spPr>
+          <a:xfrm>
+            <a:off x="504000" y="1327320"/>
+            <a:ext cx="9071280" cy="3287880"/>
+          </a:xfrm>
+          <a:prstGeom prst="rect">
+            <a:avLst/>
+          </a:prstGeom>
+          <a:noFill/>
+          <a:ln w="0">
+            <a:noFill/>
+          </a:ln>
+        </p:spPr>
+        <p:txBody>
+          <a:bodyPr lIns="0" rIns="0" tIns="0" bIns="0" anchor="t">
+            <a:normAutofit/>
+          </a:bodyPr>
+          <a:p>
+            <a:pPr marL="432000" indent="-324000">
+              <a:lnSpc>
+                <a:spcPct val="100000"/>
+              </a:lnSpc>
+              <a:spcBef>
+                <a:spcPts val="1417"/>
+              </a:spcBef>
+              <a:buClr>
+                <a:srgbClr val="000000"/>
+              </a:buClr>
+              <a:buSzPct val="45000"/>
+              <a:buFont typeface="Wingdings" charset="2"/>
+              <a:buChar char=""/>
+            </a:pPr>
+            <a:r>
+              <a:rPr b="0" lang="en-US" sz="3200" spc="-1" strike="noStrike">
+                <a:solidFill>
+                  <a:srgbClr val="000000"/>
+                </a:solidFill>
+                <a:latin typeface="Arial"/>
+              </a:rPr>
+              <a:t>Parselmouth calls</a:t>
+            </a:r>
+            <a:endParaRPr b="0" lang="en-US" sz="3200" spc="-1" strike="noStrike">
+              <a:solidFill>
+                <a:srgbClr val="000000"/>
+              </a:solidFill>
+              <a:latin typeface="Arial"/>
+            </a:endParaRPr>
+          </a:p>
+          <a:p>
+            <a:pPr marL="432000" indent="-324000">
+              <a:lnSpc>
+                <a:spcPct val="100000"/>
+              </a:lnSpc>
+              <a:spcBef>
+                <a:spcPts val="1417"/>
+              </a:spcBef>
+              <a:buClr>
+                <a:srgbClr val="000000"/>
+              </a:buClr>
+              <a:buSzPct val="45000"/>
+              <a:buFont typeface="Wingdings" charset="2"/>
+              <a:buChar char=""/>
+            </a:pPr>
+            <a:r>
+              <a:rPr b="0" lang="en-US" sz="3200" spc="-1" strike="noStrike">
+                <a:solidFill>
+                  <a:srgbClr val="000000"/>
+                </a:solidFill>
+                <a:latin typeface="Arial"/>
+              </a:rPr>
+              <a:t>Parselmouth sound</a:t>
+            </a:r>
+            <a:endParaRPr b="0" lang="en-US" sz="3200" spc="-1" strike="noStrike">
+              <a:solidFill>
+                <a:srgbClr val="000000"/>
+              </a:solidFill>
+              <a:latin typeface="Arial"/>
+            </a:endParaRPr>
+          </a:p>
+        </p:txBody>
+      </p:sp>
+    </p:spTree>
+  </p:cSld>
+  <mc:AlternateContent>
+    <mc:Choice Requires="p14">
+      <p:transition spd="slow" p14:dur="2000"/>
+    </mc:Choice>
+    <mc:Fallback>
+      <p:transition spd="slow"/>
+    </mc:Fallback>
+  </mc:AlternateContent>
+</p:sld>
+</file>
+
+<file path=ppt/slides/slide6.xml><?xml version="1.0" encoding="utf-8"?>
+<p:sld xmlns:a="http://schemas.openxmlformats.org/drawingml/2006/main" xmlns:p="http://schemas.openxmlformats.org/presentationml/2006/main" xmlns:r="http://schemas.openxmlformats.org/officeDocument/2006/relationships" xmlns:p14="http://schemas.microsoft.com/office/powerpoint/2010/main" xmlns:p15="http://schemas.microsoft.com/office/powerpoint/2012/main" xmlns:mc="http://schemas.openxmlformats.org/markup-compatibility/2006">
+  <p:cSld>
+    <p:spTree>
+      <p:nvGrpSpPr>
+        <p:cNvPr id="1" name=""/>
+        <p:cNvGrpSpPr/>
+        <p:nvPr/>
+      </p:nvGrpSpPr>
+      <p:grpSpPr>
+        <a:xfrm>
+          <a:off x="0" y="0"/>
+          <a:ext cx="0" cy="0"/>
+          <a:chOff x="0" y="0"/>
+          <a:chExt cx="0" cy="0"/>
+        </a:xfrm>
+      </p:grpSpPr>
+      <p:sp>
+        <p:nvSpPr>
+          <p:cNvPr id="93" name="PlaceHolder 1"/>
+          <p:cNvSpPr>
+            <a:spLocks noGrp="1"/>
+          </p:cNvSpPr>
+          <p:nvPr>
+            <p:ph type="title"/>
+          </p:nvPr>
+        </p:nvSpPr>
+        <p:spPr>
+          <a:xfrm>
+            <a:off x="504000" y="226080"/>
+            <a:ext cx="9071280" cy="946080"/>
+          </a:xfrm>
+          <a:prstGeom prst="rect">
+            <a:avLst/>
+          </a:prstGeom>
+          <a:noFill/>
+          <a:ln w="0">
+            <a:noFill/>
+          </a:ln>
+        </p:spPr>
+        <p:txBody>
+          <a:bodyPr lIns="0" rIns="0" tIns="0" bIns="0" anchor="ctr">
+            <a:noAutofit/>
+          </a:bodyPr>
+          <a:p>
+            <a:pPr indent="0" algn="ctr">
+              <a:buNone/>
+            </a:pPr>
+            <a:r>
+              <a:rPr b="0" lang="en-US" sz="4400" spc="-1" strike="noStrike">
+                <a:solidFill>
+                  <a:srgbClr val="000000"/>
+                </a:solidFill>
+                <a:latin typeface="Arial"/>
+              </a:rPr>
+              <a:t>Extrakcia akustických vlastností</a:t>
+            </a:r>
+            <a:endParaRPr b="0" lang="en-US" sz="4400" spc="-1" strike="noStrike">
+              <a:solidFill>
+                <a:srgbClr val="000000"/>
+              </a:solidFill>
+              <a:latin typeface="Arial"/>
+            </a:endParaRPr>
+          </a:p>
+        </p:txBody>
+      </p:sp>
+      <p:sp>
+        <p:nvSpPr>
+          <p:cNvPr id="94" name="PlaceHolder 10"/>
+          <p:cNvSpPr txBox="1"/>
+          <p:nvPr/>
+        </p:nvSpPr>
+        <p:spPr>
+          <a:xfrm>
+            <a:off x="504000" y="1327320"/>
+            <a:ext cx="9071280" cy="3287880"/>
+          </a:xfrm>
+          <a:prstGeom prst="rect">
+            <a:avLst/>
+          </a:prstGeom>
+          <a:noFill/>
+          <a:ln w="0">
+            <a:noFill/>
+          </a:ln>
+        </p:spPr>
+        <p:txBody>
+          <a:bodyPr lIns="0" rIns="0" tIns="0" bIns="0" anchor="t">
+            <a:normAutofit/>
+          </a:bodyPr>
+          <a:p>
+            <a:pPr marL="432000" indent="-324000">
+              <a:lnSpc>
+                <a:spcPct val="100000"/>
+              </a:lnSpc>
+              <a:spcBef>
+                <a:spcPts val="1417"/>
+              </a:spcBef>
+              <a:buClr>
+                <a:srgbClr val="000000"/>
+              </a:buClr>
+              <a:buSzPct val="45000"/>
+              <a:buFont typeface="Wingdings" charset="2"/>
+              <a:buChar char=""/>
+            </a:pPr>
+            <a:r>
+              <a:rPr b="0" lang="en-US" sz="3200" spc="-1" strike="noStrike">
+                <a:solidFill>
+                  <a:srgbClr val="000000"/>
+                </a:solidFill>
+                <a:latin typeface="Arial"/>
+              </a:rPr>
+              <a:t>Parselmouth calls</a:t>
+            </a:r>
+            <a:endParaRPr b="0" lang="en-US" sz="3200" spc="-1" strike="noStrike">
+              <a:solidFill>
+                <a:srgbClr val="000000"/>
+              </a:solidFill>
+              <a:latin typeface="Arial"/>
+            </a:endParaRPr>
+          </a:p>
+          <a:p>
+            <a:pPr marL="432000" indent="-324000">
+              <a:lnSpc>
+                <a:spcPct val="100000"/>
+              </a:lnSpc>
+              <a:spcBef>
+                <a:spcPts val="1417"/>
+              </a:spcBef>
+              <a:buClr>
+                <a:srgbClr val="000000"/>
+              </a:buClr>
+              <a:buSzPct val="45000"/>
+              <a:buFont typeface="Wingdings" charset="2"/>
+              <a:buChar char=""/>
+            </a:pPr>
+            <a:r>
+              <a:rPr b="0" lang="en-US" sz="3200" spc="-1" strike="noStrike">
+                <a:solidFill>
+                  <a:srgbClr val="000000"/>
+                </a:solidFill>
+                <a:latin typeface="Arial"/>
+              </a:rPr>
+              <a:t>Parselmouth sound</a:t>
+            </a:r>
+            <a:endParaRPr b="0" lang="en-US" sz="3200" spc="-1" strike="noStrike">
+              <a:solidFill>
+                <a:srgbClr val="000000"/>
+              </a:solidFill>
+              <a:latin typeface="Arial"/>
+            </a:endParaRPr>
+          </a:p>
+        </p:txBody>
+      </p:sp>
+      <p:pic>
+        <p:nvPicPr>
+          <p:cNvPr id="95" name="" descr=""/>
+          <p:cNvPicPr/>
+          <p:nvPr/>
+        </p:nvPicPr>
+        <p:blipFill>
+          <a:blip r:embed="rId1"/>
+          <a:stretch/>
+        </p:blipFill>
+        <p:spPr>
+          <a:xfrm>
+            <a:off x="0" y="0"/>
+            <a:ext cx="10053360" cy="5670360"/>
+          </a:xfrm>
+          <a:prstGeom prst="rect">
+            <a:avLst/>
+          </a:prstGeom>
+          <a:ln w="0">
+            <a:noFill/>
+          </a:ln>
+        </p:spPr>
+      </p:pic>
+    </p:spTree>
+  </p:cSld>
+  <mc:AlternateContent>
+    <mc:Choice Requires="p14">
+      <p:transition spd="slow" p14:dur="2000"/>
+    </mc:Choice>
+    <mc:Fallback>
+      <p:transition spd="slow"/>
+    </mc:Fallback>
+  </mc:AlternateContent>
+</p:sld>
+</file>
+
+<file path=ppt/slides/slide7.xml><?xml version="1.0" encoding="utf-8"?>
+<p:sld xmlns:a="http://schemas.openxmlformats.org/drawingml/2006/main" xmlns:p="http://schemas.openxmlformats.org/presentationml/2006/main" xmlns:r="http://schemas.openxmlformats.org/officeDocument/2006/relationships" xmlns:p14="http://schemas.microsoft.com/office/powerpoint/2010/main" xmlns:p15="http://schemas.microsoft.com/office/powerpoint/2012/main" xmlns:mc="http://schemas.openxmlformats.org/markup-compatibility/2006">
+  <p:cSld>
+    <p:spTree>
+      <p:nvGrpSpPr>
+        <p:cNvPr id="1" name=""/>
+        <p:cNvGrpSpPr/>
+        <p:nvPr/>
+      </p:nvGrpSpPr>
+      <p:grpSpPr>
+        <a:xfrm>
+          <a:off x="0" y="0"/>
+          <a:ext cx="0" cy="0"/>
+          <a:chOff x="0" y="0"/>
+          <a:chExt cx="0" cy="0"/>
+        </a:xfrm>
+      </p:grpSpPr>
+      <p:sp>
+        <p:nvSpPr>
+          <p:cNvPr id="96" name="PlaceHolder 1"/>
+          <p:cNvSpPr>
+            <a:spLocks noGrp="1"/>
+          </p:cNvSpPr>
+          <p:nvPr>
+            <p:ph type="title"/>
+          </p:nvPr>
+        </p:nvSpPr>
+        <p:spPr>
+          <a:xfrm>
+            <a:off x="504000" y="226080"/>
+            <a:ext cx="9071280" cy="946080"/>
+          </a:xfrm>
+          <a:prstGeom prst="rect">
+            <a:avLst/>
+          </a:prstGeom>
+          <a:noFill/>
+          <a:ln w="0">
+            <a:noFill/>
+          </a:ln>
+        </p:spPr>
+        <p:txBody>
+          <a:bodyPr lIns="0" rIns="0" tIns="0" bIns="0" anchor="ctr">
+            <a:noAutofit/>
+          </a:bodyPr>
+          <a:p>
+            <a:pPr indent="0" algn="ctr">
+              <a:buNone/>
+            </a:pPr>
+            <a:r>
+              <a:rPr b="0" lang="en-US" sz="4400" spc="-1" strike="noStrike">
+                <a:solidFill>
+                  <a:srgbClr val="000000"/>
+                </a:solidFill>
+                <a:latin typeface="Arial"/>
+              </a:rPr>
+              <a:t>Extrakcia spektrálnych vlastností</a:t>
+            </a:r>
+            <a:endParaRPr b="0" lang="en-US" sz="4400" spc="-1" strike="noStrike">
+              <a:solidFill>
+                <a:srgbClr val="000000"/>
+              </a:solidFill>
+              <a:latin typeface="Arial"/>
+            </a:endParaRPr>
+          </a:p>
+        </p:txBody>
+      </p:sp>
+      <p:sp>
+        <p:nvSpPr>
+          <p:cNvPr id="97" name="PlaceHolder 5"/>
+          <p:cNvSpPr txBox="1"/>
+          <p:nvPr/>
+        </p:nvSpPr>
+        <p:spPr>
+          <a:xfrm>
+            <a:off x="504000" y="1327320"/>
+            <a:ext cx="9071280" cy="3287880"/>
+          </a:xfrm>
+          <a:prstGeom prst="rect">
+            <a:avLst/>
+          </a:prstGeom>
+          <a:noFill/>
+          <a:ln w="0">
+            <a:noFill/>
+          </a:ln>
+        </p:spPr>
+        <p:txBody>
+          <a:bodyPr lIns="0" rIns="0" tIns="0" bIns="0" anchor="t">
+            <a:normAutofit/>
+          </a:bodyPr>
+          <a:p>
+            <a:pPr marL="432000" indent="-324000">
+              <a:lnSpc>
+                <a:spcPct val="100000"/>
+              </a:lnSpc>
+              <a:spcBef>
+                <a:spcPts val="1417"/>
+              </a:spcBef>
+              <a:buClr>
+                <a:srgbClr val="000000"/>
+              </a:buClr>
+              <a:buSzPct val="45000"/>
+              <a:buFont typeface="Wingdings" charset="2"/>
+              <a:buChar char=""/>
+            </a:pPr>
+            <a:r>
+              <a:rPr b="0" lang="en-US" sz="3200" spc="-1" strike="noStrike">
+                <a:solidFill>
+                  <a:srgbClr val="000000"/>
+                </a:solidFill>
+                <a:latin typeface="Arial"/>
+              </a:rPr>
+              <a:t>Soundfile, scipy (fft)</a:t>
+            </a:r>
+            <a:endParaRPr b="0" lang="en-US" sz="3200" spc="-1" strike="noStrike">
+              <a:solidFill>
+                <a:srgbClr val="000000"/>
+              </a:solidFill>
+              <a:latin typeface="Arial"/>
+            </a:endParaRPr>
+          </a:p>
+          <a:p>
+            <a:pPr marL="432000" indent="-324000">
+              <a:lnSpc>
+                <a:spcPct val="100000"/>
+              </a:lnSpc>
+              <a:spcBef>
+                <a:spcPts val="1417"/>
+              </a:spcBef>
+              <a:buClr>
+                <a:srgbClr val="000000"/>
+              </a:buClr>
+              <a:buSzPct val="45000"/>
+              <a:buFont typeface="Wingdings" charset="2"/>
+              <a:buChar char=""/>
+            </a:pPr>
+            <a:r>
+              <a:rPr b="0" lang="en-US" sz="3200" spc="-1" strike="noStrike">
+                <a:solidFill>
+                  <a:srgbClr val="000000"/>
+                </a:solidFill>
+                <a:latin typeface="Arial"/>
+              </a:rPr>
+              <a:t>matplotlib</a:t>
+            </a:r>
+            <a:endParaRPr b="0" lang="en-US" sz="3200" spc="-1" strike="noStrike">
+              <a:solidFill>
+                <a:srgbClr val="000000"/>
+              </a:solidFill>
+              <a:latin typeface="Arial"/>
+            </a:endParaRPr>
+          </a:p>
+          <a:p>
+            <a:pPr marL="432000" indent="-324000">
+              <a:lnSpc>
+                <a:spcPct val="100000"/>
+              </a:lnSpc>
+              <a:spcBef>
+                <a:spcPts val="1417"/>
+              </a:spcBef>
+              <a:buClr>
+                <a:srgbClr val="000000"/>
+              </a:buClr>
+              <a:buSzPct val="45000"/>
+              <a:buFont typeface="Wingdings" charset="2"/>
+              <a:buChar char=""/>
+            </a:pPr>
+            <a:r>
+              <a:rPr b="0" lang="en-US" sz="3200" spc="-1" strike="noStrike">
+                <a:solidFill>
+                  <a:srgbClr val="000000"/>
+                </a:solidFill>
+                <a:latin typeface="Arial"/>
+              </a:rPr>
+              <a:t>Použiteľné aj s gnuplot</a:t>
+            </a:r>
+            <a:endParaRPr b="0" lang="en-US" sz="3200" spc="-1" strike="noStrike">
+              <a:solidFill>
+                <a:srgbClr val="000000"/>
+              </a:solidFill>
+              <a:latin typeface="Arial"/>
+            </a:endParaRPr>
+          </a:p>
+        </p:txBody>
+      </p:sp>
+    </p:spTree>
+  </p:cSld>
+  <mc:AlternateContent>
+    <mc:Choice Requires="p14">
+      <p:transition spd="slow" p14:dur="2000"/>
+    </mc:Choice>
+    <mc:Fallback>
+      <p:transition spd="slow"/>
+    </mc:Fallback>
+  </mc:AlternateContent>
+</p:sld>
+</file>
+
+<file path=ppt/slides/slide8.xml><?xml version="1.0" encoding="utf-8"?>
+<p:sld xmlns:a="http://schemas.openxmlformats.org/drawingml/2006/main" xmlns:p="http://schemas.openxmlformats.org/presentationml/2006/main" xmlns:r="http://schemas.openxmlformats.org/officeDocument/2006/relationships" xmlns:p14="http://schemas.microsoft.com/office/powerpoint/2010/main" xmlns:p15="http://schemas.microsoft.com/office/powerpoint/2012/main" xmlns:mc="http://schemas.openxmlformats.org/markup-compatibility/2006">
+  <p:cSld>
+    <p:spTree>
+      <p:nvGrpSpPr>
+        <p:cNvPr id="1" name=""/>
+        <p:cNvGrpSpPr/>
+        <p:nvPr/>
+      </p:nvGrpSpPr>
+      <p:grpSpPr>
+        <a:xfrm>
+          <a:off x="0" y="0"/>
+          <a:ext cx="0" cy="0"/>
+          <a:chOff x="0" y="0"/>
+          <a:chExt cx="0" cy="0"/>
+        </a:xfrm>
+      </p:grpSpPr>
+      <p:sp>
+        <p:nvSpPr>
+          <p:cNvPr id="98" name="PlaceHolder 1"/>
+          <p:cNvSpPr>
+            <a:spLocks noGrp="1"/>
+          </p:cNvSpPr>
+          <p:nvPr>
+            <p:ph type="title"/>
+          </p:nvPr>
+        </p:nvSpPr>
+        <p:spPr>
+          <a:xfrm>
+            <a:off x="504000" y="226080"/>
+            <a:ext cx="9071280" cy="946080"/>
+          </a:xfrm>
+          <a:prstGeom prst="rect">
+            <a:avLst/>
+          </a:prstGeom>
+          <a:noFill/>
+          <a:ln w="0">
+            <a:noFill/>
+          </a:ln>
+        </p:spPr>
+        <p:txBody>
+          <a:bodyPr lIns="0" rIns="0" tIns="0" bIns="0" anchor="ctr">
+            <a:noAutofit/>
+          </a:bodyPr>
+          <a:p>
+            <a:pPr indent="0" algn="ctr">
+              <a:buNone/>
+            </a:pPr>
+            <a:r>
+              <a:rPr b="0" lang="en-US" sz="4400" spc="-1" strike="noStrike">
+                <a:solidFill>
+                  <a:srgbClr val="000000"/>
+                </a:solidFill>
+                <a:latin typeface="Arial"/>
+              </a:rPr>
+              <a:t>Extrakcia spektrálnych vlastností</a:t>
+            </a:r>
+            <a:endParaRPr b="0" lang="en-US" sz="4400" spc="-1" strike="noStrike">
+              <a:solidFill>
+                <a:srgbClr val="000000"/>
+              </a:solidFill>
+              <a:latin typeface="Arial"/>
+            </a:endParaRPr>
+          </a:p>
+        </p:txBody>
+      </p:sp>
+      <p:sp>
+        <p:nvSpPr>
+          <p:cNvPr id="99" name="PlaceHolder 11"/>
+          <p:cNvSpPr txBox="1"/>
+          <p:nvPr/>
+        </p:nvSpPr>
+        <p:spPr>
+          <a:xfrm>
+            <a:off x="504000" y="1327320"/>
+            <a:ext cx="9071280" cy="3287880"/>
+          </a:xfrm>
+          <a:prstGeom prst="rect">
+            <a:avLst/>
+          </a:prstGeom>
+          <a:noFill/>
+          <a:ln w="0">
+            <a:noFill/>
+          </a:ln>
+        </p:spPr>
+        <p:txBody>
+          <a:bodyPr lIns="0" rIns="0" tIns="0" bIns="0" anchor="t">
+            <a:normAutofit/>
+          </a:bodyPr>
+          <a:p>
+            <a:pPr marL="432000" indent="-324000">
+              <a:lnSpc>
+                <a:spcPct val="100000"/>
+              </a:lnSpc>
+              <a:spcBef>
+                <a:spcPts val="1417"/>
+              </a:spcBef>
+              <a:buClr>
+                <a:srgbClr val="000000"/>
+              </a:buClr>
+              <a:buSzPct val="45000"/>
+              <a:buFont typeface="Wingdings" charset="2"/>
+              <a:buChar char=""/>
+            </a:pPr>
+            <a:r>
+              <a:rPr b="0" lang="en-US" sz="3200" spc="-1" strike="noStrike">
+                <a:solidFill>
+                  <a:srgbClr val="000000"/>
+                </a:solidFill>
+                <a:latin typeface="Arial"/>
+              </a:rPr>
+              <a:t>Soundfile, scipy (fft)</a:t>
+            </a:r>
+            <a:endParaRPr b="0" lang="en-US" sz="3200" spc="-1" strike="noStrike">
+              <a:solidFill>
+                <a:srgbClr val="000000"/>
+              </a:solidFill>
+              <a:latin typeface="Arial"/>
+            </a:endParaRPr>
+          </a:p>
+          <a:p>
+            <a:pPr marL="432000" indent="-324000">
+              <a:lnSpc>
+                <a:spcPct val="100000"/>
+              </a:lnSpc>
+              <a:spcBef>
+                <a:spcPts val="1417"/>
+              </a:spcBef>
+              <a:buClr>
+                <a:srgbClr val="000000"/>
+              </a:buClr>
+              <a:buSzPct val="45000"/>
+              <a:buFont typeface="Wingdings" charset="2"/>
+              <a:buChar char=""/>
+            </a:pPr>
+            <a:r>
+              <a:rPr b="0" lang="en-US" sz="3200" spc="-1" strike="noStrike">
+                <a:solidFill>
+                  <a:srgbClr val="000000"/>
+                </a:solidFill>
+                <a:latin typeface="Arial"/>
+              </a:rPr>
+              <a:t>matplotlib</a:t>
+            </a:r>
+            <a:endParaRPr b="0" lang="en-US" sz="3200" spc="-1" strike="noStrike">
+              <a:solidFill>
+                <a:srgbClr val="000000"/>
+              </a:solidFill>
+              <a:latin typeface="Arial"/>
+            </a:endParaRPr>
+          </a:p>
+          <a:p>
+            <a:pPr marL="432000" indent="-324000">
+              <a:lnSpc>
+                <a:spcPct val="100000"/>
+              </a:lnSpc>
+              <a:spcBef>
+                <a:spcPts val="1417"/>
+              </a:spcBef>
+              <a:buClr>
+                <a:srgbClr val="000000"/>
+              </a:buClr>
+              <a:buSzPct val="45000"/>
+              <a:buFont typeface="Wingdings" charset="2"/>
+              <a:buChar char=""/>
+            </a:pPr>
+            <a:r>
+              <a:rPr b="0" lang="en-US" sz="3200" spc="-1" strike="noStrike">
+                <a:solidFill>
+                  <a:srgbClr val="000000"/>
+                </a:solidFill>
+                <a:latin typeface="Arial"/>
+              </a:rPr>
+              <a:t>Použiteľné aj s gnuplot</a:t>
+            </a:r>
+            <a:endParaRPr b="0" lang="en-US" sz="3200" spc="-1" strike="noStrike">
+              <a:solidFill>
+                <a:srgbClr val="000000"/>
+              </a:solidFill>
+              <a:latin typeface="Arial"/>
+            </a:endParaRPr>
+          </a:p>
+        </p:txBody>
+      </p:sp>
+      <p:pic>
+        <p:nvPicPr>
+          <p:cNvPr id="100" name="" descr=""/>
+          <p:cNvPicPr/>
+          <p:nvPr/>
+        </p:nvPicPr>
+        <p:blipFill>
+          <a:blip r:embed="rId1"/>
+          <a:stretch/>
+        </p:blipFill>
+        <p:spPr>
+          <a:xfrm>
+            <a:off x="0" y="44640"/>
+            <a:ext cx="10053360" cy="5670360"/>
+          </a:xfrm>
+          <a:prstGeom prst="rect">
+            <a:avLst/>
+          </a:prstGeom>
+          <a:ln w="0">
+            <a:noFill/>
+          </a:ln>
+        </p:spPr>
+      </p:pic>
+    </p:spTree>
+  </p:cSld>
+  <mc:AlternateContent>
+    <mc:Choice Requires="p14">
+      <p:transition spd="slow" p14:dur="2000"/>
+    </mc:Choice>
+    <mc:Fallback>
+      <p:transition spd="slow"/>
+    </mc:Fallback>
+  </mc:AlternateContent>
+</p:sld>
+</file>
+
+<file path=ppt/slides/slide9.xml><?xml version="1.0" encoding="utf-8"?>
+<p:sld xmlns:a="http://schemas.openxmlformats.org/drawingml/2006/main" xmlns:p="http://schemas.openxmlformats.org/presentationml/2006/main" xmlns:r="http://schemas.openxmlformats.org/officeDocument/2006/relationships" xmlns:p14="http://schemas.microsoft.com/office/powerpoint/2010/main" xmlns:p15="http://schemas.microsoft.com/office/powerpoint/2012/main" xmlns:mc="http://schemas.openxmlformats.org/markup-compatibility/2006">
+  <p:cSld>
+    <p:spTree>
+      <p:nvGrpSpPr>
+        <p:cNvPr id="1" name=""/>
+        <p:cNvGrpSpPr/>
+        <p:nvPr/>
+      </p:nvGrpSpPr>
+      <p:grpSpPr>
+        <a:xfrm>
+          <a:off x="0" y="0"/>
+          <a:ext cx="0" cy="0"/>
+          <a:chOff x="0" y="0"/>
+          <a:chExt cx="0" cy="0"/>
+        </a:xfrm>
+      </p:grpSpPr>
+      <p:sp>
+        <p:nvSpPr>
+          <p:cNvPr id="101" name="PlaceHolder 1"/>
+          <p:cNvSpPr>
+            <a:spLocks noGrp="1"/>
+          </p:cNvSpPr>
+          <p:nvPr>
+            <p:ph type="title"/>
+          </p:nvPr>
+        </p:nvSpPr>
+        <p:spPr>
+          <a:xfrm>
+            <a:off x="504000" y="226080"/>
+            <a:ext cx="9071280" cy="946080"/>
+          </a:xfrm>
+          <a:prstGeom prst="rect">
+            <a:avLst/>
+          </a:prstGeom>
+          <a:noFill/>
+          <a:ln w="0">
+            <a:noFill/>
+          </a:ln>
+        </p:spPr>
+        <p:txBody>
+          <a:bodyPr lIns="0" rIns="0" tIns="0" bIns="0" anchor="ctr">
+            <a:noAutofit/>
+          </a:bodyPr>
+          <a:p>
+            <a:pPr indent="0" algn="ctr">
+              <a:buNone/>
+            </a:pPr>
+            <a:r>
+              <a:rPr b="0" lang="en-US" sz="4400" spc="-1" strike="noStrike">
+                <a:solidFill>
+                  <a:srgbClr val="000000"/>
+                </a:solidFill>
+                <a:latin typeface="Arial"/>
+              </a:rPr>
+              <a:t>Extrakcia spektrálnych vlastností</a:t>
+            </a:r>
+            <a:endParaRPr b="0" lang="en-US" sz="4400" spc="-1" strike="noStrike">
+              <a:solidFill>
+                <a:srgbClr val="000000"/>
+              </a:solidFill>
+              <a:latin typeface="Arial"/>
+            </a:endParaRPr>
+          </a:p>
+        </p:txBody>
+      </p:sp>
+      <p:sp>
+        <p:nvSpPr>
+          <p:cNvPr id="102" name="PlaceHolder 9"/>
+          <p:cNvSpPr txBox="1"/>
+          <p:nvPr/>
+        </p:nvSpPr>
+        <p:spPr>
+          <a:xfrm>
+            <a:off x="504000" y="1327320"/>
+            <a:ext cx="9071280" cy="3287880"/>
+          </a:xfrm>
+          <a:prstGeom prst="rect">
+            <a:avLst/>
+          </a:prstGeom>
+          <a:noFill/>
+          <a:ln w="0">
+            <a:noFill/>
+          </a:ln>
+        </p:spPr>
+        <p:txBody>
+          <a:bodyPr lIns="0" rIns="0" tIns="0" bIns="0" anchor="t">
+            <a:normAutofit/>
+          </a:bodyPr>
+          <a:p>
+            <a:pPr marL="432000" indent="-324000">
+              <a:lnSpc>
+                <a:spcPct val="100000"/>
+              </a:lnSpc>
+              <a:spcBef>
+                <a:spcPts val="1417"/>
+              </a:spcBef>
+              <a:buClr>
+                <a:srgbClr val="000000"/>
+              </a:buClr>
+              <a:buSzPct val="45000"/>
+              <a:buFont typeface="Wingdings" charset="2"/>
+              <a:buChar char=""/>
+            </a:pPr>
+            <a:r>
+              <a:rPr b="0" lang="en-US" sz="3200" spc="-1" strike="noStrike">
+                <a:solidFill>
+                  <a:srgbClr val="000000"/>
+                </a:solidFill>
+                <a:latin typeface="Arial"/>
+              </a:rPr>
+              <a:t>Soundfile, scipy (fft)</a:t>
+            </a:r>
+            <a:endParaRPr b="0" lang="en-US" sz="3200" spc="-1" strike="noStrike">
+              <a:solidFill>
+                <a:srgbClr val="000000"/>
+              </a:solidFill>
+              <a:latin typeface="Arial"/>
+            </a:endParaRPr>
+          </a:p>
+        </p:txBody>
+      </p:sp>
+      <p:pic>
+        <p:nvPicPr>
+          <p:cNvPr id="103" name="" descr=""/>
+          <p:cNvPicPr/>
+          <p:nvPr/>
+        </p:nvPicPr>
+        <p:blipFill>
+          <a:blip r:embed="rId1"/>
+          <a:stretch/>
+        </p:blipFill>
+        <p:spPr>
+          <a:xfrm>
+            <a:off x="0" y="-20520"/>
+            <a:ext cx="10101600" cy="5697360"/>
           </a:xfrm>
           <a:prstGeom prst="rect">
             <a:avLst/>
@@ -3541,10 +8104,224 @@
   <a:themeElements>
     <a:clrScheme name="Office">
       <a:dk1>
-        <a:sysClr val="windowText" lastClr="000000"/>
+        <a:srgbClr val="000000"/>
       </a:dk1>
       <a:lt1>
-        <a:sysClr val="window" lastClr="FFFFFF"/>
+        <a:srgbClr val="ffffff"/>
+      </a:lt1>
+      <a:dk2>
+        <a:srgbClr val="1f497d"/>
+      </a:dk2>
+      <a:lt2>
+        <a:srgbClr val="eeece1"/>
+      </a:lt2>
+      <a:accent1>
+        <a:srgbClr val="4f81bd"/>
+      </a:accent1>
+      <a:accent2>
+        <a:srgbClr val="c0504d"/>
+      </a:accent2>
+      <a:accent3>
+        <a:srgbClr val="9bbb59"/>
+      </a:accent3>
+      <a:accent4>
+        <a:srgbClr val="8064a2"/>
+      </a:accent4>
+      <a:accent5>
+        <a:srgbClr val="4bacc6"/>
+      </a:accent5>
+      <a:accent6>
+        <a:srgbClr val="f79646"/>
+      </a:accent6>
+      <a:hlink>
+        <a:srgbClr val="0000ff"/>
+      </a:hlink>
+      <a:folHlink>
+        <a:srgbClr val="800080"/>
+      </a:folHlink>
+    </a:clrScheme>
+    <a:fontScheme name="Office">
+      <a:majorFont>
+        <a:latin typeface="Arial"/>
+        <a:ea typeface="DejaVu Sans"/>
+        <a:cs typeface="DejaVu Sans"/>
+      </a:majorFont>
+      <a:minorFont>
+        <a:latin typeface="Arial"/>
+        <a:ea typeface="DejaVu Sans"/>
+        <a:cs typeface="DejaVu Sans"/>
+      </a:minorFont>
+    </a:fontScheme>
+    <a:fmtScheme name="Office">
+      <a:fillStyleLst>
+        <a:solidFill>
+          <a:schemeClr val="phClr"/>
+        </a:solidFill>
+        <a:gradFill rotWithShape="1">
+          <a:gsLst>
+            <a:gs pos="0">
+              <a:schemeClr val="phClr">
+                <a:tint val="50000"/>
+                <a:satMod val="300000"/>
+              </a:schemeClr>
+            </a:gs>
+            <a:gs pos="35000">
+              <a:schemeClr val="phClr">
+                <a:tint val="37000"/>
+                <a:satMod val="300000"/>
+              </a:schemeClr>
+            </a:gs>
+            <a:gs pos="100000">
+              <a:schemeClr val="phClr">
+                <a:tint val="15000"/>
+                <a:satMod val="350000"/>
+              </a:schemeClr>
+            </a:gs>
+          </a:gsLst>
+          <a:lin ang="16200000" scaled="1"/>
+        </a:gradFill>
+        <a:gradFill rotWithShape="1">
+          <a:gsLst>
+            <a:gs pos="0">
+              <a:schemeClr val="phClr">
+                <a:shade val="51000"/>
+                <a:satMod val="130000"/>
+              </a:schemeClr>
+            </a:gs>
+            <a:gs pos="80000">
+              <a:schemeClr val="phClr">
+                <a:shade val="93000"/>
+                <a:satMod val="130000"/>
+              </a:schemeClr>
+            </a:gs>
+            <a:gs pos="100000">
+              <a:schemeClr val="phClr">
+                <a:shade val="94000"/>
+                <a:satMod val="135000"/>
+              </a:schemeClr>
+            </a:gs>
+          </a:gsLst>
+          <a:lin ang="16200000" scaled="0"/>
+        </a:gradFill>
+      </a:fillStyleLst>
+      <a:lnStyleLst>
+        <a:ln w="6350" cap="flat" cmpd="sng" algn="ctr">
+          <a:solidFill>
+            <a:schemeClr val="phClr">
+              <a:shade val="95000"/>
+              <a:satMod val="105000"/>
+            </a:schemeClr>
+          </a:solidFill>
+          <a:prstDash val="solid"/>
+          <a:miter/>
+        </a:ln>
+        <a:ln w="12700" cap="flat" cmpd="sng" algn="ctr">
+          <a:solidFill>
+            <a:schemeClr val="phClr"/>
+          </a:solidFill>
+          <a:prstDash val="solid"/>
+          <a:miter/>
+        </a:ln>
+        <a:ln w="19050" cap="flat" cmpd="sng" algn="ctr">
+          <a:solidFill>
+            <a:schemeClr val="phClr"/>
+          </a:solidFill>
+          <a:prstDash val="solid"/>
+          <a:miter/>
+        </a:ln>
+      </a:lnStyleLst>
+      <a:effectStyleLst>
+        <a:effectStyle>
+          <a:effectLst/>
+        </a:effectStyle>
+        <a:effectStyle>
+          <a:effectLst/>
+        </a:effectStyle>
+        <a:effectStyle>
+          <a:effectLst>
+            <a:outerShdw blurRad="40000" dist="23000" dir="5400000" rotWithShape="0">
+              <a:srgbClr val="000000">
+                <a:alpha val="35000"/>
+              </a:srgbClr>
+            </a:outerShdw>
+          </a:effectLst>
+          <a:scene3d>
+            <a:camera prst="orthographicFront">
+              <a:rot lat="0" lon="0" rev="0"/>
+            </a:camera>
+            <a:lightRig rig="threePt" dir="t">
+              <a:rot lat="0" lon="0" rev="1200000"/>
+            </a:lightRig>
+          </a:scene3d>
+          <a:sp3d>
+            <a:bevelT w="63500" h="25400"/>
+          </a:sp3d>
+        </a:effectStyle>
+      </a:effectStyleLst>
+      <a:bgFillStyleLst>
+        <a:solidFill>
+          <a:schemeClr val="phClr"/>
+        </a:solidFill>
+        <a:gradFill rotWithShape="1">
+          <a:gsLst>
+            <a:gs pos="0">
+              <a:schemeClr val="phClr">
+                <a:tint val="40000"/>
+                <a:satMod val="350000"/>
+              </a:schemeClr>
+            </a:gs>
+            <a:gs pos="40000">
+              <a:schemeClr val="phClr">
+                <a:tint val="45000"/>
+                <a:shade val="99000"/>
+                <a:satMod val="350000"/>
+              </a:schemeClr>
+            </a:gs>
+            <a:gs pos="100000">
+              <a:schemeClr val="phClr">
+                <a:shade val="20000"/>
+                <a:satMod val="255000"/>
+              </a:schemeClr>
+            </a:gs>
+          </a:gsLst>
+          <a:path path="circle">
+            <a:fillToRect l="50000" t="-80000" r="50000" b="180000"/>
+          </a:path>
+        </a:gradFill>
+        <a:gradFill rotWithShape="1">
+          <a:gsLst>
+            <a:gs pos="0">
+              <a:schemeClr val="phClr">
+                <a:tint val="80000"/>
+                <a:satMod val="300000"/>
+              </a:schemeClr>
+            </a:gs>
+            <a:gs pos="100000">
+              <a:schemeClr val="phClr">
+                <a:shade val="30000"/>
+                <a:satMod val="200000"/>
+              </a:schemeClr>
+            </a:gs>
+          </a:gsLst>
+          <a:path path="circle">
+            <a:fillToRect l="50000" t="50000" r="50000" b="50000"/>
+          </a:path>
+        </a:gradFill>
+      </a:bgFillStyleLst>
+    </a:fmtScheme>
+  </a:themeElements>
+</a:theme>
+</file>
+
+<file path=ppt/theme/theme2.xml><?xml version="1.0" encoding="utf-8"?>
+<a:theme xmlns:a="http://schemas.openxmlformats.org/drawingml/2006/main" name="Office Theme">
+  <a:themeElements>
+    <a:clrScheme name="Office">
+      <a:dk1>
+        <a:srgbClr val="000000"/>
+      </a:dk1>
+      <a:lt1>
+        <a:srgbClr val="ffffff"/>
       </a:lt1>
       <a:dk2>
         <a:srgbClr val="1f497d"/>
